--- a/Licenta/Licenta_Slides.pptx
+++ b/Licenta/Licenta_Slides.pptx
@@ -1012,7 +1012,166 @@
               </a:spcAft>
               <a:buNone/>
             </a:pPr>
-            <a:endParaRPr/>
+            <a:r>
+              <a:rPr lang="en-US" dirty="0" err="1"/>
+              <a:t>Javascript</a:t>
+            </a:r>
+            <a:r>
+              <a:rPr lang="en-US" dirty="0"/>
+              <a:t>: </a:t>
+            </a:r>
+            <a:r>
+              <a:rPr lang="en-US" dirty="0" err="1"/>
+              <a:t>pentru</a:t>
+            </a:r>
+            <a:r>
+              <a:rPr lang="en-US" dirty="0"/>
+              <a:t> </a:t>
+            </a:r>
+            <a:r>
+              <a:rPr lang="en-US" dirty="0" err="1"/>
+              <a:t>scripturi</a:t>
+            </a:r>
+            <a:r>
+              <a:rPr lang="en-US" dirty="0"/>
+              <a:t>, l-am </a:t>
+            </a:r>
+            <a:r>
+              <a:rPr lang="en-US" dirty="0" err="1"/>
+              <a:t>folosit</a:t>
+            </a:r>
+            <a:r>
+              <a:rPr lang="en-US" dirty="0"/>
+              <a:t> la </a:t>
+            </a:r>
+            <a:r>
+              <a:rPr lang="en-US" dirty="0" err="1"/>
+              <a:t>multe</a:t>
+            </a:r>
+            <a:r>
+              <a:rPr lang="en-US" dirty="0"/>
+              <a:t> </a:t>
+            </a:r>
+            <a:r>
+              <a:rPr lang="en-US" dirty="0" err="1"/>
+              <a:t>rutari</a:t>
+            </a:r>
+            <a:r>
+              <a:rPr lang="en-US" dirty="0"/>
+              <a:t> din view in controller cand era </a:t>
+            </a:r>
+            <a:r>
+              <a:rPr lang="en-US" dirty="0" err="1"/>
+              <a:t>nevoie</a:t>
+            </a:r>
+            <a:r>
+              <a:rPr lang="en-US" dirty="0"/>
+              <a:t> de </a:t>
+            </a:r>
+            <a:r>
+              <a:rPr lang="en-US" dirty="0" err="1"/>
+              <a:t>ceva</a:t>
+            </a:r>
+            <a:r>
+              <a:rPr lang="en-US" dirty="0"/>
+              <a:t> </a:t>
+            </a:r>
+            <a:r>
+              <a:rPr lang="en-US" dirty="0" err="1"/>
+              <a:t>mai</a:t>
+            </a:r>
+            <a:r>
+              <a:rPr lang="en-US" dirty="0"/>
+              <a:t> custom </a:t>
+            </a:r>
+            <a:r>
+              <a:rPr lang="en-US" dirty="0" err="1"/>
+              <a:t>decat</a:t>
+            </a:r>
+            <a:r>
+              <a:rPr lang="en-US" dirty="0"/>
+              <a:t> asp-for din </a:t>
+            </a:r>
+            <a:r>
+              <a:rPr lang="en-US" dirty="0" err="1"/>
+              <a:t>.net</a:t>
+            </a:r>
+            <a:r>
+              <a:rPr lang="en-US" dirty="0"/>
+              <a:t> core</a:t>
+            </a:r>
+          </a:p>
+          <a:p>
+            <a:pPr marL="0" lvl="0" indent="0" algn="l" rtl="0">
+              <a:spcBef>
+                <a:spcPts val="0"/>
+              </a:spcBef>
+              <a:spcAft>
+                <a:spcPts val="0"/>
+              </a:spcAft>
+              <a:buNone/>
+            </a:pPr>
+            <a:r>
+              <a:rPr lang="en-US" dirty="0"/>
+              <a:t>Html </a:t>
+            </a:r>
+            <a:r>
+              <a:rPr lang="en-US" dirty="0" err="1"/>
+              <a:t>si</a:t>
+            </a:r>
+            <a:r>
+              <a:rPr lang="en-US" dirty="0"/>
+              <a:t> </a:t>
+            </a:r>
+            <a:r>
+              <a:rPr lang="en-US" dirty="0" err="1"/>
+              <a:t>css</a:t>
+            </a:r>
+            <a:r>
+              <a:rPr lang="en-US" dirty="0"/>
+              <a:t> </a:t>
+            </a:r>
+            <a:r>
+              <a:rPr lang="en-US" dirty="0" err="1"/>
+              <a:t>prin</a:t>
+            </a:r>
+            <a:r>
+              <a:rPr lang="en-US" dirty="0"/>
+              <a:t> </a:t>
+            </a:r>
+            <a:r>
+              <a:rPr lang="en-US" dirty="0" err="1"/>
+              <a:t>intermediul</a:t>
+            </a:r>
+            <a:r>
+              <a:rPr lang="en-US" dirty="0"/>
+              <a:t> bootstrap </a:t>
+            </a:r>
+            <a:r>
+              <a:rPr lang="en-US" dirty="0" err="1"/>
+              <a:t>si</a:t>
+            </a:r>
+            <a:r>
+              <a:rPr lang="en-US" dirty="0"/>
+              <a:t> </a:t>
+            </a:r>
+            <a:r>
+              <a:rPr lang="en-US" dirty="0" err="1"/>
+              <a:t>unei</a:t>
+            </a:r>
+            <a:r>
+              <a:rPr lang="en-US" dirty="0"/>
+              <a:t> </a:t>
+            </a:r>
+            <a:r>
+              <a:rPr lang="en-US" dirty="0" err="1"/>
+              <a:t>teme</a:t>
+            </a:r>
+            <a:r>
+              <a:rPr lang="en-US" dirty="0"/>
+              <a:t> custom</a:t>
+            </a:r>
+            <a:endParaRPr dirty="0"/>
           </a:p>
         </p:txBody>
       </p:sp>
@@ -1363,6 +1522,874 @@
             <a:r>
               <a:rPr lang="en-US" dirty="0"/>
               <a:t> de un context</a:t>
+            </a:r>
+          </a:p>
+          <a:p>
+            <a:pPr marL="0" lvl="0" indent="0" algn="l" rtl="0">
+              <a:spcBef>
+                <a:spcPts val="0"/>
+              </a:spcBef>
+              <a:spcAft>
+                <a:spcPts val="0"/>
+              </a:spcAft>
+              <a:buNone/>
+            </a:pPr>
+            <a:r>
+              <a:rPr lang="en-US" dirty="0"/>
+              <a:t>Identity: </a:t>
+            </a:r>
+            <a:r>
+              <a:rPr lang="en-US" dirty="0" err="1"/>
+              <a:t>pentru</a:t>
+            </a:r>
+            <a:r>
+              <a:rPr lang="en-US" dirty="0"/>
+              <a:t> </a:t>
+            </a:r>
+            <a:r>
+              <a:rPr lang="en-US" dirty="0" err="1"/>
+              <a:t>conturi</a:t>
+            </a:r>
+            <a:r>
+              <a:rPr lang="en-US" dirty="0"/>
+              <a:t>, </a:t>
+            </a:r>
+            <a:r>
+              <a:rPr lang="en-US" dirty="0" err="1"/>
+              <a:t>roluri</a:t>
+            </a:r>
+            <a:r>
+              <a:rPr lang="en-US" dirty="0"/>
+              <a:t>, are </a:t>
+            </a:r>
+            <a:r>
+              <a:rPr lang="en-US" dirty="0" err="1"/>
+              <a:t>si</a:t>
+            </a:r>
+            <a:r>
+              <a:rPr lang="en-US" dirty="0"/>
+              <a:t> Securitate cand se </a:t>
+            </a:r>
+            <a:r>
+              <a:rPr lang="en-US" dirty="0" err="1"/>
+              <a:t>salveaza</a:t>
+            </a:r>
+            <a:r>
+              <a:rPr lang="en-US" dirty="0"/>
+              <a:t> in BD </a:t>
+            </a:r>
+            <a:r>
+              <a:rPr lang="en-US" dirty="0" err="1"/>
+              <a:t>folosind</a:t>
+            </a:r>
+            <a:r>
+              <a:rPr lang="en-US" dirty="0"/>
+              <a:t> un Hasher special </a:t>
+            </a:r>
+            <a:br>
+              <a:rPr lang="en-US" dirty="0"/>
+            </a:br>
+            <a:r>
+              <a:rPr lang="en-US" b="0" i="0" dirty="0" err="1">
+                <a:solidFill>
+                  <a:srgbClr val="E8EAED"/>
+                </a:solidFill>
+                <a:effectLst/>
+                <a:latin typeface="arial" panose="020B0604020202020204" pitchFamily="34" charset="0"/>
+              </a:rPr>
+              <a:t>În</a:t>
+            </a:r>
+            <a:r>
+              <a:rPr lang="en-US" b="0" i="0" dirty="0">
+                <a:solidFill>
+                  <a:srgbClr val="E8EAED"/>
+                </a:solidFill>
+                <a:effectLst/>
+                <a:latin typeface="arial" panose="020B0604020202020204" pitchFamily="34" charset="0"/>
+              </a:rPr>
+              <a:t> </a:t>
+            </a:r>
+            <a:r>
+              <a:rPr lang="en-US" b="0" i="0" dirty="0" err="1">
+                <a:solidFill>
+                  <a:srgbClr val="E8EAED"/>
+                </a:solidFill>
+                <a:effectLst/>
+                <a:latin typeface="arial" panose="020B0604020202020204" pitchFamily="34" charset="0"/>
+              </a:rPr>
+              <a:t>criptografie</a:t>
+            </a:r>
+            <a:r>
+              <a:rPr lang="en-US" b="0" i="0" dirty="0">
+                <a:solidFill>
+                  <a:srgbClr val="E8EAED"/>
+                </a:solidFill>
+                <a:effectLst/>
+                <a:latin typeface="arial" panose="020B0604020202020204" pitchFamily="34" charset="0"/>
+              </a:rPr>
+              <a:t>, o </a:t>
+            </a:r>
+            <a:r>
+              <a:rPr lang="en-US" b="0" i="0" dirty="0" err="1">
+                <a:solidFill>
+                  <a:srgbClr val="E8EAED"/>
+                </a:solidFill>
+                <a:effectLst/>
+                <a:latin typeface="arial" panose="020B0604020202020204" pitchFamily="34" charset="0"/>
+              </a:rPr>
+              <a:t>funcție</a:t>
+            </a:r>
+            <a:r>
+              <a:rPr lang="en-US" b="0" i="0" dirty="0">
+                <a:solidFill>
+                  <a:srgbClr val="E8EAED"/>
+                </a:solidFill>
+                <a:effectLst/>
+                <a:latin typeface="arial" panose="020B0604020202020204" pitchFamily="34" charset="0"/>
+              </a:rPr>
+              <a:t> hash </a:t>
+            </a:r>
+            <a:r>
+              <a:rPr lang="en-US" b="0" i="0" dirty="0" err="1">
+                <a:solidFill>
+                  <a:srgbClr val="E8EAED"/>
+                </a:solidFill>
+                <a:effectLst/>
+                <a:latin typeface="arial" panose="020B0604020202020204" pitchFamily="34" charset="0"/>
+              </a:rPr>
+              <a:t>este</a:t>
+            </a:r>
+            <a:r>
+              <a:rPr lang="en-US" b="0" i="0" dirty="0">
+                <a:solidFill>
+                  <a:srgbClr val="E8EAED"/>
+                </a:solidFill>
+                <a:effectLst/>
+                <a:latin typeface="arial" panose="020B0604020202020204" pitchFamily="34" charset="0"/>
+              </a:rPr>
+              <a:t> un </a:t>
+            </a:r>
+            <a:r>
+              <a:rPr lang="en-US" b="0" i="0" dirty="0" err="1">
+                <a:solidFill>
+                  <a:srgbClr val="E8EAED"/>
+                </a:solidFill>
+                <a:effectLst/>
+                <a:latin typeface="arial" panose="020B0604020202020204" pitchFamily="34" charset="0"/>
+              </a:rPr>
+              <a:t>algoritm</a:t>
+            </a:r>
+            <a:r>
+              <a:rPr lang="en-US" b="0" i="0" dirty="0">
+                <a:solidFill>
+                  <a:srgbClr val="E8EAED"/>
+                </a:solidFill>
+                <a:effectLst/>
+                <a:latin typeface="arial" panose="020B0604020202020204" pitchFamily="34" charset="0"/>
+              </a:rPr>
+              <a:t> </a:t>
+            </a:r>
+            <a:r>
+              <a:rPr lang="en-US" b="0" i="0" dirty="0" err="1">
+                <a:solidFill>
+                  <a:srgbClr val="E8EAED"/>
+                </a:solidFill>
+                <a:effectLst/>
+                <a:latin typeface="arial" panose="020B0604020202020204" pitchFamily="34" charset="0"/>
+              </a:rPr>
+              <a:t>matematic</a:t>
+            </a:r>
+            <a:r>
+              <a:rPr lang="en-US" b="0" i="0" dirty="0">
+                <a:solidFill>
+                  <a:srgbClr val="E8EAED"/>
+                </a:solidFill>
+                <a:effectLst/>
+                <a:latin typeface="arial" panose="020B0604020202020204" pitchFamily="34" charset="0"/>
+              </a:rPr>
+              <a:t> care </a:t>
+            </a:r>
+            <a:r>
+              <a:rPr lang="en-US" b="0" i="0" dirty="0" err="1">
+                <a:solidFill>
+                  <a:srgbClr val="E8EAED"/>
+                </a:solidFill>
+                <a:effectLst/>
+                <a:latin typeface="arial" panose="020B0604020202020204" pitchFamily="34" charset="0"/>
+              </a:rPr>
+              <a:t>mapează</a:t>
+            </a:r>
+            <a:r>
+              <a:rPr lang="en-US" b="0" i="0" dirty="0">
+                <a:solidFill>
+                  <a:srgbClr val="E8EAED"/>
+                </a:solidFill>
+                <a:effectLst/>
+                <a:latin typeface="arial" panose="020B0604020202020204" pitchFamily="34" charset="0"/>
+              </a:rPr>
+              <a:t> date de </a:t>
+            </a:r>
+            <a:r>
+              <a:rPr lang="en-US" b="0" i="0" dirty="0" err="1">
+                <a:solidFill>
+                  <a:srgbClr val="E8EAED"/>
+                </a:solidFill>
+                <a:effectLst/>
+                <a:latin typeface="arial" panose="020B0604020202020204" pitchFamily="34" charset="0"/>
+              </a:rPr>
+              <a:t>orice</a:t>
+            </a:r>
+            <a:r>
+              <a:rPr lang="en-US" b="0" i="0" dirty="0">
+                <a:solidFill>
+                  <a:srgbClr val="E8EAED"/>
+                </a:solidFill>
+                <a:effectLst/>
+                <a:latin typeface="arial" panose="020B0604020202020204" pitchFamily="34" charset="0"/>
+              </a:rPr>
+              <a:t> </a:t>
+            </a:r>
+            <a:r>
+              <a:rPr lang="en-US" b="0" i="0" dirty="0" err="1">
+                <a:solidFill>
+                  <a:srgbClr val="E8EAED"/>
+                </a:solidFill>
+                <a:effectLst/>
+                <a:latin typeface="arial" panose="020B0604020202020204" pitchFamily="34" charset="0"/>
+              </a:rPr>
+              <a:t>dimensiune</a:t>
+            </a:r>
+            <a:r>
+              <a:rPr lang="en-US" b="0" i="0" dirty="0">
+                <a:solidFill>
+                  <a:srgbClr val="E8EAED"/>
+                </a:solidFill>
+                <a:effectLst/>
+                <a:latin typeface="arial" panose="020B0604020202020204" pitchFamily="34" charset="0"/>
+              </a:rPr>
+              <a:t> la un </a:t>
+            </a:r>
+            <a:r>
+              <a:rPr lang="en-US" b="0" i="0" dirty="0" err="1">
+                <a:solidFill>
+                  <a:srgbClr val="E8EAED"/>
+                </a:solidFill>
+                <a:effectLst/>
+                <a:latin typeface="arial" panose="020B0604020202020204" pitchFamily="34" charset="0"/>
+              </a:rPr>
+              <a:t>șir</a:t>
+            </a:r>
+            <a:r>
+              <a:rPr lang="en-US" b="0" i="0" dirty="0">
+                <a:solidFill>
+                  <a:srgbClr val="E8EAED"/>
+                </a:solidFill>
+                <a:effectLst/>
+                <a:latin typeface="arial" panose="020B0604020202020204" pitchFamily="34" charset="0"/>
+              </a:rPr>
+              <a:t> de </a:t>
+            </a:r>
+            <a:r>
+              <a:rPr lang="en-US" b="0" i="0" dirty="0" err="1">
+                <a:solidFill>
+                  <a:srgbClr val="E8EAED"/>
+                </a:solidFill>
+                <a:effectLst/>
+                <a:latin typeface="arial" panose="020B0604020202020204" pitchFamily="34" charset="0"/>
+              </a:rPr>
+              <a:t>biți</a:t>
+            </a:r>
+            <a:r>
+              <a:rPr lang="en-US" b="0" i="0" dirty="0">
+                <a:solidFill>
+                  <a:srgbClr val="E8EAED"/>
+                </a:solidFill>
+                <a:effectLst/>
+                <a:latin typeface="arial" panose="020B0604020202020204" pitchFamily="34" charset="0"/>
+              </a:rPr>
+              <a:t> de </a:t>
+            </a:r>
+          </a:p>
+          <a:p>
+            <a:pPr marL="0" lvl="0" indent="0" algn="l" rtl="0">
+              <a:spcBef>
+                <a:spcPts val="0"/>
+              </a:spcBef>
+              <a:spcAft>
+                <a:spcPts val="0"/>
+              </a:spcAft>
+              <a:buNone/>
+            </a:pPr>
+            <a:r>
+              <a:rPr lang="en-US" b="0" i="0" dirty="0" err="1">
+                <a:solidFill>
+                  <a:srgbClr val="E8EAED"/>
+                </a:solidFill>
+                <a:effectLst/>
+                <a:latin typeface="arial" panose="020B0604020202020204" pitchFamily="34" charset="0"/>
+              </a:rPr>
+              <a:t>dimensiune</a:t>
+            </a:r>
+            <a:r>
+              <a:rPr lang="en-US" b="0" i="0" dirty="0">
+                <a:solidFill>
+                  <a:srgbClr val="E8EAED"/>
+                </a:solidFill>
+                <a:effectLst/>
+                <a:latin typeface="arial" panose="020B0604020202020204" pitchFamily="34" charset="0"/>
+              </a:rPr>
+              <a:t> </a:t>
+            </a:r>
+            <a:r>
+              <a:rPr lang="en-US" b="0" i="0" dirty="0" err="1">
+                <a:solidFill>
+                  <a:srgbClr val="E8EAED"/>
+                </a:solidFill>
+                <a:effectLst/>
+                <a:latin typeface="arial" panose="020B0604020202020204" pitchFamily="34" charset="0"/>
+              </a:rPr>
+              <a:t>fixă</a:t>
+            </a:r>
+            <a:r>
+              <a:rPr lang="en-US" b="0" i="0" dirty="0">
+                <a:solidFill>
+                  <a:srgbClr val="E8EAED"/>
+                </a:solidFill>
+                <a:effectLst/>
+                <a:latin typeface="arial" panose="020B0604020202020204" pitchFamily="34" charset="0"/>
+              </a:rPr>
+              <a:t>. Ne </a:t>
+            </a:r>
+            <a:r>
+              <a:rPr lang="en-US" b="0" i="0" dirty="0" err="1">
+                <a:solidFill>
+                  <a:srgbClr val="E8EAED"/>
+                </a:solidFill>
+                <a:effectLst/>
+                <a:latin typeface="arial" panose="020B0604020202020204" pitchFamily="34" charset="0"/>
+              </a:rPr>
+              <a:t>putem</a:t>
+            </a:r>
+            <a:r>
+              <a:rPr lang="en-US" b="0" i="0" dirty="0">
+                <a:solidFill>
+                  <a:srgbClr val="E8EAED"/>
+                </a:solidFill>
+                <a:effectLst/>
+                <a:latin typeface="arial" panose="020B0604020202020204" pitchFamily="34" charset="0"/>
+              </a:rPr>
+              <a:t> </a:t>
+            </a:r>
+            <a:r>
+              <a:rPr lang="en-US" b="0" i="0" dirty="0" err="1">
+                <a:solidFill>
+                  <a:srgbClr val="E8EAED"/>
+                </a:solidFill>
+                <a:effectLst/>
+                <a:latin typeface="arial" panose="020B0604020202020204" pitchFamily="34" charset="0"/>
+              </a:rPr>
+              <a:t>referi</a:t>
+            </a:r>
+            <a:r>
+              <a:rPr lang="en-US" b="0" i="0" dirty="0">
+                <a:solidFill>
+                  <a:srgbClr val="E8EAED"/>
+                </a:solidFill>
+                <a:effectLst/>
+                <a:latin typeface="arial" panose="020B0604020202020204" pitchFamily="34" charset="0"/>
+              </a:rPr>
+              <a:t> la </a:t>
+            </a:r>
+            <a:r>
+              <a:rPr lang="en-US" b="0" i="0" dirty="0" err="1">
+                <a:solidFill>
+                  <a:srgbClr val="E8EAED"/>
+                </a:solidFill>
+                <a:effectLst/>
+                <a:latin typeface="arial" panose="020B0604020202020204" pitchFamily="34" charset="0"/>
+              </a:rPr>
+              <a:t>funcția</a:t>
+            </a:r>
+            <a:r>
+              <a:rPr lang="en-US" b="0" i="0" dirty="0">
+                <a:solidFill>
+                  <a:srgbClr val="E8EAED"/>
+                </a:solidFill>
+                <a:effectLst/>
+                <a:latin typeface="arial" panose="020B0604020202020204" pitchFamily="34" charset="0"/>
+              </a:rPr>
+              <a:t> de </a:t>
+            </a:r>
+            <a:r>
+              <a:rPr lang="en-US" b="0" i="0" dirty="0" err="1">
+                <a:solidFill>
+                  <a:srgbClr val="E8EAED"/>
+                </a:solidFill>
+                <a:effectLst/>
+                <a:latin typeface="arial" panose="020B0604020202020204" pitchFamily="34" charset="0"/>
+              </a:rPr>
+              <a:t>intrare</a:t>
+            </a:r>
+            <a:r>
+              <a:rPr lang="en-US" b="0" i="0" dirty="0">
+                <a:solidFill>
+                  <a:srgbClr val="E8EAED"/>
+                </a:solidFill>
+                <a:effectLst/>
+                <a:latin typeface="arial" panose="020B0604020202020204" pitchFamily="34" charset="0"/>
+              </a:rPr>
+              <a:t> ca </a:t>
+            </a:r>
+            <a:r>
+              <a:rPr lang="en-US" b="0" i="0" dirty="0" err="1">
+                <a:solidFill>
+                  <a:srgbClr val="E8EAED"/>
+                </a:solidFill>
+                <a:effectLst/>
+                <a:latin typeface="arial" panose="020B0604020202020204" pitchFamily="34" charset="0"/>
+              </a:rPr>
+              <a:t>mesaj</a:t>
+            </a:r>
+            <a:r>
+              <a:rPr lang="en-US" b="0" i="0" dirty="0">
+                <a:solidFill>
+                  <a:srgbClr val="E8EAED"/>
+                </a:solidFill>
+                <a:effectLst/>
+                <a:latin typeface="arial" panose="020B0604020202020204" pitchFamily="34" charset="0"/>
+              </a:rPr>
+              <a:t> </a:t>
+            </a:r>
+            <a:r>
+              <a:rPr lang="en-US" b="0" i="0" dirty="0" err="1">
+                <a:solidFill>
+                  <a:srgbClr val="E8EAED"/>
+                </a:solidFill>
+                <a:effectLst/>
+                <a:latin typeface="arial" panose="020B0604020202020204" pitchFamily="34" charset="0"/>
+              </a:rPr>
+              <a:t>sau</a:t>
+            </a:r>
+            <a:r>
+              <a:rPr lang="en-US" b="0" i="0" dirty="0">
+                <a:solidFill>
+                  <a:srgbClr val="E8EAED"/>
+                </a:solidFill>
+                <a:effectLst/>
+                <a:latin typeface="arial" panose="020B0604020202020204" pitchFamily="34" charset="0"/>
+              </a:rPr>
+              <a:t> </a:t>
+            </a:r>
+            <a:r>
+              <a:rPr lang="en-US" b="0" i="0" dirty="0" err="1">
+                <a:solidFill>
+                  <a:srgbClr val="E8EAED"/>
+                </a:solidFill>
+                <a:effectLst/>
+                <a:latin typeface="arial" panose="020B0604020202020204" pitchFamily="34" charset="0"/>
+              </a:rPr>
+              <a:t>pur</a:t>
+            </a:r>
+            <a:r>
+              <a:rPr lang="en-US" b="0" i="0" dirty="0">
+                <a:solidFill>
+                  <a:srgbClr val="E8EAED"/>
+                </a:solidFill>
+                <a:effectLst/>
+                <a:latin typeface="arial" panose="020B0604020202020204" pitchFamily="34" charset="0"/>
+              </a:rPr>
+              <a:t> </a:t>
+            </a:r>
+            <a:r>
+              <a:rPr lang="en-US" b="0" i="0" dirty="0" err="1">
+                <a:solidFill>
+                  <a:srgbClr val="E8EAED"/>
+                </a:solidFill>
+                <a:effectLst/>
+                <a:latin typeface="arial" panose="020B0604020202020204" pitchFamily="34" charset="0"/>
+              </a:rPr>
+              <a:t>și</a:t>
+            </a:r>
+            <a:r>
+              <a:rPr lang="en-US" b="0" i="0" dirty="0">
+                <a:solidFill>
+                  <a:srgbClr val="E8EAED"/>
+                </a:solidFill>
+                <a:effectLst/>
+                <a:latin typeface="arial" panose="020B0604020202020204" pitchFamily="34" charset="0"/>
+              </a:rPr>
+              <a:t> </a:t>
+            </a:r>
+            <a:r>
+              <a:rPr lang="en-US" b="0" i="0" dirty="0" err="1">
+                <a:solidFill>
+                  <a:srgbClr val="E8EAED"/>
+                </a:solidFill>
+                <a:effectLst/>
+                <a:latin typeface="arial" panose="020B0604020202020204" pitchFamily="34" charset="0"/>
+              </a:rPr>
+              <a:t>simplu</a:t>
+            </a:r>
+            <a:r>
+              <a:rPr lang="en-US" b="0" i="0" dirty="0">
+                <a:solidFill>
+                  <a:srgbClr val="E8EAED"/>
+                </a:solidFill>
+                <a:effectLst/>
+                <a:latin typeface="arial" panose="020B0604020202020204" pitchFamily="34" charset="0"/>
+              </a:rPr>
+              <a:t> ca </a:t>
+            </a:r>
+            <a:r>
+              <a:rPr lang="en-US" b="0" i="0" dirty="0" err="1">
+                <a:solidFill>
+                  <a:srgbClr val="E8EAED"/>
+                </a:solidFill>
+                <a:effectLst/>
+                <a:latin typeface="arial" panose="020B0604020202020204" pitchFamily="34" charset="0"/>
+              </a:rPr>
+              <a:t>intrare</a:t>
+            </a:r>
+            <a:r>
+              <a:rPr lang="en-US" b="0" i="0" dirty="0">
+                <a:solidFill>
+                  <a:srgbClr val="E8EAED"/>
+                </a:solidFill>
+                <a:effectLst/>
+                <a:latin typeface="arial" panose="020B0604020202020204" pitchFamily="34" charset="0"/>
+              </a:rPr>
+              <a:t>. </a:t>
+            </a:r>
+            <a:r>
+              <a:rPr lang="en-US" b="0" i="0" dirty="0" err="1">
+                <a:solidFill>
+                  <a:srgbClr val="E8EAED"/>
+                </a:solidFill>
+                <a:effectLst/>
+                <a:latin typeface="arial" panose="020B0604020202020204" pitchFamily="34" charset="0"/>
+              </a:rPr>
+              <a:t>Ieșirea</a:t>
+            </a:r>
+            <a:r>
+              <a:rPr lang="en-US" b="0" i="0" dirty="0">
+                <a:solidFill>
+                  <a:srgbClr val="E8EAED"/>
+                </a:solidFill>
+                <a:effectLst/>
+                <a:latin typeface="arial" panose="020B0604020202020204" pitchFamily="34" charset="0"/>
+              </a:rPr>
+              <a:t> </a:t>
+            </a:r>
+            <a:r>
+              <a:rPr lang="en-US" b="0" i="0" dirty="0" err="1">
+                <a:solidFill>
+                  <a:srgbClr val="E8EAED"/>
+                </a:solidFill>
+                <a:effectLst/>
+                <a:latin typeface="arial" panose="020B0604020202020204" pitchFamily="34" charset="0"/>
+              </a:rPr>
+              <a:t>funcției</a:t>
+            </a:r>
+            <a:r>
+              <a:rPr lang="en-US" b="0" i="0" dirty="0">
+                <a:solidFill>
+                  <a:srgbClr val="E8EAED"/>
+                </a:solidFill>
+                <a:effectLst/>
+                <a:latin typeface="arial" panose="020B0604020202020204" pitchFamily="34" charset="0"/>
+              </a:rPr>
+              <a:t> </a:t>
+            </a:r>
+            <a:r>
+              <a:rPr lang="en-US" b="0" i="0" dirty="0" err="1">
+                <a:solidFill>
+                  <a:srgbClr val="E8EAED"/>
+                </a:solidFill>
+                <a:effectLst/>
+                <a:latin typeface="arial" panose="020B0604020202020204" pitchFamily="34" charset="0"/>
+              </a:rPr>
+              <a:t>șir</a:t>
+            </a:r>
+            <a:r>
+              <a:rPr lang="en-US" b="0" i="0" dirty="0">
+                <a:solidFill>
+                  <a:srgbClr val="E8EAED"/>
+                </a:solidFill>
+                <a:effectLst/>
+                <a:latin typeface="arial" panose="020B0604020202020204" pitchFamily="34" charset="0"/>
+              </a:rPr>
+              <a:t> de </a:t>
+            </a:r>
+            <a:r>
+              <a:rPr lang="en-US" b="0" i="0" dirty="0" err="1">
+                <a:solidFill>
+                  <a:srgbClr val="E8EAED"/>
+                </a:solidFill>
+                <a:effectLst/>
+                <a:latin typeface="arial" panose="020B0604020202020204" pitchFamily="34" charset="0"/>
+              </a:rPr>
+              <a:t>dimensiune</a:t>
+            </a:r>
+            <a:r>
+              <a:rPr lang="en-US" b="0" i="0" dirty="0">
+                <a:solidFill>
+                  <a:srgbClr val="E8EAED"/>
+                </a:solidFill>
+                <a:effectLst/>
+                <a:latin typeface="arial" panose="020B0604020202020204" pitchFamily="34" charset="0"/>
+              </a:rPr>
+              <a:t> </a:t>
+            </a:r>
+            <a:r>
+              <a:rPr lang="en-US" b="0" i="0" dirty="0" err="1">
+                <a:solidFill>
+                  <a:srgbClr val="E8EAED"/>
+                </a:solidFill>
+                <a:effectLst/>
+                <a:latin typeface="arial" panose="020B0604020202020204" pitchFamily="34" charset="0"/>
+              </a:rPr>
+              <a:t>fixă</a:t>
+            </a:r>
+            <a:r>
+              <a:rPr lang="en-US" b="0" i="0" dirty="0">
+                <a:solidFill>
+                  <a:srgbClr val="E8EAED"/>
+                </a:solidFill>
+                <a:effectLst/>
+                <a:latin typeface="arial" panose="020B0604020202020204" pitchFamily="34" charset="0"/>
+              </a:rPr>
+              <a:t> ​​</a:t>
+            </a:r>
+            <a:r>
+              <a:rPr lang="en-US" b="0" i="0" dirty="0" err="1">
+                <a:solidFill>
+                  <a:srgbClr val="E8EAED"/>
+                </a:solidFill>
+                <a:effectLst/>
+                <a:latin typeface="arial" panose="020B0604020202020204" pitchFamily="34" charset="0"/>
+              </a:rPr>
+              <a:t>este</a:t>
+            </a:r>
+            <a:r>
+              <a:rPr lang="en-US" b="0" i="0" dirty="0">
+                <a:solidFill>
+                  <a:srgbClr val="E8EAED"/>
+                </a:solidFill>
+                <a:effectLst/>
+                <a:latin typeface="arial" panose="020B0604020202020204" pitchFamily="34" charset="0"/>
+              </a:rPr>
+              <a:t> </a:t>
+            </a:r>
+            <a:r>
+              <a:rPr lang="en-US" b="0" i="0" dirty="0" err="1">
+                <a:solidFill>
+                  <a:srgbClr val="E8EAED"/>
+                </a:solidFill>
+                <a:effectLst/>
+                <a:latin typeface="arial" panose="020B0604020202020204" pitchFamily="34" charset="0"/>
+              </a:rPr>
+              <a:t>cunoscută</a:t>
+            </a:r>
+            <a:r>
+              <a:rPr lang="en-US" b="0" i="0" dirty="0">
+                <a:solidFill>
+                  <a:srgbClr val="E8EAED"/>
+                </a:solidFill>
+                <a:effectLst/>
+                <a:latin typeface="arial" panose="020B0604020202020204" pitchFamily="34" charset="0"/>
+              </a:rPr>
+              <a:t> sub </a:t>
+            </a:r>
+            <a:r>
+              <a:rPr lang="en-US" b="0" i="0" dirty="0" err="1">
+                <a:solidFill>
+                  <a:srgbClr val="E8EAED"/>
+                </a:solidFill>
+                <a:effectLst/>
+                <a:latin typeface="arial" panose="020B0604020202020204" pitchFamily="34" charset="0"/>
+              </a:rPr>
+              <a:t>numele</a:t>
+            </a:r>
+            <a:r>
+              <a:rPr lang="en-US" b="0" i="0" dirty="0">
+                <a:solidFill>
+                  <a:srgbClr val="E8EAED"/>
+                </a:solidFill>
+                <a:effectLst/>
+                <a:latin typeface="arial" panose="020B0604020202020204" pitchFamily="34" charset="0"/>
+              </a:rPr>
+              <a:t> de hash </a:t>
+            </a:r>
+            <a:r>
+              <a:rPr lang="en-US" b="0" i="0" dirty="0" err="1">
+                <a:solidFill>
+                  <a:srgbClr val="E8EAED"/>
+                </a:solidFill>
+                <a:effectLst/>
+                <a:latin typeface="arial" panose="020B0604020202020204" pitchFamily="34" charset="0"/>
+              </a:rPr>
+              <a:t>sau</a:t>
+            </a:r>
+            <a:r>
+              <a:rPr lang="en-US" b="0" i="0" dirty="0">
+                <a:solidFill>
+                  <a:srgbClr val="E8EAED"/>
+                </a:solidFill>
+                <a:effectLst/>
+                <a:latin typeface="arial" panose="020B0604020202020204" pitchFamily="34" charset="0"/>
+              </a:rPr>
+              <a:t> </a:t>
+            </a:r>
+            <a:r>
+              <a:rPr lang="en-US" b="0" i="0" dirty="0" err="1">
+                <a:solidFill>
+                  <a:srgbClr val="E8EAED"/>
+                </a:solidFill>
+                <a:effectLst/>
+                <a:latin typeface="arial" panose="020B0604020202020204" pitchFamily="34" charset="0"/>
+              </a:rPr>
+              <a:t>rezumat</a:t>
+            </a:r>
+            <a:r>
+              <a:rPr lang="en-US" b="0" i="0" dirty="0">
+                <a:solidFill>
+                  <a:srgbClr val="E8EAED"/>
+                </a:solidFill>
+                <a:effectLst/>
+                <a:latin typeface="arial" panose="020B0604020202020204" pitchFamily="34" charset="0"/>
+              </a:rPr>
+              <a:t> de </a:t>
+            </a:r>
+            <a:r>
+              <a:rPr lang="en-US" b="0" i="0" dirty="0" err="1">
+                <a:solidFill>
+                  <a:srgbClr val="E8EAED"/>
+                </a:solidFill>
+                <a:effectLst/>
+                <a:latin typeface="arial" panose="020B0604020202020204" pitchFamily="34" charset="0"/>
+              </a:rPr>
+              <a:t>mesaje</a:t>
+            </a:r>
+            <a:r>
+              <a:rPr lang="en-US" b="0" i="0" dirty="0">
+                <a:solidFill>
+                  <a:srgbClr val="E8EAED"/>
+                </a:solidFill>
+                <a:effectLst/>
+                <a:latin typeface="arial" panose="020B0604020202020204" pitchFamily="34" charset="0"/>
+              </a:rPr>
+              <a:t>.</a:t>
+            </a:r>
+          </a:p>
+          <a:p>
+            <a:pPr marL="0" lvl="0" indent="0" algn="l" rtl="0">
+              <a:spcBef>
+                <a:spcPts val="0"/>
+              </a:spcBef>
+              <a:spcAft>
+                <a:spcPts val="0"/>
+              </a:spcAft>
+              <a:buNone/>
+            </a:pPr>
+            <a:r>
+              <a:rPr lang="en-US" b="0" i="0" dirty="0" err="1">
+                <a:solidFill>
+                  <a:srgbClr val="E8EAED"/>
+                </a:solidFill>
+                <a:effectLst/>
+                <a:latin typeface="arial" panose="020B0604020202020204" pitchFamily="34" charset="0"/>
+              </a:rPr>
+              <a:t>Encript</a:t>
+            </a:r>
+            <a:r>
+              <a:rPr lang="en-US" b="0" i="0" dirty="0">
+                <a:solidFill>
+                  <a:srgbClr val="E8EAED"/>
+                </a:solidFill>
+                <a:effectLst/>
+                <a:latin typeface="arial" panose="020B0604020202020204" pitchFamily="34" charset="0"/>
+              </a:rPr>
+              <a:t> </a:t>
+            </a:r>
+            <a:r>
+              <a:rPr lang="en-US" b="0" i="0" dirty="0" err="1">
+                <a:solidFill>
+                  <a:srgbClr val="E8EAED"/>
+                </a:solidFill>
+                <a:effectLst/>
+                <a:latin typeface="arial" panose="020B0604020202020204" pitchFamily="34" charset="0"/>
+              </a:rPr>
+              <a:t>si</a:t>
+            </a:r>
+            <a:r>
+              <a:rPr lang="en-US" b="0" i="0" dirty="0">
+                <a:solidFill>
+                  <a:srgbClr val="E8EAED"/>
+                </a:solidFill>
+                <a:effectLst/>
+                <a:latin typeface="arial" panose="020B0604020202020204" pitchFamily="34" charset="0"/>
+              </a:rPr>
+              <a:t> decrypt au input </a:t>
+            </a:r>
+            <a:r>
+              <a:rPr lang="en-US" b="0" i="0" dirty="0" err="1">
+                <a:solidFill>
+                  <a:srgbClr val="E8EAED"/>
+                </a:solidFill>
+                <a:effectLst/>
+                <a:latin typeface="arial" panose="020B0604020202020204" pitchFamily="34" charset="0"/>
+              </a:rPr>
+              <a:t>si</a:t>
+            </a:r>
+            <a:r>
+              <a:rPr lang="en-US" b="0" i="0" dirty="0">
+                <a:solidFill>
+                  <a:srgbClr val="E8EAED"/>
+                </a:solidFill>
+                <a:effectLst/>
+                <a:latin typeface="arial" panose="020B0604020202020204" pitchFamily="34" charset="0"/>
+              </a:rPr>
+              <a:t> </a:t>
+            </a:r>
+            <a:r>
+              <a:rPr lang="en-US" b="0" i="0" dirty="0" err="1">
+                <a:solidFill>
+                  <a:srgbClr val="E8EAED"/>
+                </a:solidFill>
+                <a:effectLst/>
+                <a:latin typeface="arial" panose="020B0604020202020204" pitchFamily="34" charset="0"/>
+              </a:rPr>
+              <a:t>outpt</a:t>
+            </a:r>
+            <a:r>
+              <a:rPr lang="en-US" b="0" i="0" dirty="0">
+                <a:solidFill>
+                  <a:srgbClr val="E8EAED"/>
+                </a:solidFill>
+                <a:effectLst/>
+                <a:latin typeface="arial" panose="020B0604020202020204" pitchFamily="34" charset="0"/>
+              </a:rPr>
+              <a:t> tot plain test, hashing nu se </a:t>
+            </a:r>
+            <a:r>
+              <a:rPr lang="en-US" b="0" i="0" dirty="0" err="1">
+                <a:solidFill>
+                  <a:srgbClr val="E8EAED"/>
+                </a:solidFill>
+                <a:effectLst/>
+                <a:latin typeface="arial" panose="020B0604020202020204" pitchFamily="34" charset="0"/>
+              </a:rPr>
+              <a:t>intelege</a:t>
+            </a:r>
+            <a:r>
+              <a:rPr lang="en-US" b="0" i="0" dirty="0">
+                <a:solidFill>
+                  <a:srgbClr val="E8EAED"/>
+                </a:solidFill>
+                <a:effectLst/>
+                <a:latin typeface="arial" panose="020B0604020202020204" pitchFamily="34" charset="0"/>
+              </a:rPr>
+              <a:t> la output</a:t>
             </a:r>
             <a:endParaRPr dirty="0"/>
           </a:p>
@@ -1670,6 +2697,56 @@
               </a:rPr>
               <a:t> are altor clase, nu de alte clase concrete</a:t>
             </a:r>
+            <a:endParaRPr lang="en-US" b="0" i="0" noProof="0" dirty="0">
+              <a:solidFill>
+                <a:srgbClr val="000000"/>
+              </a:solidFill>
+              <a:effectLst/>
+              <a:latin typeface="Nunito" panose="020B0604020202020204" pitchFamily="2" charset="0"/>
+            </a:endParaRPr>
+          </a:p>
+          <a:p>
+            <a:pPr marL="0" lvl="0" indent="0" algn="l" rtl="0">
+              <a:spcBef>
+                <a:spcPts val="0"/>
+              </a:spcBef>
+              <a:spcAft>
+                <a:spcPts val="0"/>
+              </a:spcAft>
+              <a:buNone/>
+            </a:pPr>
+            <a:r>
+              <a:rPr lang="ro-RO" noProof="0" dirty="0"/>
+              <a:t>data </a:t>
+            </a:r>
+            <a:r>
+              <a:rPr lang="ro-RO" noProof="0" dirty="0" err="1"/>
+              <a:t>access</a:t>
+            </a:r>
+            <a:r>
+              <a:rPr lang="ro-RO" noProof="0" dirty="0"/>
+              <a:t> </a:t>
+            </a:r>
+            <a:r>
+              <a:rPr lang="ro-RO" noProof="0" dirty="0" err="1"/>
+              <a:t>contine</a:t>
+            </a:r>
+            <a:r>
+              <a:rPr lang="ro-RO" noProof="0" dirty="0"/>
+              <a:t> </a:t>
+            </a:r>
+            <a:r>
+              <a:rPr lang="ro-RO" noProof="0" dirty="0" err="1"/>
+              <a:t>repositories</a:t>
+            </a:r>
+            <a:r>
+              <a:rPr lang="ro-RO" noProof="0" dirty="0"/>
+              <a:t> care sunt folosite ca un nivel de abstractizare intre baza de date si logica </a:t>
+            </a:r>
+            <a:r>
+              <a:rPr lang="ro-RO" noProof="0" dirty="0" err="1"/>
+              <a:t>aplicatiei</a:t>
+            </a:r>
             <a:endParaRPr lang="ro-RO" noProof="0" dirty="0"/>
           </a:p>
         </p:txBody>
@@ -1683,6 +2760,357 @@
 </file>
 
 <file path=ppt/notesSlides/notesSlide7.xml><?xml version="1.0" encoding="utf-8"?>
+<p:notes xmlns:a="http://schemas.openxmlformats.org/drawingml/2006/main" xmlns:r="http://schemas.openxmlformats.org/officeDocument/2006/relationships" xmlns:p="http://schemas.openxmlformats.org/presentationml/2006/main">
+  <p:cSld>
+    <p:spTree>
+      <p:nvGrpSpPr>
+        <p:cNvPr id="1" name=""/>
+        <p:cNvGrpSpPr/>
+        <p:nvPr/>
+      </p:nvGrpSpPr>
+      <p:grpSpPr>
+        <a:xfrm>
+          <a:off x="0" y="0"/>
+          <a:ext cx="0" cy="0"/>
+          <a:chOff x="0" y="0"/>
+          <a:chExt cx="0" cy="0"/>
+        </a:xfrm>
+      </p:grpSpPr>
+      <p:sp>
+        <p:nvSpPr>
+          <p:cNvPr id="2" name="Slide Image Placeholder 1"/>
+          <p:cNvSpPr>
+            <a:spLocks noGrp="1" noRot="1" noChangeAspect="1"/>
+          </p:cNvSpPr>
+          <p:nvPr>
+            <p:ph type="sldImg"/>
+          </p:nvPr>
+        </p:nvSpPr>
+        <p:spPr>
+          <a:xfrm>
+            <a:off x="381000" y="685800"/>
+            <a:ext cx="6096000" cy="3429000"/>
+          </a:xfrm>
+        </p:spPr>
+      </p:sp>
+      <p:sp>
+        <p:nvSpPr>
+          <p:cNvPr id="3" name="Notes Placeholder 2"/>
+          <p:cNvSpPr>
+            <a:spLocks noGrp="1"/>
+          </p:cNvSpPr>
+          <p:nvPr>
+            <p:ph type="body" idx="1"/>
+          </p:nvPr>
+        </p:nvSpPr>
+        <p:spPr/>
+        <p:txBody>
+          <a:bodyPr/>
+          <a:lstStyle/>
+          <a:p>
+            <a:r>
+              <a:rPr lang="en-US" dirty="0"/>
+              <a:t>Active directory: </a:t>
+            </a:r>
+            <a:r>
+              <a:rPr lang="en-US" dirty="0" err="1"/>
+              <a:t>folosit</a:t>
+            </a:r>
+            <a:r>
+              <a:rPr lang="en-US" dirty="0"/>
+              <a:t> </a:t>
+            </a:r>
+            <a:r>
+              <a:rPr lang="en-US" dirty="0" err="1"/>
+              <a:t>pentru</a:t>
+            </a:r>
+            <a:r>
+              <a:rPr lang="en-US" dirty="0"/>
+              <a:t> </a:t>
+            </a:r>
+            <a:r>
+              <a:rPr lang="en-US" dirty="0" err="1"/>
+              <a:t>stocare</a:t>
+            </a:r>
+            <a:r>
+              <a:rPr lang="en-US" dirty="0"/>
+              <a:t> de </a:t>
+            </a:r>
+            <a:r>
+              <a:rPr lang="en-US" dirty="0" err="1"/>
+              <a:t>conturi</a:t>
+            </a:r>
+            <a:r>
+              <a:rPr lang="en-US" dirty="0"/>
+              <a:t> </a:t>
+            </a:r>
+            <a:r>
+              <a:rPr lang="en-US" dirty="0" err="1"/>
+              <a:t>si</a:t>
+            </a:r>
+            <a:r>
+              <a:rPr lang="en-US" dirty="0"/>
+              <a:t> </a:t>
+            </a:r>
+            <a:r>
+              <a:rPr lang="en-US" dirty="0" err="1"/>
+              <a:t>roluri</a:t>
+            </a:r>
+            <a:r>
+              <a:rPr lang="en-US" dirty="0"/>
+              <a:t> </a:t>
+            </a:r>
+            <a:r>
+              <a:rPr lang="en-US" dirty="0" err="1"/>
+              <a:t>pentru</a:t>
+            </a:r>
+            <a:r>
+              <a:rPr lang="en-US" dirty="0"/>
+              <a:t> </a:t>
+            </a:r>
+            <a:r>
+              <a:rPr lang="en-US" dirty="0" err="1"/>
+              <a:t>fiecare</a:t>
+            </a:r>
+            <a:r>
+              <a:rPr lang="en-US" dirty="0"/>
+              <a:t> user</a:t>
+            </a:r>
+            <a:endParaRPr lang="en-US" sz="1800" b="0" i="0" u="none" strike="noStrike" baseline="0" dirty="0">
+              <a:solidFill>
+                <a:srgbClr val="000000"/>
+              </a:solidFill>
+              <a:latin typeface="Times New Roman" panose="02020603050405020304" pitchFamily="18" charset="0"/>
+            </a:endParaRPr>
+          </a:p>
+          <a:p>
+            <a:r>
+              <a:rPr lang="en-US" sz="1800" b="0" i="0" u="none" strike="noStrike" baseline="0" dirty="0">
+                <a:solidFill>
+                  <a:srgbClr val="000000"/>
+                </a:solidFill>
+                <a:latin typeface="Times New Roman" panose="02020603050405020304" pitchFamily="18" charset="0"/>
+              </a:rPr>
+              <a:t>App service plan: </a:t>
+            </a:r>
+            <a:r>
+              <a:rPr lang="en-US" sz="1800" b="0" i="0" u="none" strike="noStrike" baseline="0" dirty="0" err="1">
+                <a:solidFill>
+                  <a:srgbClr val="000000"/>
+                </a:solidFill>
+                <a:latin typeface="Times New Roman" panose="02020603050405020304" pitchFamily="18" charset="0"/>
+              </a:rPr>
+              <a:t>defineste</a:t>
+            </a:r>
+            <a:r>
+              <a:rPr lang="en-US" sz="1800" b="0" i="0" u="none" strike="noStrike" baseline="0" dirty="0">
+                <a:solidFill>
+                  <a:srgbClr val="000000"/>
+                </a:solidFill>
+                <a:latin typeface="Times New Roman" panose="02020603050405020304" pitchFamily="18" charset="0"/>
+              </a:rPr>
+              <a:t> un set de </a:t>
+            </a:r>
+            <a:r>
+              <a:rPr lang="en-US" sz="1800" b="0" i="0" u="none" strike="noStrike" baseline="0" dirty="0" err="1">
+                <a:solidFill>
+                  <a:srgbClr val="000000"/>
+                </a:solidFill>
+                <a:latin typeface="Times New Roman" panose="02020603050405020304" pitchFamily="18" charset="0"/>
+              </a:rPr>
+              <a:t>resurse</a:t>
+            </a:r>
+            <a:r>
+              <a:rPr lang="en-US" sz="1800" b="0" i="0" u="none" strike="noStrike" baseline="0" dirty="0">
+                <a:solidFill>
+                  <a:srgbClr val="000000"/>
+                </a:solidFill>
+                <a:latin typeface="Times New Roman" panose="02020603050405020304" pitchFamily="18" charset="0"/>
+              </a:rPr>
+              <a:t> care sunt </a:t>
+            </a:r>
+            <a:r>
+              <a:rPr lang="en-US" sz="1800" b="0" i="0" u="none" strike="noStrike" baseline="0" dirty="0" err="1">
+                <a:solidFill>
+                  <a:srgbClr val="000000"/>
+                </a:solidFill>
+                <a:latin typeface="Times New Roman" panose="02020603050405020304" pitchFamily="18" charset="0"/>
+              </a:rPr>
+              <a:t>asignate</a:t>
+            </a:r>
+            <a:r>
+              <a:rPr lang="en-US" sz="1800" b="0" i="0" u="none" strike="noStrike" baseline="0" dirty="0">
+                <a:solidFill>
+                  <a:srgbClr val="000000"/>
+                </a:solidFill>
+                <a:latin typeface="Times New Roman" panose="02020603050405020304" pitchFamily="18" charset="0"/>
+              </a:rPr>
+              <a:t> </a:t>
+            </a:r>
+            <a:r>
+              <a:rPr lang="en-US" sz="1800" b="0" i="0" u="none" strike="noStrike" baseline="0" dirty="0" err="1">
+                <a:solidFill>
+                  <a:srgbClr val="000000"/>
+                </a:solidFill>
+                <a:latin typeface="Times New Roman" panose="02020603050405020304" pitchFamily="18" charset="0"/>
+              </a:rPr>
+              <a:t>către</a:t>
+            </a:r>
+            <a:r>
+              <a:rPr lang="en-US" sz="1800" b="0" i="0" u="none" strike="noStrike" baseline="0" dirty="0">
+                <a:solidFill>
+                  <a:srgbClr val="000000"/>
+                </a:solidFill>
+                <a:latin typeface="Times New Roman" panose="02020603050405020304" pitchFamily="18" charset="0"/>
+              </a:rPr>
+              <a:t> </a:t>
+            </a:r>
+            <a:r>
+              <a:rPr lang="en-US" sz="1800" b="0" i="0" u="none" strike="noStrike" baseline="0" dirty="0" err="1">
+                <a:solidFill>
+                  <a:srgbClr val="000000"/>
+                </a:solidFill>
+                <a:latin typeface="Times New Roman" panose="02020603050405020304" pitchFamily="18" charset="0"/>
+              </a:rPr>
+              <a:t>aplicația</a:t>
+            </a:r>
+            <a:r>
+              <a:rPr lang="en-US" sz="1800" b="0" i="0" u="none" strike="noStrike" baseline="0" dirty="0">
+                <a:solidFill>
+                  <a:srgbClr val="000000"/>
+                </a:solidFill>
+                <a:latin typeface="Times New Roman" panose="02020603050405020304" pitchFamily="18" charset="0"/>
+              </a:rPr>
+              <a:t> </a:t>
+            </a:r>
+            <a:r>
+              <a:rPr lang="en-US" sz="1800" b="0" i="0" u="none" strike="noStrike" baseline="0" dirty="0" err="1">
+                <a:solidFill>
+                  <a:srgbClr val="000000"/>
+                </a:solidFill>
+                <a:latin typeface="Times New Roman" panose="02020603050405020304" pitchFamily="18" charset="0"/>
+              </a:rPr>
+              <a:t>respectiva</a:t>
+            </a:r>
+            <a:r>
+              <a:rPr lang="en-US" sz="1800" b="0" i="0" u="none" strike="noStrike" baseline="0" dirty="0">
+                <a:solidFill>
+                  <a:srgbClr val="000000"/>
+                </a:solidFill>
+                <a:latin typeface="Times New Roman" panose="02020603050405020304" pitchFamily="18" charset="0"/>
+              </a:rPr>
+              <a:t>, care se </a:t>
+            </a:r>
+            <a:r>
+              <a:rPr lang="en-US" sz="1800" b="0" i="0" u="none" strike="noStrike" baseline="0" dirty="0" err="1">
+                <a:solidFill>
+                  <a:srgbClr val="000000"/>
+                </a:solidFill>
+                <a:latin typeface="Times New Roman" panose="02020603050405020304" pitchFamily="18" charset="0"/>
+              </a:rPr>
+              <a:t>plătesc</a:t>
+            </a:r>
+            <a:r>
+              <a:rPr lang="en-US" sz="1800" b="0" i="0" u="none" strike="noStrike" baseline="0" dirty="0">
+                <a:solidFill>
+                  <a:srgbClr val="000000"/>
+                </a:solidFill>
+                <a:latin typeface="Times New Roman" panose="02020603050405020304" pitchFamily="18" charset="0"/>
+              </a:rPr>
+              <a:t>, </a:t>
+            </a:r>
+            <a:r>
+              <a:rPr lang="en-US" sz="1800" b="0" i="0" u="none" strike="noStrike" baseline="0" dirty="0" err="1">
+                <a:solidFill>
+                  <a:srgbClr val="000000"/>
+                </a:solidFill>
+                <a:latin typeface="Times New Roman" panose="02020603050405020304" pitchFamily="18" charset="0"/>
+              </a:rPr>
+              <a:t>pentru</a:t>
+            </a:r>
+            <a:r>
+              <a:rPr lang="en-US" sz="1800" b="0" i="0" u="none" strike="noStrike" baseline="0" dirty="0">
+                <a:solidFill>
+                  <a:srgbClr val="000000"/>
+                </a:solidFill>
+                <a:latin typeface="Times New Roman" panose="02020603050405020304" pitchFamily="18" charset="0"/>
+              </a:rPr>
+              <a:t> ca </a:t>
+            </a:r>
+            <a:r>
+              <a:rPr lang="en-US" sz="1800" b="0" i="0" u="none" strike="noStrike" baseline="0" dirty="0" err="1">
+                <a:solidFill>
+                  <a:srgbClr val="000000"/>
+                </a:solidFill>
+                <a:latin typeface="Times New Roman" panose="02020603050405020304" pitchFamily="18" charset="0"/>
+              </a:rPr>
+              <a:t>aceasta</a:t>
+            </a:r>
+            <a:r>
+              <a:rPr lang="en-US" sz="1800" b="0" i="0" u="none" strike="noStrike" baseline="0" dirty="0">
+                <a:solidFill>
+                  <a:srgbClr val="000000"/>
+                </a:solidFill>
+                <a:latin typeface="Times New Roman" panose="02020603050405020304" pitchFamily="18" charset="0"/>
+              </a:rPr>
+              <a:t> </a:t>
+            </a:r>
+            <a:r>
+              <a:rPr lang="en-US" sz="1800" b="0" i="0" u="none" strike="noStrike" baseline="0" dirty="0" err="1">
+                <a:solidFill>
+                  <a:srgbClr val="000000"/>
+                </a:solidFill>
+                <a:latin typeface="Times New Roman" panose="02020603050405020304" pitchFamily="18" charset="0"/>
+              </a:rPr>
+              <a:t>sa</a:t>
+            </a:r>
+            <a:r>
+              <a:rPr lang="en-US" sz="1800" b="0" i="0" u="none" strike="noStrike" baseline="0" dirty="0">
+                <a:solidFill>
+                  <a:srgbClr val="000000"/>
+                </a:solidFill>
+                <a:latin typeface="Times New Roman" panose="02020603050405020304" pitchFamily="18" charset="0"/>
+              </a:rPr>
+              <a:t> </a:t>
+            </a:r>
+            <a:r>
+              <a:rPr lang="en-US" sz="1800" b="0" i="0" u="none" strike="noStrike" baseline="0" dirty="0" err="1">
+                <a:solidFill>
+                  <a:srgbClr val="000000"/>
+                </a:solidFill>
+                <a:latin typeface="Times New Roman" panose="02020603050405020304" pitchFamily="18" charset="0"/>
+              </a:rPr>
+              <a:t>ruleze</a:t>
+            </a:r>
+            <a:r>
+              <a:rPr lang="en-US" sz="1800" b="0" i="0" u="none" strike="noStrike" baseline="0" dirty="0">
+                <a:solidFill>
+                  <a:srgbClr val="000000"/>
+                </a:solidFill>
+                <a:latin typeface="Times New Roman" panose="02020603050405020304" pitchFamily="18" charset="0"/>
+              </a:rPr>
+              <a:t> pe cloud. </a:t>
+            </a:r>
+          </a:p>
+          <a:p>
+            <a:endParaRPr lang="en-US" dirty="0"/>
+          </a:p>
+        </p:txBody>
+      </p:sp>
+    </p:spTree>
+    <p:extLst>
+      <p:ext uri="{BB962C8B-B14F-4D97-AF65-F5344CB8AC3E}">
+        <p14:creationId xmlns:p14="http://schemas.microsoft.com/office/powerpoint/2010/main" val="989304371"/>
+      </p:ext>
+    </p:extLst>
+  </p:cSld>
+  <p:clrMapOvr>
+    <a:masterClrMapping/>
+  </p:clrMapOvr>
+</p:notes>
+</file>
+
+<file path=ppt/notesSlides/notesSlide8.xml><?xml version="1.0" encoding="utf-8"?>
 <p:notes xmlns:a="http://schemas.openxmlformats.org/drawingml/2006/main" xmlns:r="http://schemas.openxmlformats.org/officeDocument/2006/relationships" xmlns:p="http://schemas.openxmlformats.org/presentationml/2006/main" showMasterSp="0" showMasterPhAnim="0">
   <p:cSld>
     <p:spTree>
@@ -1791,7 +3219,7 @@
 </p:notes>
 </file>
 
-<file path=ppt/notesSlides/notesSlide8.xml><?xml version="1.0" encoding="utf-8"?>
+<file path=ppt/notesSlides/notesSlide9.xml><?xml version="1.0" encoding="utf-8"?>
 <p:notes xmlns:a="http://schemas.openxmlformats.org/drawingml/2006/main" xmlns:r="http://schemas.openxmlformats.org/officeDocument/2006/relationships" xmlns:p="http://schemas.openxmlformats.org/presentationml/2006/main" showMasterSp="0" showMasterPhAnim="0">
   <p:cSld>
     <p:spTree>
@@ -16149,7 +17577,7 @@
               <a:t> </a:t>
             </a:r>
             <a:r>
-              <a:rPr lang="en-US" dirty="0" err="1">
+              <a:rPr lang="ro-RO" dirty="0">
                 <a:solidFill>
                   <a:schemeClr val="accent1"/>
                 </a:solidFill>
@@ -16969,56 +18397,6 @@
       </p:sp>
       <p:sp>
         <p:nvSpPr>
-          <p:cNvPr id="473" name="Google Shape;473;p28"/>
-          <p:cNvSpPr txBox="1">
-            <a:spLocks noGrp="1"/>
-          </p:cNvSpPr>
-          <p:nvPr>
-            <p:ph type="subTitle" idx="4294967295"/>
-          </p:nvPr>
-        </p:nvSpPr>
-        <p:spPr>
-          <a:xfrm>
-            <a:off x="710125" y="4694725"/>
-            <a:ext cx="4865100" cy="357300"/>
-          </a:xfrm>
-          <a:prstGeom prst="rect">
-            <a:avLst/>
-          </a:prstGeom>
-        </p:spPr>
-        <p:txBody>
-          <a:bodyPr spcFirstLastPara="1" wrap="square" lIns="91425" tIns="91425" rIns="91425" bIns="91425" anchor="ctr" anchorCtr="0">
-            <a:noAutofit/>
-          </a:bodyPr>
-          <a:lstStyle/>
-          <a:p>
-            <a:pPr marL="0" lvl="0" indent="0" algn="l" rtl="0">
-              <a:spcBef>
-                <a:spcPts val="0"/>
-              </a:spcBef>
-              <a:spcAft>
-                <a:spcPts val="0"/>
-              </a:spcAft>
-              <a:buNone/>
-            </a:pPr>
-            <a:r>
-              <a:rPr lang="en" sz="1400">
-                <a:solidFill>
-                  <a:schemeClr val="accent3"/>
-                </a:solidFill>
-              </a:rPr>
-              <a:t>Programming Language</a:t>
-            </a:r>
-            <a:endParaRPr sz="1400">
-              <a:solidFill>
-                <a:schemeClr val="accent3"/>
-              </a:solidFill>
-            </a:endParaRPr>
-          </a:p>
-        </p:txBody>
-      </p:sp>
-      <p:sp>
-        <p:nvSpPr>
           <p:cNvPr id="474" name="Google Shape;474;p28"/>
           <p:cNvSpPr txBox="1">
             <a:spLocks noGrp="1"/>
@@ -17052,14 +18430,14 @@
               <a:buNone/>
             </a:pPr>
             <a:r>
-              <a:rPr lang="en" sz="1400">
+              <a:rPr lang="en" sz="1400" dirty="0">
                 <a:solidFill>
                   <a:schemeClr val="accent3"/>
                 </a:solidFill>
               </a:rPr>
-              <a:t>forbeginners.html</a:t>
-            </a:r>
-            <a:endParaRPr sz="1400">
+              <a:t>Licenta.html</a:t>
+            </a:r>
+            <a:endParaRPr sz="1400" dirty="0">
               <a:solidFill>
                 <a:schemeClr val="accent3"/>
               </a:solidFill>
@@ -17102,14 +18480,14 @@
               <a:buNone/>
             </a:pPr>
             <a:r>
-              <a:rPr lang="en" sz="1400">
+              <a:rPr lang="en" sz="1400" dirty="0">
                 <a:solidFill>
                   <a:schemeClr val="accent3"/>
                 </a:solidFill>
               </a:rPr>
-              <a:t>workshop.css</a:t>
-            </a:r>
-            <a:endParaRPr sz="1400">
+              <a:t>Licenta.css</a:t>
+            </a:r>
+            <a:endParaRPr sz="1400" dirty="0">
               <a:solidFill>
                 <a:schemeClr val="accent3"/>
               </a:solidFill>
@@ -18112,14 +19490,14 @@
               <a:buNone/>
             </a:pPr>
             <a:r>
-              <a:rPr lang="en" sz="1400">
+              <a:rPr lang="en" sz="1400" dirty="0">
                 <a:solidFill>
                   <a:schemeClr val="accent3"/>
                 </a:solidFill>
               </a:rPr>
-              <a:t>forbeginners.html</a:t>
-            </a:r>
-            <a:endParaRPr sz="1400">
+              <a:t>Licenta.html</a:t>
+            </a:r>
+            <a:endParaRPr sz="1400" dirty="0">
               <a:solidFill>
                 <a:schemeClr val="accent3"/>
               </a:solidFill>
@@ -18162,14 +19540,14 @@
               <a:buNone/>
             </a:pPr>
             <a:r>
-              <a:rPr lang="en" sz="1400">
+              <a:rPr lang="en" sz="1400" dirty="0">
                 <a:solidFill>
                   <a:schemeClr val="accent3"/>
                 </a:solidFill>
               </a:rPr>
-              <a:t>workshop.css</a:t>
-            </a:r>
-            <a:endParaRPr sz="1400">
+              <a:t>Licenta.css</a:t>
+            </a:r>
+            <a:endParaRPr sz="1400" dirty="0">
               <a:solidFill>
                 <a:schemeClr val="accent3"/>
               </a:solidFill>
@@ -19161,56 +20539,6 @@
       </p:grpSp>
       <p:sp>
         <p:nvSpPr>
-          <p:cNvPr id="705" name="Google Shape;705;p35"/>
-          <p:cNvSpPr txBox="1">
-            <a:spLocks noGrp="1"/>
-          </p:cNvSpPr>
-          <p:nvPr>
-            <p:ph type="subTitle" idx="4"/>
-          </p:nvPr>
-        </p:nvSpPr>
-        <p:spPr>
-          <a:xfrm>
-            <a:off x="710125" y="4694725"/>
-            <a:ext cx="4865100" cy="357300"/>
-          </a:xfrm>
-          <a:prstGeom prst="rect">
-            <a:avLst/>
-          </a:prstGeom>
-        </p:spPr>
-        <p:txBody>
-          <a:bodyPr spcFirstLastPara="1" wrap="square" lIns="91425" tIns="91425" rIns="91425" bIns="91425" anchor="ctr" anchorCtr="0">
-            <a:noAutofit/>
-          </a:bodyPr>
-          <a:lstStyle/>
-          <a:p>
-            <a:pPr marL="0" lvl="0" indent="0" algn="l" rtl="0">
-              <a:spcBef>
-                <a:spcPts val="0"/>
-              </a:spcBef>
-              <a:spcAft>
-                <a:spcPts val="0"/>
-              </a:spcAft>
-              <a:buNone/>
-            </a:pPr>
-            <a:r>
-              <a:rPr lang="en" sz="1400">
-                <a:solidFill>
-                  <a:schemeClr val="accent3"/>
-                </a:solidFill>
-              </a:rPr>
-              <a:t>Programming Language</a:t>
-            </a:r>
-            <a:endParaRPr sz="1400">
-              <a:solidFill>
-                <a:schemeClr val="accent3"/>
-              </a:solidFill>
-            </a:endParaRPr>
-          </a:p>
-        </p:txBody>
-      </p:sp>
-      <p:sp>
-        <p:nvSpPr>
           <p:cNvPr id="706" name="Google Shape;706;p35"/>
           <p:cNvSpPr txBox="1">
             <a:spLocks noGrp="1"/>
@@ -19244,14 +20572,14 @@
               <a:buNone/>
             </a:pPr>
             <a:r>
-              <a:rPr lang="en" sz="1400">
+              <a:rPr lang="en" sz="1400" dirty="0">
                 <a:solidFill>
                   <a:schemeClr val="accent3"/>
                 </a:solidFill>
               </a:rPr>
-              <a:t>forbeginners.html</a:t>
-            </a:r>
-            <a:endParaRPr sz="1400">
+              <a:t>Licenta.html</a:t>
+            </a:r>
+            <a:endParaRPr sz="1400" dirty="0">
               <a:solidFill>
                 <a:schemeClr val="accent3"/>
               </a:solidFill>
@@ -19294,14 +20622,14 @@
               <a:buNone/>
             </a:pPr>
             <a:r>
-              <a:rPr lang="en" sz="1400">
+              <a:rPr lang="en" sz="1400" dirty="0">
                 <a:solidFill>
                   <a:schemeClr val="accent3"/>
                 </a:solidFill>
               </a:rPr>
-              <a:t>workshop.css</a:t>
-            </a:r>
-            <a:endParaRPr sz="1400">
+              <a:t>Licenta.css</a:t>
+            </a:r>
+            <a:endParaRPr sz="1400" dirty="0">
               <a:solidFill>
                 <a:schemeClr val="accent3"/>
               </a:solidFill>
@@ -20486,56 +21814,6 @@
       </p:grpSp>
       <p:sp>
         <p:nvSpPr>
-          <p:cNvPr id="705" name="Google Shape;705;p35"/>
-          <p:cNvSpPr txBox="1">
-            <a:spLocks noGrp="1"/>
-          </p:cNvSpPr>
-          <p:nvPr>
-            <p:ph type="subTitle" idx="4"/>
-          </p:nvPr>
-        </p:nvSpPr>
-        <p:spPr>
-          <a:xfrm>
-            <a:off x="710125" y="4694725"/>
-            <a:ext cx="4865100" cy="357300"/>
-          </a:xfrm>
-          <a:prstGeom prst="rect">
-            <a:avLst/>
-          </a:prstGeom>
-        </p:spPr>
-        <p:txBody>
-          <a:bodyPr spcFirstLastPara="1" wrap="square" lIns="91425" tIns="91425" rIns="91425" bIns="91425" anchor="ctr" anchorCtr="0">
-            <a:noAutofit/>
-          </a:bodyPr>
-          <a:lstStyle/>
-          <a:p>
-            <a:pPr marL="0" lvl="0" indent="0" algn="l" rtl="0">
-              <a:spcBef>
-                <a:spcPts val="0"/>
-              </a:spcBef>
-              <a:spcAft>
-                <a:spcPts val="0"/>
-              </a:spcAft>
-              <a:buNone/>
-            </a:pPr>
-            <a:r>
-              <a:rPr lang="en" sz="1400">
-                <a:solidFill>
-                  <a:schemeClr val="accent3"/>
-                </a:solidFill>
-              </a:rPr>
-              <a:t>Programming Language</a:t>
-            </a:r>
-            <a:endParaRPr sz="1400">
-              <a:solidFill>
-                <a:schemeClr val="accent3"/>
-              </a:solidFill>
-            </a:endParaRPr>
-          </a:p>
-        </p:txBody>
-      </p:sp>
-      <p:sp>
-        <p:nvSpPr>
           <p:cNvPr id="706" name="Google Shape;706;p35"/>
           <p:cNvSpPr txBox="1">
             <a:spLocks noGrp="1"/>
@@ -20569,14 +21847,14 @@
               <a:buNone/>
             </a:pPr>
             <a:r>
-              <a:rPr lang="en" sz="1400">
+              <a:rPr lang="en" sz="1400" dirty="0">
                 <a:solidFill>
                   <a:schemeClr val="accent3"/>
                 </a:solidFill>
               </a:rPr>
-              <a:t>forbeginners.html</a:t>
-            </a:r>
-            <a:endParaRPr sz="1400">
+              <a:t>Licenta.html</a:t>
+            </a:r>
+            <a:endParaRPr sz="1400" dirty="0">
               <a:solidFill>
                 <a:schemeClr val="accent3"/>
               </a:solidFill>
@@ -20619,14 +21897,14 @@
               <a:buNone/>
             </a:pPr>
             <a:r>
-              <a:rPr lang="en" sz="1400">
+              <a:rPr lang="en" sz="1400" dirty="0">
                 <a:solidFill>
                   <a:schemeClr val="accent3"/>
                 </a:solidFill>
               </a:rPr>
-              <a:t>workshop.css</a:t>
-            </a:r>
-            <a:endParaRPr sz="1400">
+              <a:t>Licenta.css</a:t>
+            </a:r>
+            <a:endParaRPr sz="1400" dirty="0">
               <a:solidFill>
                 <a:schemeClr val="accent3"/>
               </a:solidFill>
@@ -28442,6 +29720,31 @@
           </a:fontRef>
         </p:style>
       </p:cxnSp>
+      <p:sp>
+        <p:nvSpPr>
+          <p:cNvPr id="3" name="Subtitle 2">
+            <a:extLst>
+              <a:ext uri="{FF2B5EF4-FFF2-40B4-BE49-F238E27FC236}">
+                <a16:creationId xmlns:a16="http://schemas.microsoft.com/office/drawing/2014/main" id="{4E3D75DE-0EF5-B71A-652F-D35BFC5174BF}"/>
+              </a:ext>
+            </a:extLst>
+          </p:cNvPr>
+          <p:cNvSpPr>
+            <a:spLocks noGrp="1"/>
+          </p:cNvSpPr>
+          <p:nvPr>
+            <p:ph type="subTitle" idx="4"/>
+          </p:nvPr>
+        </p:nvSpPr>
+        <p:spPr/>
+        <p:txBody>
+          <a:bodyPr/>
+          <a:lstStyle/>
+          <a:p>
+            <a:endParaRPr lang="en-US"/>
+          </a:p>
+        </p:txBody>
+      </p:sp>
     </p:spTree>
     <p:extLst>
       <p:ext uri="{BB962C8B-B14F-4D97-AF65-F5344CB8AC3E}">
@@ -29357,56 +30660,6 @@
       </p:sp>
       <p:sp>
         <p:nvSpPr>
-          <p:cNvPr id="854" name="Google Shape;854;p42"/>
-          <p:cNvSpPr txBox="1">
-            <a:spLocks noGrp="1"/>
-          </p:cNvSpPr>
-          <p:nvPr>
-            <p:ph type="subTitle" idx="4294967295"/>
-          </p:nvPr>
-        </p:nvSpPr>
-        <p:spPr>
-          <a:xfrm>
-            <a:off x="710125" y="4694725"/>
-            <a:ext cx="4865100" cy="357300"/>
-          </a:xfrm>
-          <a:prstGeom prst="rect">
-            <a:avLst/>
-          </a:prstGeom>
-        </p:spPr>
-        <p:txBody>
-          <a:bodyPr spcFirstLastPara="1" wrap="square" lIns="91425" tIns="91425" rIns="91425" bIns="91425" anchor="ctr" anchorCtr="0">
-            <a:noAutofit/>
-          </a:bodyPr>
-          <a:lstStyle/>
-          <a:p>
-            <a:pPr marL="0" lvl="0" indent="0" algn="l" rtl="0">
-              <a:spcBef>
-                <a:spcPts val="0"/>
-              </a:spcBef>
-              <a:spcAft>
-                <a:spcPts val="0"/>
-              </a:spcAft>
-              <a:buNone/>
-            </a:pPr>
-            <a:r>
-              <a:rPr lang="en" sz="1400">
-                <a:solidFill>
-                  <a:schemeClr val="accent3"/>
-                </a:solidFill>
-              </a:rPr>
-              <a:t>Programming Language</a:t>
-            </a:r>
-            <a:endParaRPr sz="1400">
-              <a:solidFill>
-                <a:schemeClr val="accent3"/>
-              </a:solidFill>
-            </a:endParaRPr>
-          </a:p>
-        </p:txBody>
-      </p:sp>
-      <p:sp>
-        <p:nvSpPr>
           <p:cNvPr id="855" name="Google Shape;855;p42"/>
           <p:cNvSpPr txBox="1">
             <a:spLocks noGrp="1"/>
@@ -29440,14 +30693,14 @@
               <a:buNone/>
             </a:pPr>
             <a:r>
-              <a:rPr lang="en" sz="1400">
+              <a:rPr lang="en" sz="1400" dirty="0">
                 <a:solidFill>
                   <a:schemeClr val="accent3"/>
                 </a:solidFill>
               </a:rPr>
-              <a:t>forbeginners.html</a:t>
-            </a:r>
-            <a:endParaRPr sz="1400">
+              <a:t>Licenta.html</a:t>
+            </a:r>
+            <a:endParaRPr sz="1400" dirty="0">
               <a:solidFill>
                 <a:schemeClr val="accent3"/>
               </a:solidFill>
@@ -29490,14 +30743,14 @@
               <a:buNone/>
             </a:pPr>
             <a:r>
-              <a:rPr lang="en" sz="1400">
+              <a:rPr lang="en" sz="1400" dirty="0">
                 <a:solidFill>
                   <a:schemeClr val="accent3"/>
                 </a:solidFill>
               </a:rPr>
-              <a:t>workshop.css</a:t>
-            </a:r>
-            <a:endParaRPr sz="1400">
+              <a:t>Licenta.css</a:t>
+            </a:r>
+            <a:endParaRPr sz="1400" dirty="0">
               <a:solidFill>
                 <a:schemeClr val="accent3"/>
               </a:solidFill>
@@ -31848,231 +33101,6 @@
       </p:grpSpPr>
       <p:sp>
         <p:nvSpPr>
-          <p:cNvPr id="2" name="Title 1">
-            <a:extLst>
-              <a:ext uri="{FF2B5EF4-FFF2-40B4-BE49-F238E27FC236}">
-                <a16:creationId xmlns:a16="http://schemas.microsoft.com/office/drawing/2014/main" id="{F356FFEF-B209-809A-D057-C5A69FD57357}"/>
-              </a:ext>
-            </a:extLst>
-          </p:cNvPr>
-          <p:cNvSpPr>
-            <a:spLocks noGrp="1"/>
-          </p:cNvSpPr>
-          <p:nvPr>
-            <p:ph type="title"/>
-          </p:nvPr>
-        </p:nvSpPr>
-        <p:spPr/>
-        <p:txBody>
-          <a:bodyPr/>
-          <a:lstStyle/>
-          <a:p>
-            <a:endParaRPr lang="en-US"/>
-          </a:p>
-        </p:txBody>
-      </p:sp>
-      <p:sp>
-        <p:nvSpPr>
-          <p:cNvPr id="3" name="Subtitle 2">
-            <a:extLst>
-              <a:ext uri="{FF2B5EF4-FFF2-40B4-BE49-F238E27FC236}">
-                <a16:creationId xmlns:a16="http://schemas.microsoft.com/office/drawing/2014/main" id="{2799248F-13CA-763A-5922-27229FF6C997}"/>
-              </a:ext>
-            </a:extLst>
-          </p:cNvPr>
-          <p:cNvSpPr>
-            <a:spLocks noGrp="1"/>
-          </p:cNvSpPr>
-          <p:nvPr>
-            <p:ph type="subTitle" idx="1"/>
-          </p:nvPr>
-        </p:nvSpPr>
-        <p:spPr/>
-        <p:txBody>
-          <a:bodyPr/>
-          <a:lstStyle/>
-          <a:p>
-            <a:endParaRPr lang="en-US"/>
-          </a:p>
-        </p:txBody>
-      </p:sp>
-      <p:sp>
-        <p:nvSpPr>
-          <p:cNvPr id="4" name="Subtitle 3">
-            <a:extLst>
-              <a:ext uri="{FF2B5EF4-FFF2-40B4-BE49-F238E27FC236}">
-                <a16:creationId xmlns:a16="http://schemas.microsoft.com/office/drawing/2014/main" id="{8D8E11E8-73BB-D989-6052-4335C19DC8F6}"/>
-              </a:ext>
-            </a:extLst>
-          </p:cNvPr>
-          <p:cNvSpPr>
-            <a:spLocks noGrp="1"/>
-          </p:cNvSpPr>
-          <p:nvPr>
-            <p:ph type="subTitle" idx="2"/>
-          </p:nvPr>
-        </p:nvSpPr>
-        <p:spPr/>
-        <p:txBody>
-          <a:bodyPr/>
-          <a:lstStyle/>
-          <a:p>
-            <a:endParaRPr lang="en-US"/>
-          </a:p>
-        </p:txBody>
-      </p:sp>
-      <p:sp>
-        <p:nvSpPr>
-          <p:cNvPr id="5" name="Title 4">
-            <a:extLst>
-              <a:ext uri="{FF2B5EF4-FFF2-40B4-BE49-F238E27FC236}">
-                <a16:creationId xmlns:a16="http://schemas.microsoft.com/office/drawing/2014/main" id="{4DF57F68-97D2-8DF6-11AE-5DA351C3DFF8}"/>
-              </a:ext>
-            </a:extLst>
-          </p:cNvPr>
-          <p:cNvSpPr>
-            <a:spLocks noGrp="1"/>
-          </p:cNvSpPr>
-          <p:nvPr>
-            <p:ph type="title" idx="3"/>
-          </p:nvPr>
-        </p:nvSpPr>
-        <p:spPr/>
-        <p:txBody>
-          <a:bodyPr/>
-          <a:lstStyle/>
-          <a:p>
-            <a:endParaRPr lang="en-US"/>
-          </a:p>
-        </p:txBody>
-      </p:sp>
-      <p:sp>
-        <p:nvSpPr>
-          <p:cNvPr id="6" name="Subtitle 5">
-            <a:extLst>
-              <a:ext uri="{FF2B5EF4-FFF2-40B4-BE49-F238E27FC236}">
-                <a16:creationId xmlns:a16="http://schemas.microsoft.com/office/drawing/2014/main" id="{0E4AB44A-394E-ABDC-46F4-1AF2C0345F8B}"/>
-              </a:ext>
-            </a:extLst>
-          </p:cNvPr>
-          <p:cNvSpPr>
-            <a:spLocks noGrp="1"/>
-          </p:cNvSpPr>
-          <p:nvPr>
-            <p:ph type="subTitle" idx="4"/>
-          </p:nvPr>
-        </p:nvSpPr>
-        <p:spPr/>
-        <p:txBody>
-          <a:bodyPr/>
-          <a:lstStyle/>
-          <a:p>
-            <a:endParaRPr lang="en-US"/>
-          </a:p>
-        </p:txBody>
-      </p:sp>
-      <p:sp>
-        <p:nvSpPr>
-          <p:cNvPr id="7" name="Subtitle 6">
-            <a:extLst>
-              <a:ext uri="{FF2B5EF4-FFF2-40B4-BE49-F238E27FC236}">
-                <a16:creationId xmlns:a16="http://schemas.microsoft.com/office/drawing/2014/main" id="{118A125C-95A1-8358-C01B-11AA0EB4A459}"/>
-              </a:ext>
-            </a:extLst>
-          </p:cNvPr>
-          <p:cNvSpPr>
-            <a:spLocks noGrp="1"/>
-          </p:cNvSpPr>
-          <p:nvPr>
-            <p:ph type="subTitle" idx="5"/>
-          </p:nvPr>
-        </p:nvSpPr>
-        <p:spPr/>
-        <p:txBody>
-          <a:bodyPr/>
-          <a:lstStyle/>
-          <a:p>
-            <a:endParaRPr lang="en-US"/>
-          </a:p>
-        </p:txBody>
-      </p:sp>
-      <p:sp>
-        <p:nvSpPr>
-          <p:cNvPr id="8" name="Title 7">
-            <a:extLst>
-              <a:ext uri="{FF2B5EF4-FFF2-40B4-BE49-F238E27FC236}">
-                <a16:creationId xmlns:a16="http://schemas.microsoft.com/office/drawing/2014/main" id="{854CCA7E-C83F-92B6-849D-3964CAEA5B41}"/>
-              </a:ext>
-            </a:extLst>
-          </p:cNvPr>
-          <p:cNvSpPr>
-            <a:spLocks noGrp="1"/>
-          </p:cNvSpPr>
-          <p:nvPr>
-            <p:ph type="title" idx="6"/>
-          </p:nvPr>
-        </p:nvSpPr>
-        <p:spPr/>
-        <p:txBody>
-          <a:bodyPr/>
-          <a:lstStyle/>
-          <a:p>
-            <a:endParaRPr lang="en-US"/>
-          </a:p>
-        </p:txBody>
-      </p:sp>
-      <p:sp>
-        <p:nvSpPr>
-          <p:cNvPr id="9" name="Subtitle 8">
-            <a:extLst>
-              <a:ext uri="{FF2B5EF4-FFF2-40B4-BE49-F238E27FC236}">
-                <a16:creationId xmlns:a16="http://schemas.microsoft.com/office/drawing/2014/main" id="{602054B0-ED3E-C7CA-EC0D-C3BD754051F7}"/>
-              </a:ext>
-            </a:extLst>
-          </p:cNvPr>
-          <p:cNvSpPr>
-            <a:spLocks noGrp="1"/>
-          </p:cNvSpPr>
-          <p:nvPr>
-            <p:ph type="subTitle" idx="7"/>
-          </p:nvPr>
-        </p:nvSpPr>
-        <p:spPr/>
-        <p:txBody>
-          <a:bodyPr/>
-          <a:lstStyle/>
-          <a:p>
-            <a:endParaRPr lang="en-US"/>
-          </a:p>
-        </p:txBody>
-      </p:sp>
-      <p:sp>
-        <p:nvSpPr>
-          <p:cNvPr id="10" name="Subtitle 9">
-            <a:extLst>
-              <a:ext uri="{FF2B5EF4-FFF2-40B4-BE49-F238E27FC236}">
-                <a16:creationId xmlns:a16="http://schemas.microsoft.com/office/drawing/2014/main" id="{766AA2F4-F544-3C55-EEB1-BE00722612A4}"/>
-              </a:ext>
-            </a:extLst>
-          </p:cNvPr>
-          <p:cNvSpPr>
-            <a:spLocks noGrp="1"/>
-          </p:cNvSpPr>
-          <p:nvPr>
-            <p:ph type="subTitle" idx="8"/>
-          </p:nvPr>
-        </p:nvSpPr>
-        <p:spPr/>
-        <p:txBody>
-          <a:bodyPr/>
-          <a:lstStyle/>
-          <a:p>
-            <a:endParaRPr lang="en-US"/>
-          </a:p>
-        </p:txBody>
-      </p:sp>
-      <p:sp>
-        <p:nvSpPr>
           <p:cNvPr id="11" name="Title 10">
             <a:extLst>
               <a:ext uri="{FF2B5EF4-FFF2-40B4-BE49-F238E27FC236}">
@@ -32099,6 +33127,53 @@
           </a:p>
         </p:txBody>
       </p:sp>
+      <p:pic>
+        <p:nvPicPr>
+          <p:cNvPr id="1026" name="Picture 2" descr="Basic web application - Azure Reference Architectures | Microsoft Docs">
+            <a:extLst>
+              <a:ext uri="{FF2B5EF4-FFF2-40B4-BE49-F238E27FC236}">
+                <a16:creationId xmlns:a16="http://schemas.microsoft.com/office/drawing/2014/main" id="{8D4D8BC4-3DBB-92CE-6255-3B1DE8EB0FFE}"/>
+              </a:ext>
+            </a:extLst>
+          </p:cNvPr>
+          <p:cNvPicPr>
+            <a:picLocks noChangeAspect="1" noChangeArrowheads="1"/>
+          </p:cNvPicPr>
+          <p:nvPr/>
+        </p:nvPicPr>
+        <p:blipFill>
+          <a:blip r:embed="rId3">
+            <a:extLst>
+              <a:ext uri="{28A0092B-C50C-407E-A947-70E740481C1C}">
+                <a14:useLocalDpi xmlns:a14="http://schemas.microsoft.com/office/drawing/2010/main" val="0"/>
+              </a:ext>
+            </a:extLst>
+          </a:blip>
+          <a:srcRect/>
+          <a:stretch>
+            <a:fillRect/>
+          </a:stretch>
+        </p:blipFill>
+        <p:spPr bwMode="auto">
+          <a:xfrm>
+            <a:off x="2186544" y="1123900"/>
+            <a:ext cx="5204011" cy="2983719"/>
+          </a:xfrm>
+          <a:prstGeom prst="rect">
+            <a:avLst/>
+          </a:prstGeom>
+          <a:noFill/>
+          <a:extLst>
+            <a:ext uri="{909E8E84-426E-40DD-AFC4-6F175D3DCCD1}">
+              <a14:hiddenFill xmlns:a14="http://schemas.microsoft.com/office/drawing/2010/main">
+                <a:solidFill>
+                  <a:srgbClr val="FFFFFF"/>
+                </a:solidFill>
+              </a14:hiddenFill>
+            </a:ext>
+          </a:extLst>
+        </p:spPr>
+      </p:pic>
     </p:spTree>
     <p:extLst>
       <p:ext uri="{BB962C8B-B14F-4D97-AF65-F5344CB8AC3E}">
@@ -32652,56 +33727,6 @@
       </p:grpSp>
       <p:sp>
         <p:nvSpPr>
-          <p:cNvPr id="493" name="Google Shape;493;p29"/>
-          <p:cNvSpPr txBox="1">
-            <a:spLocks noGrp="1"/>
-          </p:cNvSpPr>
-          <p:nvPr>
-            <p:ph type="subTitle" idx="1"/>
-          </p:nvPr>
-        </p:nvSpPr>
-        <p:spPr>
-          <a:xfrm>
-            <a:off x="710125" y="4694725"/>
-            <a:ext cx="4865100" cy="357300"/>
-          </a:xfrm>
-          <a:prstGeom prst="rect">
-            <a:avLst/>
-          </a:prstGeom>
-        </p:spPr>
-        <p:txBody>
-          <a:bodyPr spcFirstLastPara="1" wrap="square" lIns="91425" tIns="91425" rIns="91425" bIns="91425" anchor="ctr" anchorCtr="0">
-            <a:noAutofit/>
-          </a:bodyPr>
-          <a:lstStyle/>
-          <a:p>
-            <a:pPr marL="0" lvl="0" indent="0" algn="l" rtl="0">
-              <a:spcBef>
-                <a:spcPts val="0"/>
-              </a:spcBef>
-              <a:spcAft>
-                <a:spcPts val="0"/>
-              </a:spcAft>
-              <a:buNone/>
-            </a:pPr>
-            <a:r>
-              <a:rPr lang="en" sz="1400">
-                <a:solidFill>
-                  <a:schemeClr val="accent3"/>
-                </a:solidFill>
-              </a:rPr>
-              <a:t>Programming Language</a:t>
-            </a:r>
-            <a:endParaRPr sz="1400">
-              <a:solidFill>
-                <a:schemeClr val="accent3"/>
-              </a:solidFill>
-            </a:endParaRPr>
-          </a:p>
-        </p:txBody>
-      </p:sp>
-      <p:sp>
-        <p:nvSpPr>
           <p:cNvPr id="494" name="Google Shape;494;p29"/>
           <p:cNvSpPr txBox="1">
             <a:spLocks noGrp="1"/>
@@ -32735,14 +33760,14 @@
               <a:buNone/>
             </a:pPr>
             <a:r>
-              <a:rPr lang="en" sz="1400">
+              <a:rPr lang="en" sz="1400" dirty="0">
                 <a:solidFill>
                   <a:schemeClr val="accent3"/>
                 </a:solidFill>
               </a:rPr>
-              <a:t>forbeginners.html</a:t>
-            </a:r>
-            <a:endParaRPr sz="1400">
+              <a:t>Licenta.html</a:t>
+            </a:r>
+            <a:endParaRPr sz="1400" dirty="0">
               <a:solidFill>
                 <a:schemeClr val="accent3"/>
               </a:solidFill>
@@ -32785,14 +33810,14 @@
               <a:buNone/>
             </a:pPr>
             <a:r>
-              <a:rPr lang="en" sz="1400">
+              <a:rPr lang="en" sz="1400" dirty="0">
                 <a:solidFill>
                   <a:schemeClr val="accent3"/>
                 </a:solidFill>
               </a:rPr>
-              <a:t>workshop.css</a:t>
-            </a:r>
-            <a:endParaRPr sz="1400">
+              <a:t>Licenta.css</a:t>
+            </a:r>
+            <a:endParaRPr sz="1400" dirty="0">
               <a:solidFill>
                 <a:schemeClr val="accent3"/>
               </a:solidFill>
@@ -33759,6 +34784,31 @@
                 <a:schemeClr val="accent2"/>
               </a:solidFill>
             </a:endParaRPr>
+          </a:p>
+        </p:txBody>
+      </p:sp>
+      <p:sp>
+        <p:nvSpPr>
+          <p:cNvPr id="3" name="Subtitle 2">
+            <a:extLst>
+              <a:ext uri="{FF2B5EF4-FFF2-40B4-BE49-F238E27FC236}">
+                <a16:creationId xmlns:a16="http://schemas.microsoft.com/office/drawing/2014/main" id="{6AAD4534-FC11-4B5B-15A0-DE33C58CAF01}"/>
+              </a:ext>
+            </a:extLst>
+          </p:cNvPr>
+          <p:cNvSpPr>
+            <a:spLocks noGrp="1"/>
+          </p:cNvSpPr>
+          <p:nvPr>
+            <p:ph type="subTitle" idx="1"/>
+          </p:nvPr>
+        </p:nvSpPr>
+        <p:spPr/>
+        <p:txBody>
+          <a:bodyPr/>
+          <a:lstStyle/>
+          <a:p>
+            <a:endParaRPr lang="en-US"/>
           </a:p>
         </p:txBody>
       </p:sp>
@@ -33974,56 +35024,6 @@
       </p:sp>
       <p:sp>
         <p:nvSpPr>
-          <p:cNvPr id="2524" name="Google Shape;2524;p48"/>
-          <p:cNvSpPr txBox="1">
-            <a:spLocks noGrp="1"/>
-          </p:cNvSpPr>
-          <p:nvPr>
-            <p:ph type="subTitle" idx="4294967295"/>
-          </p:nvPr>
-        </p:nvSpPr>
-        <p:spPr>
-          <a:xfrm>
-            <a:off x="710125" y="4694725"/>
-            <a:ext cx="4865100" cy="357300"/>
-          </a:xfrm>
-          <a:prstGeom prst="rect">
-            <a:avLst/>
-          </a:prstGeom>
-        </p:spPr>
-        <p:txBody>
-          <a:bodyPr spcFirstLastPara="1" wrap="square" lIns="91425" tIns="91425" rIns="91425" bIns="91425" anchor="ctr" anchorCtr="0">
-            <a:noAutofit/>
-          </a:bodyPr>
-          <a:lstStyle/>
-          <a:p>
-            <a:pPr marL="0" lvl="0" indent="0" algn="l" rtl="0">
-              <a:spcBef>
-                <a:spcPts val="0"/>
-              </a:spcBef>
-              <a:spcAft>
-                <a:spcPts val="0"/>
-              </a:spcAft>
-              <a:buNone/>
-            </a:pPr>
-            <a:r>
-              <a:rPr lang="en" sz="1400">
-                <a:solidFill>
-                  <a:schemeClr val="accent3"/>
-                </a:solidFill>
-              </a:rPr>
-              <a:t>Programming Language</a:t>
-            </a:r>
-            <a:endParaRPr sz="1400">
-              <a:solidFill>
-                <a:schemeClr val="accent3"/>
-              </a:solidFill>
-            </a:endParaRPr>
-          </a:p>
-        </p:txBody>
-      </p:sp>
-      <p:sp>
-        <p:nvSpPr>
           <p:cNvPr id="2525" name="Google Shape;2525;p48"/>
           <p:cNvSpPr txBox="1">
             <a:spLocks noGrp="1"/>
@@ -34057,14 +35057,14 @@
               <a:buNone/>
             </a:pPr>
             <a:r>
-              <a:rPr lang="en" sz="1400">
+              <a:rPr lang="en" sz="1400" dirty="0">
                 <a:solidFill>
                   <a:schemeClr val="accent3"/>
                 </a:solidFill>
               </a:rPr>
-              <a:t>forbeginners.html</a:t>
-            </a:r>
-            <a:endParaRPr sz="1400">
+              <a:t>Licenta.html</a:t>
+            </a:r>
+            <a:endParaRPr sz="1400" dirty="0">
               <a:solidFill>
                 <a:schemeClr val="accent3"/>
               </a:solidFill>
@@ -34206,14 +35206,14 @@
               <a:buNone/>
             </a:pPr>
             <a:r>
-              <a:rPr lang="en" sz="1400">
+              <a:rPr lang="en" sz="1400" dirty="0">
                 <a:solidFill>
                   <a:schemeClr val="accent3"/>
                 </a:solidFill>
               </a:rPr>
-              <a:t>workshop.css</a:t>
-            </a:r>
-            <a:endParaRPr sz="1400">
+              <a:t>Licenta.css</a:t>
+            </a:r>
+            <a:endParaRPr sz="1400" dirty="0">
               <a:solidFill>
                 <a:schemeClr val="accent3"/>
               </a:solidFill>

--- a/Licenta/Licenta_Slides.pptx
+++ b/Licenta/Licenta_Slides.pptx
@@ -5,7 +5,7 @@
     <p:sldMasterId id="2147483672" r:id="rId1"/>
   </p:sldMasterIdLst>
   <p:notesMasterIdLst>
-    <p:notesMasterId r:id="rId11"/>
+    <p:notesMasterId r:id="rId13"/>
   </p:notesMasterIdLst>
   <p:sldIdLst>
     <p:sldId id="256" r:id="rId2"/>
@@ -17,21 +17,23 @@
     <p:sldId id="302" r:id="rId8"/>
     <p:sldId id="300" r:id="rId9"/>
     <p:sldId id="277" r:id="rId10"/>
+    <p:sldId id="303" r:id="rId11"/>
+    <p:sldId id="304" r:id="rId12"/>
   </p:sldIdLst>
   <p:sldSz cx="9144000" cy="5143500" type="screen16x9"/>
   <p:notesSz cx="6858000" cy="9144000"/>
   <p:embeddedFontLst>
     <p:embeddedFont>
       <p:font typeface="Fira Code" panose="020B0809050000020004" pitchFamily="49" charset="0"/>
-      <p:regular r:id="rId12"/>
-      <p:bold r:id="rId13"/>
+      <p:regular r:id="rId14"/>
+      <p:bold r:id="rId15"/>
     </p:embeddedFont>
     <p:embeddedFont>
       <p:font typeface="Nunito" pitchFamily="2" charset="0"/>
-      <p:regular r:id="rId14"/>
-      <p:bold r:id="rId15"/>
-      <p:italic r:id="rId16"/>
-      <p:boldItalic r:id="rId17"/>
+      <p:regular r:id="rId16"/>
+      <p:bold r:id="rId17"/>
+      <p:italic r:id="rId18"/>
+      <p:boldItalic r:id="rId19"/>
     </p:embeddedFont>
   </p:embeddedFontLst>
   <p:defaultTextStyle>
@@ -1560,7 +1562,31 @@
             </a:r>
             <a:r>
               <a:rPr lang="en-US" dirty="0"/>
-              <a:t>, are </a:t>
+              <a:t>, </a:t>
+            </a:r>
+            <a:r>
+              <a:rPr lang="en-US" dirty="0" err="1"/>
+              <a:t>poate</a:t>
+            </a:r>
+            <a:r>
+              <a:rPr lang="en-US" dirty="0"/>
+              <a:t> fi </a:t>
+            </a:r>
+            <a:r>
+              <a:rPr lang="en-US" dirty="0" err="1"/>
+              <a:t>editat</a:t>
+            </a:r>
+            <a:r>
+              <a:rPr lang="en-US" dirty="0"/>
+              <a:t> </a:t>
+            </a:r>
+            <a:r>
+              <a:rPr lang="en-US" dirty="0" err="1"/>
+              <a:t>folosind</a:t>
+            </a:r>
+            <a:r>
+              <a:rPr lang="en-US" dirty="0"/>
+              <a:t> scaffolding. Are </a:t>
             </a:r>
             <a:r>
               <a:rPr lang="en-US" dirty="0" err="1"/>
@@ -2518,6 +2544,205 @@
             <a:r>
               <a:rPr lang="en-US" dirty="0" err="1"/>
               <a:t>viewmodel</a:t>
+            </a:r>
+            <a:endParaRPr lang="en-US" dirty="0"/>
+          </a:p>
+          <a:p>
+            <a:pPr marL="0" lvl="0" indent="0" algn="l" rtl="0">
+              <a:spcBef>
+                <a:spcPts val="0"/>
+              </a:spcBef>
+              <a:spcAft>
+                <a:spcPts val="0"/>
+              </a:spcAft>
+              <a:buNone/>
+            </a:pPr>
+            <a:r>
+              <a:rPr lang="en-US" dirty="0"/>
+              <a:t>Validation </a:t>
+            </a:r>
+            <a:r>
+              <a:rPr lang="en-US" dirty="0" err="1"/>
+              <a:t>pentru</a:t>
+            </a:r>
+            <a:r>
+              <a:rPr lang="en-US" dirty="0"/>
+              <a:t> required, </a:t>
+            </a:r>
+            <a:r>
+              <a:rPr lang="en-US" dirty="0" err="1"/>
+              <a:t>ModelState</a:t>
+            </a:r>
+            <a:r>
+              <a:rPr lang="en-US" dirty="0"/>
+              <a:t> </a:t>
+            </a:r>
+            <a:r>
+              <a:rPr lang="en-US" dirty="0" err="1"/>
+              <a:t>verifica</a:t>
+            </a:r>
+            <a:r>
+              <a:rPr lang="en-US" dirty="0"/>
+              <a:t> </a:t>
+            </a:r>
+            <a:r>
+              <a:rPr lang="en-US" dirty="0" err="1"/>
+              <a:t>daca</a:t>
+            </a:r>
+            <a:r>
+              <a:rPr lang="en-US" dirty="0"/>
+              <a:t> e </a:t>
+            </a:r>
+            <a:r>
+              <a:rPr lang="en-US" dirty="0" err="1"/>
+              <a:t>primim</a:t>
+            </a:r>
+            <a:r>
+              <a:rPr lang="en-US" dirty="0"/>
+              <a:t> </a:t>
+            </a:r>
+            <a:r>
+              <a:rPr lang="en-US" dirty="0" err="1"/>
+              <a:t>este</a:t>
+            </a:r>
+            <a:r>
+              <a:rPr lang="en-US" dirty="0"/>
+              <a:t> valid </a:t>
+            </a:r>
+            <a:r>
+              <a:rPr lang="en-US" dirty="0" err="1"/>
+              <a:t>sau</a:t>
+            </a:r>
+            <a:r>
+              <a:rPr lang="en-US" dirty="0"/>
+              <a:t> </a:t>
+            </a:r>
+            <a:r>
+              <a:rPr lang="en-US" dirty="0" err="1"/>
+              <a:t>complet</a:t>
+            </a:r>
+            <a:r>
+              <a:rPr lang="en-US" dirty="0"/>
+              <a:t> </a:t>
+            </a:r>
+            <a:r>
+              <a:rPr lang="en-US" dirty="0" err="1"/>
+              <a:t>folosind</a:t>
+            </a:r>
+            <a:r>
+              <a:rPr lang="en-US" dirty="0"/>
+              <a:t> </a:t>
+            </a:r>
+            <a:r>
+              <a:rPr lang="en-US" dirty="0" err="1"/>
+              <a:t>ce</a:t>
+            </a:r>
+            <a:r>
+              <a:rPr lang="en-US" dirty="0"/>
+              <a:t> e in </a:t>
+            </a:r>
+            <a:r>
+              <a:rPr lang="en-US" dirty="0" err="1"/>
+              <a:t>acolo</a:t>
+            </a:r>
+            <a:r>
+              <a:rPr lang="en-US" dirty="0"/>
+              <a:t> in </a:t>
+            </a:r>
+            <a:r>
+              <a:rPr lang="en-US" dirty="0" err="1"/>
+              <a:t>ViewModel</a:t>
+            </a:r>
+            <a:r>
+              <a:rPr lang="en-US" dirty="0"/>
+              <a:t>: </a:t>
+            </a:r>
+            <a:r>
+              <a:rPr lang="en-US" dirty="0" err="1"/>
+              <a:t>daca</a:t>
+            </a:r>
+            <a:r>
+              <a:rPr lang="en-US" dirty="0"/>
+              <a:t> email e required, </a:t>
+            </a:r>
+            <a:r>
+              <a:rPr lang="en-US" dirty="0" err="1"/>
+              <a:t>modelstateo</a:t>
+            </a:r>
+            <a:r>
+              <a:rPr lang="en-US" dirty="0"/>
+              <a:t> </a:t>
+            </a:r>
+            <a:r>
+              <a:rPr lang="en-US" dirty="0" err="1"/>
+              <a:t>sa</a:t>
+            </a:r>
+            <a:r>
+              <a:rPr lang="en-US" dirty="0"/>
+              <a:t> fie invalid cu un </a:t>
+            </a:r>
+            <a:r>
+              <a:rPr lang="en-US" dirty="0" err="1"/>
+              <a:t>numar</a:t>
+            </a:r>
+            <a:r>
+              <a:rPr lang="en-US" dirty="0"/>
+              <a:t> null</a:t>
+            </a:r>
+          </a:p>
+          <a:p>
+            <a:pPr marL="0" lvl="0" indent="0" algn="l" rtl="0">
+              <a:spcBef>
+                <a:spcPts val="0"/>
+              </a:spcBef>
+              <a:spcAft>
+                <a:spcPts val="0"/>
+              </a:spcAft>
+              <a:buNone/>
+            </a:pPr>
+            <a:r>
+              <a:rPr lang="en-US" dirty="0"/>
+              <a:t>Validation </a:t>
+            </a:r>
+            <a:r>
+              <a:rPr lang="en-US" dirty="0" err="1"/>
+              <a:t>poate</a:t>
+            </a:r>
+            <a:r>
+              <a:rPr lang="en-US" dirty="0"/>
+              <a:t> fi create </a:t>
+            </a:r>
+            <a:r>
+              <a:rPr lang="en-US" dirty="0" err="1"/>
+              <a:t>si</a:t>
+            </a:r>
+            <a:r>
+              <a:rPr lang="en-US" dirty="0"/>
+              <a:t> custom </a:t>
+            </a:r>
+            <a:r>
+              <a:rPr lang="en-US" dirty="0" err="1"/>
+              <a:t>sau</a:t>
+            </a:r>
+            <a:r>
+              <a:rPr lang="en-US" dirty="0"/>
+              <a:t> </a:t>
+            </a:r>
+            <a:r>
+              <a:rPr lang="en-US" dirty="0" err="1"/>
+              <a:t>diferit</a:t>
+            </a:r>
+            <a:r>
+              <a:rPr lang="en-US" dirty="0"/>
+              <a:t> gen “email” </a:t>
+            </a:r>
+            <a:r>
+              <a:rPr lang="en-US" dirty="0" err="1"/>
+              <a:t>sau</a:t>
+            </a:r>
+            <a:r>
+              <a:rPr lang="en-US" dirty="0"/>
+              <a:t> “phone number”</a:t>
             </a:r>
             <a:endParaRPr dirty="0"/>
           </a:p>
@@ -2629,6 +2854,78 @@
               <a:buNone/>
             </a:pPr>
             <a:r>
+              <a:rPr lang="en-US" noProof="0" dirty="0" err="1"/>
+              <a:t>Interfata</a:t>
+            </a:r>
+            <a:r>
+              <a:rPr lang="en-US" noProof="0" dirty="0"/>
+              <a:t>: </a:t>
+            </a:r>
+            <a:r>
+              <a:rPr lang="ro-RO" dirty="0"/>
+              <a:t>tip abstract care este folosit pentru a descrie un comportament pe care clasele trebuie să îl implementeze</a:t>
+            </a:r>
+            <a:r>
+              <a:rPr lang="en-US" dirty="0"/>
+              <a:t>, are </a:t>
+            </a:r>
+            <a:r>
+              <a:rPr lang="en-US" dirty="0" err="1"/>
+              <a:t>doar</a:t>
+            </a:r>
+            <a:r>
+              <a:rPr lang="en-US" dirty="0"/>
+              <a:t> </a:t>
+            </a:r>
+            <a:r>
+              <a:rPr lang="en-US" dirty="0" err="1"/>
+              <a:t>numele</a:t>
+            </a:r>
+            <a:r>
+              <a:rPr lang="en-US" dirty="0"/>
+              <a:t> </a:t>
+            </a:r>
+            <a:r>
+              <a:rPr lang="en-US" dirty="0" err="1"/>
+              <a:t>functiilor</a:t>
+            </a:r>
+            <a:r>
+              <a:rPr lang="en-US" dirty="0"/>
+              <a:t>, nu </a:t>
+            </a:r>
+            <a:r>
+              <a:rPr lang="en-US" dirty="0" err="1"/>
+              <a:t>si</a:t>
+            </a:r>
+            <a:r>
+              <a:rPr lang="en-US" dirty="0"/>
+              <a:t> body </a:t>
+            </a:r>
+            <a:r>
+              <a:rPr lang="en-US" dirty="0" err="1"/>
+              <a:t>ul</a:t>
+            </a:r>
+            <a:r>
+              <a:rPr lang="en-US" dirty="0"/>
+              <a:t> </a:t>
+            </a:r>
+            <a:r>
+              <a:rPr lang="en-US" dirty="0" err="1"/>
+              <a:t>acestora</a:t>
+            </a:r>
+            <a:endParaRPr lang="en-US" noProof="0" dirty="0"/>
+          </a:p>
+          <a:p>
+            <a:pPr marL="0" lvl="0" indent="0" algn="l" rtl="0">
+              <a:spcBef>
+                <a:spcPts val="0"/>
+              </a:spcBef>
+              <a:spcAft>
+                <a:spcPts val="0"/>
+              </a:spcAft>
+              <a:buNone/>
+            </a:pPr>
+            <a:r>
               <a:rPr lang="ro-RO" noProof="0" dirty="0" err="1"/>
               <a:t>Repository</a:t>
             </a:r>
@@ -2807,6 +3104,69 @@
         <p:txBody>
           <a:bodyPr/>
           <a:lstStyle/>
+          <a:p>
+            <a:r>
+              <a:rPr lang="en-US" dirty="0" err="1"/>
+              <a:t>Facem</a:t>
+            </a:r>
+            <a:r>
+              <a:rPr lang="en-US" dirty="0"/>
+              <a:t> deploy pe cloud, nu </a:t>
+            </a:r>
+            <a:r>
+              <a:rPr lang="en-US" dirty="0" err="1"/>
+              <a:t>mai</a:t>
+            </a:r>
+            <a:r>
+              <a:rPr lang="en-US" dirty="0"/>
+              <a:t> </a:t>
+            </a:r>
+            <a:r>
+              <a:rPr lang="en-US" dirty="0" err="1"/>
+              <a:t>este</a:t>
+            </a:r>
+            <a:r>
+              <a:rPr lang="en-US" dirty="0"/>
+              <a:t> pc dependent, uptime de 99.9998%, </a:t>
+            </a:r>
+            <a:r>
+              <a:rPr lang="en-US" dirty="0" err="1"/>
+              <a:t>depinzand</a:t>
+            </a:r>
+            <a:r>
+              <a:rPr lang="en-US" dirty="0"/>
+              <a:t> de </a:t>
+            </a:r>
+            <a:r>
+              <a:rPr lang="en-US" dirty="0" err="1"/>
+              <a:t>ce</a:t>
+            </a:r>
+            <a:r>
+              <a:rPr lang="en-US" dirty="0"/>
+              <a:t> tip de </a:t>
+            </a:r>
+            <a:r>
+              <a:rPr lang="en-US" dirty="0" err="1"/>
+              <a:t>serviciu</a:t>
+            </a:r>
+            <a:r>
+              <a:rPr lang="en-US" dirty="0"/>
+              <a:t> </a:t>
+            </a:r>
+            <a:r>
+              <a:rPr lang="en-US" dirty="0" err="1"/>
+              <a:t>este</a:t>
+            </a:r>
+            <a:r>
+              <a:rPr lang="en-US" dirty="0"/>
+              <a:t> </a:t>
+            </a:r>
+            <a:r>
+              <a:rPr lang="en-US" dirty="0" err="1"/>
+              <a:t>platit</a:t>
+            </a:r>
+            <a:endParaRPr lang="en-US" dirty="0"/>
+          </a:p>
           <a:p>
             <a:r>
               <a:rPr lang="en-US" dirty="0"/>
@@ -17342,7 +17702,7 @@
         </p:nvSpPr>
         <p:spPr>
           <a:xfrm>
-            <a:off x="1413525" y="1144250"/>
+            <a:off x="1462163" y="1513089"/>
             <a:ext cx="5788800" cy="517500"/>
           </a:xfrm>
           <a:prstGeom prst="rect">
@@ -17424,7 +17784,7 @@
         </p:nvSpPr>
         <p:spPr>
           <a:xfrm>
-            <a:off x="5654709" y="4149850"/>
+            <a:off x="6012728" y="603793"/>
             <a:ext cx="3489291" cy="460800"/>
           </a:xfrm>
           <a:prstGeom prst="rect">
@@ -17447,10 +17807,10 @@
               <a:buNone/>
             </a:pPr>
             <a:r>
-              <a:rPr lang="en" dirty="0"/>
+              <a:rPr lang="en" sz="1600" dirty="0"/>
               <a:t>Popescu Alexandru-Iulian</a:t>
             </a:r>
-            <a:endParaRPr dirty="0"/>
+            <a:endParaRPr sz="1600" dirty="0"/>
           </a:p>
         </p:txBody>
       </p:sp>
@@ -17466,7 +17826,7 @@
         </p:nvSpPr>
         <p:spPr>
           <a:xfrm>
-            <a:off x="1552225" y="1941295"/>
+            <a:off x="1600863" y="2128739"/>
             <a:ext cx="7272668" cy="1305475"/>
           </a:xfrm>
           <a:prstGeom prst="rect">
@@ -17497,7 +17857,7 @@
               <a:t>[</a:t>
             </a:r>
             <a:r>
-              <a:rPr lang="ro-RO" dirty="0">
+              <a:rPr lang="ro-RO" sz="2400" dirty="0">
                 <a:solidFill>
                   <a:schemeClr val="accent1"/>
                 </a:solidFill>
@@ -17505,7 +17865,7 @@
               <a:t>Platforma</a:t>
             </a:r>
             <a:r>
-              <a:rPr lang="en-US" dirty="0">
+              <a:rPr lang="en-US" sz="2400" dirty="0">
                 <a:solidFill>
                   <a:schemeClr val="accent1"/>
                 </a:solidFill>
@@ -17513,7 +17873,7 @@
               <a:t> </a:t>
             </a:r>
             <a:r>
-              <a:rPr lang="en-US" dirty="0" err="1">
+              <a:rPr lang="en-US" sz="2400" dirty="0" err="1">
                 <a:solidFill>
                   <a:schemeClr val="accent1"/>
                 </a:solidFill>
@@ -17521,7 +17881,7 @@
               <a:t>pentru</a:t>
             </a:r>
             <a:r>
-              <a:rPr lang="en-US" dirty="0">
+              <a:rPr lang="en-US" sz="2400" dirty="0">
                 <a:solidFill>
                   <a:schemeClr val="accent1"/>
                 </a:solidFill>
@@ -17529,7 +17889,7 @@
               <a:t> </a:t>
             </a:r>
             <a:r>
-              <a:rPr lang="en-US" dirty="0" err="1">
+              <a:rPr lang="en-US" sz="2400" dirty="0" err="1">
                 <a:solidFill>
                   <a:srgbClr val="92D050"/>
                 </a:solidFill>
@@ -17537,7 +17897,7 @@
               <a:t>intermedierea</a:t>
             </a:r>
             <a:r>
-              <a:rPr lang="en-US" dirty="0">
+              <a:rPr lang="en-US" sz="2400" dirty="0">
                 <a:solidFill>
                   <a:schemeClr val="accent1"/>
                 </a:solidFill>
@@ -17545,7 +17905,7 @@
               <a:t> </a:t>
             </a:r>
             <a:r>
-              <a:rPr lang="en-US" dirty="0" err="1">
+              <a:rPr lang="en-US" sz="2400" dirty="0" err="1">
                 <a:solidFill>
                   <a:schemeClr val="bg1"/>
                 </a:solidFill>
@@ -17553,7 +17913,7 @@
               <a:t>activităților</a:t>
             </a:r>
             <a:r>
-              <a:rPr lang="en-US" dirty="0">
+              <a:rPr lang="en-US" sz="2400" dirty="0">
                 <a:solidFill>
                   <a:schemeClr val="accent1"/>
                 </a:solidFill>
@@ -17561,7 +17921,7 @@
               <a:t> de </a:t>
             </a:r>
             <a:r>
-              <a:rPr lang="en-US" dirty="0" err="1">
+              <a:rPr lang="en-US" sz="2400" dirty="0" err="1">
                 <a:solidFill>
                   <a:schemeClr val="accent1"/>
                 </a:solidFill>
@@ -17569,7 +17929,7 @@
               <a:t>curierat</a:t>
             </a:r>
             <a:r>
-              <a:rPr lang="en-US" dirty="0">
+              <a:rPr lang="en-US" sz="2400" dirty="0">
                 <a:solidFill>
                   <a:schemeClr val="accent1"/>
                 </a:solidFill>
@@ -17577,7 +17937,7 @@
               <a:t> </a:t>
             </a:r>
             <a:r>
-              <a:rPr lang="ro-RO" dirty="0">
+              <a:rPr lang="ro-RO" sz="2400" dirty="0">
                 <a:solidFill>
                   <a:schemeClr val="accent1"/>
                 </a:solidFill>
@@ -17585,7 +17945,7 @@
               <a:t>folosind</a:t>
             </a:r>
             <a:r>
-              <a:rPr lang="en-US" dirty="0">
+              <a:rPr lang="en-US" sz="2400" dirty="0">
                 <a:solidFill>
                   <a:schemeClr val="accent1"/>
                 </a:solidFill>
@@ -17593,7 +17953,7 @@
               <a:t> </a:t>
             </a:r>
             <a:r>
-              <a:rPr lang="en-US" dirty="0" err="1">
+              <a:rPr lang="en-US" sz="2400" dirty="0" err="1">
                 <a:solidFill>
                   <a:schemeClr val="accent1"/>
                 </a:solidFill>
@@ -17601,7 +17961,7 @@
               <a:t>tehnologiile</a:t>
             </a:r>
             <a:r>
-              <a:rPr lang="en-US" dirty="0">
+              <a:rPr lang="en-US" sz="2400" dirty="0">
                 <a:solidFill>
                   <a:schemeClr val="accent1"/>
                 </a:solidFill>
@@ -17609,7 +17969,7 @@
               <a:t> </a:t>
             </a:r>
             <a:r>
-              <a:rPr lang="en-US" dirty="0">
+              <a:rPr lang="en-US" sz="2400" dirty="0">
                 <a:solidFill>
                   <a:srgbClr val="92D050"/>
                 </a:solidFill>
@@ -17617,14 +17977,14 @@
               <a:t>Cloud</a:t>
             </a:r>
             <a:r>
-              <a:rPr lang="en" dirty="0">
+              <a:rPr lang="en" sz="2400" dirty="0">
                 <a:solidFill>
                   <a:schemeClr val="accent6"/>
                 </a:solidFill>
               </a:rPr>
               <a:t>] </a:t>
             </a:r>
-            <a:endParaRPr dirty="0">
+            <a:endParaRPr sz="2400" dirty="0">
               <a:solidFill>
                 <a:schemeClr val="accent6"/>
               </a:solidFill>
@@ -17640,10 +18000,10 @@
         </p:nvGrpSpPr>
         <p:grpSpPr>
           <a:xfrm>
-            <a:off x="1413525" y="1759900"/>
-            <a:ext cx="506100" cy="2444350"/>
-            <a:chOff x="1413525" y="1759900"/>
-            <a:chExt cx="506100" cy="2444350"/>
+            <a:off x="1462163" y="1935216"/>
+            <a:ext cx="506100" cy="1915374"/>
+            <a:chOff x="1413525" y="1566377"/>
+            <a:chExt cx="506100" cy="2561874"/>
           </a:xfrm>
         </p:grpSpPr>
         <p:cxnSp>
@@ -17654,7 +18014,7 @@
           </p:nvCxnSpPr>
           <p:spPr>
             <a:xfrm>
-              <a:off x="1552225" y="1759900"/>
+              <a:off x="1552225" y="1566377"/>
               <a:ext cx="0" cy="1763400"/>
             </a:xfrm>
             <a:prstGeom prst="straightConnector1">
@@ -17680,7 +18040,7 @@
           </p:nvSpPr>
           <p:spPr>
             <a:xfrm>
-              <a:off x="1413525" y="3557750"/>
+              <a:off x="1413525" y="3481751"/>
               <a:ext cx="506100" cy="646500"/>
             </a:xfrm>
             <a:prstGeom prst="rect">
@@ -17707,7 +18067,7 @@
                 <a:buNone/>
               </a:pPr>
               <a:r>
-                <a:rPr lang="en" sz="3000">
+                <a:rPr lang="en" sz="3000" dirty="0">
                   <a:solidFill>
                     <a:schemeClr val="accent3"/>
                   </a:solidFill>
@@ -17718,7 +18078,7 @@
                 </a:rPr>
                 <a:t>}</a:t>
               </a:r>
-              <a:endParaRPr sz="3000">
+              <a:endParaRPr sz="3000" dirty="0">
                 <a:solidFill>
                   <a:schemeClr val="accent3"/>
                 </a:solidFill>
@@ -17831,7 +18191,660 @@
           </a:p>
         </p:txBody>
       </p:sp>
+      <p:sp>
+        <p:nvSpPr>
+          <p:cNvPr id="11" name="TextBox 10">
+            <a:extLst>
+              <a:ext uri="{FF2B5EF4-FFF2-40B4-BE49-F238E27FC236}">
+                <a16:creationId xmlns:a16="http://schemas.microsoft.com/office/drawing/2014/main" id="{0D60004F-5A7E-C4D3-5295-83DCFDD9784E}"/>
+              </a:ext>
+            </a:extLst>
+          </p:cNvPr>
+          <p:cNvSpPr txBox="1"/>
+          <p:nvPr/>
+        </p:nvSpPr>
+        <p:spPr>
+          <a:xfrm>
+            <a:off x="2280025" y="4161829"/>
+            <a:ext cx="5603725" cy="369332"/>
+          </a:xfrm>
+          <a:prstGeom prst="rect">
+            <a:avLst/>
+          </a:prstGeom>
+          <a:noFill/>
+        </p:spPr>
+        <p:txBody>
+          <a:bodyPr wrap="square">
+            <a:spAutoFit/>
+          </a:bodyPr>
+          <a:lstStyle/>
+          <a:p>
+            <a:r>
+              <a:rPr lang="ro-RO" sz="1800" dirty="0">
+                <a:solidFill>
+                  <a:schemeClr val="accent6"/>
+                </a:solidFill>
+                <a:latin typeface="Fira Code" panose="020B0809050000020004" pitchFamily="49" charset="0"/>
+                <a:ea typeface="Fira Code" panose="020B0809050000020004" pitchFamily="49" charset="0"/>
+                <a:cs typeface="Fira Code" panose="020B0809050000020004" pitchFamily="49" charset="0"/>
+              </a:rPr>
+              <a:t>SBORA MIHAI-CĂTĂLIN (Șef </a:t>
+            </a:r>
+            <a:r>
+              <a:rPr lang="ro-RO" sz="1800" dirty="0" err="1">
+                <a:solidFill>
+                  <a:schemeClr val="accent6"/>
+                </a:solidFill>
+                <a:latin typeface="Fira Code" panose="020B0809050000020004" pitchFamily="49" charset="0"/>
+                <a:ea typeface="Fira Code" panose="020B0809050000020004" pitchFamily="49" charset="0"/>
+                <a:cs typeface="Fira Code" panose="020B0809050000020004" pitchFamily="49" charset="0"/>
+              </a:rPr>
+              <a:t>lucr.dr.ing</a:t>
+            </a:r>
+            <a:r>
+              <a:rPr lang="ro-RO" sz="1800" dirty="0">
+                <a:solidFill>
+                  <a:schemeClr val="accent6"/>
+                </a:solidFill>
+                <a:latin typeface="Fira Code" panose="020B0809050000020004" pitchFamily="49" charset="0"/>
+                <a:ea typeface="Fira Code" panose="020B0809050000020004" pitchFamily="49" charset="0"/>
+                <a:cs typeface="Fira Code" panose="020B0809050000020004" pitchFamily="49" charset="0"/>
+              </a:rPr>
+              <a:t>.)</a:t>
+            </a:r>
+          </a:p>
+        </p:txBody>
+      </p:sp>
+      <p:sp>
+        <p:nvSpPr>
+          <p:cNvPr id="12" name="Google Shape;459;p27">
+            <a:extLst>
+              <a:ext uri="{FF2B5EF4-FFF2-40B4-BE49-F238E27FC236}">
+                <a16:creationId xmlns:a16="http://schemas.microsoft.com/office/drawing/2014/main" id="{1D7B7818-0A56-3F2E-E36F-7E1559CD4813}"/>
+              </a:ext>
+            </a:extLst>
+          </p:cNvPr>
+          <p:cNvSpPr txBox="1">
+            <a:spLocks/>
+          </p:cNvSpPr>
+          <p:nvPr/>
+        </p:nvSpPr>
+        <p:spPr>
+          <a:xfrm>
+            <a:off x="4414105" y="3760682"/>
+            <a:ext cx="1548907" cy="460800"/>
+          </a:xfrm>
+          <a:prstGeom prst="rect">
+            <a:avLst/>
+          </a:prstGeom>
+          <a:noFill/>
+          <a:ln>
+            <a:noFill/>
+          </a:ln>
+        </p:spPr>
+        <p:txBody>
+          <a:bodyPr spcFirstLastPara="1" wrap="square" lIns="91425" tIns="91425" rIns="91425" bIns="91425" anchor="ctr" anchorCtr="0">
+            <a:noAutofit/>
+          </a:bodyPr>
+          <a:lstStyle>
+            <a:defPPr marR="0" lvl="0" algn="l" rtl="0">
+              <a:lnSpc>
+                <a:spcPct val="100000"/>
+              </a:lnSpc>
+              <a:spcBef>
+                <a:spcPts val="0"/>
+              </a:spcBef>
+              <a:spcAft>
+                <a:spcPts val="0"/>
+              </a:spcAft>
+            </a:defPPr>
+            <a:lvl1pPr marL="457200" marR="0" lvl="0" indent="-317500" algn="l" rtl="0">
+              <a:lnSpc>
+                <a:spcPct val="100000"/>
+              </a:lnSpc>
+              <a:spcBef>
+                <a:spcPts val="0"/>
+              </a:spcBef>
+              <a:spcAft>
+                <a:spcPts val="0"/>
+              </a:spcAft>
+              <a:buClr>
+                <a:schemeClr val="dk2"/>
+              </a:buClr>
+              <a:buSzPts val="2800"/>
+              <a:buFont typeface="Fira Code"/>
+              <a:buNone/>
+              <a:defRPr sz="1800" b="0" i="0" u="none" strike="noStrike" cap="none">
+                <a:solidFill>
+                  <a:schemeClr val="accent3"/>
+                </a:solidFill>
+                <a:latin typeface="Fira Code"/>
+                <a:ea typeface="Fira Code"/>
+                <a:cs typeface="Fira Code"/>
+                <a:sym typeface="Fira Code"/>
+              </a:defRPr>
+            </a:lvl1pPr>
+            <a:lvl2pPr marL="914400" marR="0" lvl="1" indent="-317500" algn="ctr" rtl="0">
+              <a:lnSpc>
+                <a:spcPct val="100000"/>
+              </a:lnSpc>
+              <a:spcBef>
+                <a:spcPts val="0"/>
+              </a:spcBef>
+              <a:spcAft>
+                <a:spcPts val="0"/>
+              </a:spcAft>
+              <a:buClr>
+                <a:schemeClr val="dk2"/>
+              </a:buClr>
+              <a:buSzPts val="2800"/>
+              <a:buFont typeface="Fira Code"/>
+              <a:buNone/>
+              <a:defRPr sz="2800" b="0" i="0" u="none" strike="noStrike" cap="none">
+                <a:solidFill>
+                  <a:schemeClr val="dk2"/>
+                </a:solidFill>
+                <a:latin typeface="Fira Code"/>
+                <a:ea typeface="Fira Code"/>
+                <a:cs typeface="Fira Code"/>
+                <a:sym typeface="Fira Code"/>
+              </a:defRPr>
+            </a:lvl2pPr>
+            <a:lvl3pPr marL="1371600" marR="0" lvl="2" indent="-317500" algn="ctr" rtl="0">
+              <a:lnSpc>
+                <a:spcPct val="100000"/>
+              </a:lnSpc>
+              <a:spcBef>
+                <a:spcPts val="0"/>
+              </a:spcBef>
+              <a:spcAft>
+                <a:spcPts val="0"/>
+              </a:spcAft>
+              <a:buClr>
+                <a:schemeClr val="dk2"/>
+              </a:buClr>
+              <a:buSzPts val="2800"/>
+              <a:buFont typeface="Fira Code"/>
+              <a:buNone/>
+              <a:defRPr sz="2800" b="0" i="0" u="none" strike="noStrike" cap="none">
+                <a:solidFill>
+                  <a:schemeClr val="dk2"/>
+                </a:solidFill>
+                <a:latin typeface="Fira Code"/>
+                <a:ea typeface="Fira Code"/>
+                <a:cs typeface="Fira Code"/>
+                <a:sym typeface="Fira Code"/>
+              </a:defRPr>
+            </a:lvl3pPr>
+            <a:lvl4pPr marL="1828800" marR="0" lvl="3" indent="-317500" algn="ctr" rtl="0">
+              <a:lnSpc>
+                <a:spcPct val="100000"/>
+              </a:lnSpc>
+              <a:spcBef>
+                <a:spcPts val="0"/>
+              </a:spcBef>
+              <a:spcAft>
+                <a:spcPts val="0"/>
+              </a:spcAft>
+              <a:buClr>
+                <a:schemeClr val="dk2"/>
+              </a:buClr>
+              <a:buSzPts val="2800"/>
+              <a:buFont typeface="Fira Code"/>
+              <a:buNone/>
+              <a:defRPr sz="2800" b="0" i="0" u="none" strike="noStrike" cap="none">
+                <a:solidFill>
+                  <a:schemeClr val="dk2"/>
+                </a:solidFill>
+                <a:latin typeface="Fira Code"/>
+                <a:ea typeface="Fira Code"/>
+                <a:cs typeface="Fira Code"/>
+                <a:sym typeface="Fira Code"/>
+              </a:defRPr>
+            </a:lvl4pPr>
+            <a:lvl5pPr marL="2286000" marR="0" lvl="4" indent="-317500" algn="ctr" rtl="0">
+              <a:lnSpc>
+                <a:spcPct val="100000"/>
+              </a:lnSpc>
+              <a:spcBef>
+                <a:spcPts val="0"/>
+              </a:spcBef>
+              <a:spcAft>
+                <a:spcPts val="0"/>
+              </a:spcAft>
+              <a:buClr>
+                <a:schemeClr val="dk2"/>
+              </a:buClr>
+              <a:buSzPts val="2800"/>
+              <a:buFont typeface="Fira Code"/>
+              <a:buNone/>
+              <a:defRPr sz="2800" b="0" i="0" u="none" strike="noStrike" cap="none">
+                <a:solidFill>
+                  <a:schemeClr val="dk2"/>
+                </a:solidFill>
+                <a:latin typeface="Fira Code"/>
+                <a:ea typeface="Fira Code"/>
+                <a:cs typeface="Fira Code"/>
+                <a:sym typeface="Fira Code"/>
+              </a:defRPr>
+            </a:lvl5pPr>
+            <a:lvl6pPr marL="2743200" marR="0" lvl="5" indent="-317500" algn="ctr" rtl="0">
+              <a:lnSpc>
+                <a:spcPct val="100000"/>
+              </a:lnSpc>
+              <a:spcBef>
+                <a:spcPts val="0"/>
+              </a:spcBef>
+              <a:spcAft>
+                <a:spcPts val="0"/>
+              </a:spcAft>
+              <a:buClr>
+                <a:schemeClr val="dk2"/>
+              </a:buClr>
+              <a:buSzPts val="2800"/>
+              <a:buFont typeface="Fira Code"/>
+              <a:buNone/>
+              <a:defRPr sz="2800" b="0" i="0" u="none" strike="noStrike" cap="none">
+                <a:solidFill>
+                  <a:schemeClr val="dk2"/>
+                </a:solidFill>
+                <a:latin typeface="Fira Code"/>
+                <a:ea typeface="Fira Code"/>
+                <a:cs typeface="Fira Code"/>
+                <a:sym typeface="Fira Code"/>
+              </a:defRPr>
+            </a:lvl6pPr>
+            <a:lvl7pPr marL="3200400" marR="0" lvl="6" indent="-317500" algn="ctr" rtl="0">
+              <a:lnSpc>
+                <a:spcPct val="100000"/>
+              </a:lnSpc>
+              <a:spcBef>
+                <a:spcPts val="0"/>
+              </a:spcBef>
+              <a:spcAft>
+                <a:spcPts val="0"/>
+              </a:spcAft>
+              <a:buClr>
+                <a:schemeClr val="dk2"/>
+              </a:buClr>
+              <a:buSzPts val="2800"/>
+              <a:buFont typeface="Fira Code"/>
+              <a:buNone/>
+              <a:defRPr sz="2800" b="0" i="0" u="none" strike="noStrike" cap="none">
+                <a:solidFill>
+                  <a:schemeClr val="dk2"/>
+                </a:solidFill>
+                <a:latin typeface="Fira Code"/>
+                <a:ea typeface="Fira Code"/>
+                <a:cs typeface="Fira Code"/>
+                <a:sym typeface="Fira Code"/>
+              </a:defRPr>
+            </a:lvl7pPr>
+            <a:lvl8pPr marL="3657600" marR="0" lvl="7" indent="-317500" algn="ctr" rtl="0">
+              <a:lnSpc>
+                <a:spcPct val="100000"/>
+              </a:lnSpc>
+              <a:spcBef>
+                <a:spcPts val="0"/>
+              </a:spcBef>
+              <a:spcAft>
+                <a:spcPts val="0"/>
+              </a:spcAft>
+              <a:buClr>
+                <a:schemeClr val="dk2"/>
+              </a:buClr>
+              <a:buSzPts val="2800"/>
+              <a:buFont typeface="Fira Code"/>
+              <a:buNone/>
+              <a:defRPr sz="2800" b="0" i="0" u="none" strike="noStrike" cap="none">
+                <a:solidFill>
+                  <a:schemeClr val="dk2"/>
+                </a:solidFill>
+                <a:latin typeface="Fira Code"/>
+                <a:ea typeface="Fira Code"/>
+                <a:cs typeface="Fira Code"/>
+                <a:sym typeface="Fira Code"/>
+              </a:defRPr>
+            </a:lvl8pPr>
+            <a:lvl9pPr marL="4114800" marR="0" lvl="8" indent="-317500" algn="ctr" rtl="0">
+              <a:lnSpc>
+                <a:spcPct val="100000"/>
+              </a:lnSpc>
+              <a:spcBef>
+                <a:spcPts val="0"/>
+              </a:spcBef>
+              <a:spcAft>
+                <a:spcPts val="0"/>
+              </a:spcAft>
+              <a:buClr>
+                <a:schemeClr val="dk2"/>
+              </a:buClr>
+              <a:buSzPts val="2800"/>
+              <a:buFont typeface="Fira Code"/>
+              <a:buNone/>
+              <a:defRPr sz="2800" b="0" i="0" u="none" strike="noStrike" cap="none">
+                <a:solidFill>
+                  <a:schemeClr val="dk2"/>
+                </a:solidFill>
+                <a:latin typeface="Fira Code"/>
+                <a:ea typeface="Fira Code"/>
+                <a:cs typeface="Fira Code"/>
+                <a:sym typeface="Fira Code"/>
+              </a:defRPr>
+            </a:lvl9pPr>
+          </a:lstStyle>
+          <a:p>
+            <a:pPr marL="0" indent="0"/>
+            <a:r>
+              <a:rPr lang="en-US" sz="1600" dirty="0" err="1"/>
+              <a:t>Coordonator</a:t>
+            </a:r>
+            <a:endParaRPr lang="en-US" sz="1600" dirty="0"/>
+          </a:p>
+        </p:txBody>
+      </p:sp>
+      <p:pic>
+        <p:nvPicPr>
+          <p:cNvPr id="6" name="Picture 5" descr="A picture containing icon&#10;&#10;Description automatically generated">
+            <a:extLst>
+              <a:ext uri="{FF2B5EF4-FFF2-40B4-BE49-F238E27FC236}">
+                <a16:creationId xmlns:a16="http://schemas.microsoft.com/office/drawing/2014/main" id="{09A5269A-9E17-83F6-BC4C-17DCBFFAE517}"/>
+              </a:ext>
+            </a:extLst>
+          </p:cNvPr>
+          <p:cNvPicPr>
+            <a:picLocks noChangeAspect="1"/>
+          </p:cNvPicPr>
+          <p:nvPr/>
+        </p:nvPicPr>
+        <p:blipFill>
+          <a:blip r:embed="rId3"/>
+          <a:stretch>
+            <a:fillRect/>
+          </a:stretch>
+        </p:blipFill>
+        <p:spPr>
+          <a:xfrm>
+            <a:off x="1943116" y="546975"/>
+            <a:ext cx="673818" cy="790613"/>
+          </a:xfrm>
+          <a:prstGeom prst="rect">
+            <a:avLst/>
+          </a:prstGeom>
+        </p:spPr>
+      </p:pic>
     </p:spTree>
+  </p:cSld>
+  <p:clrMapOvr>
+    <a:masterClrMapping/>
+  </p:clrMapOvr>
+</p:sld>
+</file>
+
+<file path=ppt/slides/slide10.xml><?xml version="1.0" encoding="utf-8"?>
+<p:sld xmlns:a="http://schemas.openxmlformats.org/drawingml/2006/main" xmlns:r="http://schemas.openxmlformats.org/officeDocument/2006/relationships" xmlns:p="http://schemas.openxmlformats.org/presentationml/2006/main">
+  <p:cSld>
+    <p:spTree>
+      <p:nvGrpSpPr>
+        <p:cNvPr id="1" name=""/>
+        <p:cNvGrpSpPr/>
+        <p:nvPr/>
+      </p:nvGrpSpPr>
+      <p:grpSpPr>
+        <a:xfrm>
+          <a:off x="0" y="0"/>
+          <a:ext cx="0" cy="0"/>
+          <a:chOff x="0" y="0"/>
+          <a:chExt cx="0" cy="0"/>
+        </a:xfrm>
+      </p:grpSpPr>
+      <p:sp>
+        <p:nvSpPr>
+          <p:cNvPr id="2" name="Subtitle 1">
+            <a:extLst>
+              <a:ext uri="{FF2B5EF4-FFF2-40B4-BE49-F238E27FC236}">
+                <a16:creationId xmlns:a16="http://schemas.microsoft.com/office/drawing/2014/main" id="{CA7FD182-C328-59D7-1F26-108FA90A633A}"/>
+              </a:ext>
+            </a:extLst>
+          </p:cNvPr>
+          <p:cNvSpPr>
+            <a:spLocks noGrp="1"/>
+          </p:cNvSpPr>
+          <p:nvPr>
+            <p:ph type="subTitle" idx="1"/>
+          </p:nvPr>
+        </p:nvSpPr>
+        <p:spPr>
+          <a:xfrm>
+            <a:off x="1121875" y="2210682"/>
+            <a:ext cx="4302955" cy="1566300"/>
+          </a:xfrm>
+        </p:spPr>
+        <p:txBody>
+          <a:bodyPr/>
+          <a:lstStyle/>
+          <a:p>
+            <a:r>
+              <a:rPr lang="en-US" dirty="0"/>
+              <a:t>- </a:t>
+            </a:r>
+            <a:r>
+              <a:rPr lang="en-US" dirty="0" err="1"/>
+              <a:t>Folosire</a:t>
+            </a:r>
+            <a:r>
+              <a:rPr lang="en-US" dirty="0"/>
+              <a:t> </a:t>
+            </a:r>
+            <a:r>
+              <a:rPr lang="en-US" dirty="0" err="1"/>
+              <a:t>gps</a:t>
+            </a:r>
+            <a:r>
+              <a:rPr lang="en-US" dirty="0"/>
+              <a:t> </a:t>
+            </a:r>
+            <a:r>
+              <a:rPr lang="en-US" dirty="0" err="1"/>
+              <a:t>pentru</a:t>
+            </a:r>
+            <a:r>
+              <a:rPr lang="en-US" dirty="0"/>
+              <a:t> </a:t>
+            </a:r>
+            <a:r>
+              <a:rPr lang="en-US" dirty="0" err="1"/>
+              <a:t>sofer</a:t>
+            </a:r>
+            <a:endParaRPr lang="en-US" dirty="0"/>
+          </a:p>
+          <a:p>
+            <a:pPr marL="139700" indent="0"/>
+            <a:r>
+              <a:rPr lang="en-US" dirty="0"/>
+              <a:t>- </a:t>
+            </a:r>
+            <a:r>
+              <a:rPr lang="en-US" dirty="0" err="1"/>
+              <a:t>Integrarea</a:t>
+            </a:r>
+            <a:r>
+              <a:rPr lang="en-US" dirty="0"/>
+              <a:t> cu Waze</a:t>
+            </a:r>
+          </a:p>
+          <a:p>
+            <a:pPr marL="139700" indent="0"/>
+            <a:r>
+              <a:rPr lang="en-US" dirty="0"/>
+              <a:t>- CI/CD </a:t>
+            </a:r>
+            <a:r>
+              <a:rPr lang="en-US" dirty="0" err="1"/>
+              <a:t>folosind</a:t>
+            </a:r>
+            <a:r>
+              <a:rPr lang="en-US" dirty="0"/>
+              <a:t> Azure Pipelines</a:t>
+            </a:r>
+          </a:p>
+          <a:p>
+            <a:pPr marL="139700" indent="0"/>
+            <a:endParaRPr lang="en-US" dirty="0"/>
+          </a:p>
+          <a:p>
+            <a:endParaRPr lang="ro-RO" dirty="0"/>
+          </a:p>
+        </p:txBody>
+      </p:sp>
+      <p:sp>
+        <p:nvSpPr>
+          <p:cNvPr id="3" name="Title 2">
+            <a:extLst>
+              <a:ext uri="{FF2B5EF4-FFF2-40B4-BE49-F238E27FC236}">
+                <a16:creationId xmlns:a16="http://schemas.microsoft.com/office/drawing/2014/main" id="{FE8E348C-1F3A-0B75-C8B9-732E0E7AD538}"/>
+              </a:ext>
+            </a:extLst>
+          </p:cNvPr>
+          <p:cNvSpPr>
+            <a:spLocks noGrp="1"/>
+          </p:cNvSpPr>
+          <p:nvPr>
+            <p:ph type="title"/>
+          </p:nvPr>
+        </p:nvSpPr>
+        <p:spPr>
+          <a:xfrm>
+            <a:off x="1121875" y="825901"/>
+            <a:ext cx="3817820" cy="1122300"/>
+          </a:xfrm>
+        </p:spPr>
+        <p:txBody>
+          <a:bodyPr/>
+          <a:lstStyle/>
+          <a:p>
+            <a:r>
+              <a:rPr lang="en-US" dirty="0" err="1"/>
+              <a:t>Posibilitati</a:t>
+            </a:r>
+            <a:r>
+              <a:rPr lang="en-US" dirty="0"/>
+              <a:t> de </a:t>
+            </a:r>
+            <a:r>
+              <a:rPr lang="en-US" dirty="0" err="1"/>
+              <a:t>imbunatatire</a:t>
+            </a:r>
+            <a:endParaRPr lang="ro-RO" dirty="0"/>
+          </a:p>
+        </p:txBody>
+      </p:sp>
+    </p:spTree>
+    <p:extLst>
+      <p:ext uri="{BB962C8B-B14F-4D97-AF65-F5344CB8AC3E}">
+        <p14:creationId xmlns:p14="http://schemas.microsoft.com/office/powerpoint/2010/main" val="913967619"/>
+      </p:ext>
+    </p:extLst>
+  </p:cSld>
+  <p:clrMapOvr>
+    <a:masterClrMapping/>
+  </p:clrMapOvr>
+</p:sld>
+</file>
+
+<file path=ppt/slides/slide11.xml><?xml version="1.0" encoding="utf-8"?>
+<p:sld xmlns:a="http://schemas.openxmlformats.org/drawingml/2006/main" xmlns:r="http://schemas.openxmlformats.org/officeDocument/2006/relationships" xmlns:p="http://schemas.openxmlformats.org/presentationml/2006/main">
+  <p:cSld>
+    <p:spTree>
+      <p:nvGrpSpPr>
+        <p:cNvPr id="1" name=""/>
+        <p:cNvGrpSpPr/>
+        <p:nvPr/>
+      </p:nvGrpSpPr>
+      <p:grpSpPr>
+        <a:xfrm>
+          <a:off x="0" y="0"/>
+          <a:ext cx="0" cy="0"/>
+          <a:chOff x="0" y="0"/>
+          <a:chExt cx="0" cy="0"/>
+        </a:xfrm>
+      </p:grpSpPr>
+      <p:sp>
+        <p:nvSpPr>
+          <p:cNvPr id="3" name="Title 2">
+            <a:extLst>
+              <a:ext uri="{FF2B5EF4-FFF2-40B4-BE49-F238E27FC236}">
+                <a16:creationId xmlns:a16="http://schemas.microsoft.com/office/drawing/2014/main" id="{886A13C3-B50D-3C94-A848-92FD85562CF0}"/>
+              </a:ext>
+            </a:extLst>
+          </p:cNvPr>
+          <p:cNvSpPr>
+            <a:spLocks noGrp="1"/>
+          </p:cNvSpPr>
+          <p:nvPr>
+            <p:ph type="title"/>
+          </p:nvPr>
+        </p:nvSpPr>
+        <p:spPr>
+          <a:xfrm>
+            <a:off x="1817439" y="2010600"/>
+            <a:ext cx="5509121" cy="1122300"/>
+          </a:xfrm>
+        </p:spPr>
+        <p:txBody>
+          <a:bodyPr/>
+          <a:lstStyle/>
+          <a:p>
+            <a:r>
+              <a:rPr lang="en-US" dirty="0" err="1">
+                <a:solidFill>
+                  <a:schemeClr val="bg1"/>
+                </a:solidFill>
+              </a:rPr>
+              <a:t>Multumesc</a:t>
+            </a:r>
+            <a:r>
+              <a:rPr lang="en-US" dirty="0"/>
+              <a:t> </a:t>
+            </a:r>
+            <a:r>
+              <a:rPr lang="en-US" dirty="0" err="1"/>
+              <a:t>pentru</a:t>
+            </a:r>
+            <a:r>
+              <a:rPr lang="en-US" dirty="0"/>
+              <a:t> </a:t>
+            </a:r>
+            <a:r>
+              <a:rPr lang="en-US" dirty="0" err="1">
+                <a:solidFill>
+                  <a:schemeClr val="accent1"/>
+                </a:solidFill>
+              </a:rPr>
+              <a:t>atentie</a:t>
+            </a:r>
+            <a:r>
+              <a:rPr lang="en-US" dirty="0">
+                <a:solidFill>
+                  <a:schemeClr val="accent2"/>
+                </a:solidFill>
+              </a:rPr>
+              <a:t>!</a:t>
+            </a:r>
+            <a:endParaRPr lang="ro-RO" dirty="0">
+              <a:solidFill>
+                <a:schemeClr val="accent2"/>
+              </a:solidFill>
+            </a:endParaRPr>
+          </a:p>
+        </p:txBody>
+      </p:sp>
+    </p:spTree>
+    <p:extLst>
+      <p:ext uri="{BB962C8B-B14F-4D97-AF65-F5344CB8AC3E}">
+        <p14:creationId xmlns:p14="http://schemas.microsoft.com/office/powerpoint/2010/main" val="276871974"/>
+      </p:ext>
+    </p:extLst>
   </p:cSld>
   <p:clrMapOvr>
     <a:masterClrMapping/>
@@ -25950,10 +26963,10 @@
       </p:sp>
       <p:pic>
         <p:nvPicPr>
-          <p:cNvPr id="47" name="Picture 46">
+          <p:cNvPr id="51" name="Picture 50">
             <a:extLst>
               <a:ext uri="{FF2B5EF4-FFF2-40B4-BE49-F238E27FC236}">
-                <a16:creationId xmlns:a16="http://schemas.microsoft.com/office/drawing/2014/main" id="{3ACDBFB5-0AAE-579F-69F3-4615DBDFCB9F}"/>
+                <a16:creationId xmlns:a16="http://schemas.microsoft.com/office/drawing/2014/main" id="{7AEA191C-120C-F2D5-09A4-7F9107DA9BB5}"/>
               </a:ext>
             </a:extLst>
           </p:cNvPr>
@@ -25970,67 +26983,7 @@
         </p:blipFill>
         <p:spPr>
           <a:xfrm>
-            <a:off x="1470043" y="1828937"/>
-            <a:ext cx="2688979" cy="1847120"/>
-          </a:xfrm>
-          <a:prstGeom prst="rect">
-            <a:avLst/>
-          </a:prstGeom>
-        </p:spPr>
-      </p:pic>
-      <p:pic>
-        <p:nvPicPr>
-          <p:cNvPr id="49" name="Picture 48">
-            <a:extLst>
-              <a:ext uri="{FF2B5EF4-FFF2-40B4-BE49-F238E27FC236}">
-                <a16:creationId xmlns:a16="http://schemas.microsoft.com/office/drawing/2014/main" id="{94EF4C71-FF04-7684-B315-13A92AF81302}"/>
-              </a:ext>
-            </a:extLst>
-          </p:cNvPr>
-          <p:cNvPicPr>
-            <a:picLocks noChangeAspect="1"/>
-          </p:cNvPicPr>
-          <p:nvPr/>
-        </p:nvPicPr>
-        <p:blipFill>
-          <a:blip r:embed="rId4"/>
-          <a:stretch>
-            <a:fillRect/>
-          </a:stretch>
-        </p:blipFill>
-        <p:spPr>
-          <a:xfrm>
-            <a:off x="4389488" y="1013581"/>
-            <a:ext cx="1473696" cy="1732016"/>
-          </a:xfrm>
-          <a:prstGeom prst="rect">
-            <a:avLst/>
-          </a:prstGeom>
-        </p:spPr>
-      </p:pic>
-      <p:pic>
-        <p:nvPicPr>
-          <p:cNvPr id="51" name="Picture 50">
-            <a:extLst>
-              <a:ext uri="{FF2B5EF4-FFF2-40B4-BE49-F238E27FC236}">
-                <a16:creationId xmlns:a16="http://schemas.microsoft.com/office/drawing/2014/main" id="{7AEA191C-120C-F2D5-09A4-7F9107DA9BB5}"/>
-              </a:ext>
-            </a:extLst>
-          </p:cNvPr>
-          <p:cNvPicPr>
-            <a:picLocks noChangeAspect="1"/>
-          </p:cNvPicPr>
-          <p:nvPr/>
-        </p:nvPicPr>
-        <p:blipFill>
-          <a:blip r:embed="rId5"/>
-          <a:stretch>
-            <a:fillRect/>
-          </a:stretch>
-        </p:blipFill>
-        <p:spPr>
-          <a:xfrm>
-            <a:off x="6444220" y="1858732"/>
+            <a:off x="6737920" y="2630459"/>
             <a:ext cx="2149302" cy="1426036"/>
           </a:xfrm>
           <a:prstGeom prst="rect">
@@ -29573,13 +30526,16 @@
               </a:ext>
             </a:extLst>
           </p:cNvPr>
-          <p:cNvCxnSpPr/>
+          <p:cNvCxnSpPr>
+            <a:cxnSpLocks/>
+            <a:endCxn id="5" idx="3"/>
+          </p:cNvCxnSpPr>
           <p:nvPr/>
         </p:nvCxnSpPr>
         <p:spPr>
           <a:xfrm flipH="1" flipV="1">
-            <a:off x="4168220" y="3687219"/>
-            <a:ext cx="671876" cy="470952"/>
+            <a:off x="3831128" y="3458115"/>
+            <a:ext cx="1008968" cy="700056"/>
           </a:xfrm>
           <a:prstGeom prst="straightConnector1">
             <a:avLst/>
@@ -29612,13 +30568,16 @@
               </a:ext>
             </a:extLst>
           </p:cNvPr>
-          <p:cNvCxnSpPr/>
+          <p:cNvCxnSpPr>
+            <a:cxnSpLocks/>
+            <a:endCxn id="7" idx="1"/>
+          </p:cNvCxnSpPr>
           <p:nvPr/>
         </p:nvCxnSpPr>
         <p:spPr>
           <a:xfrm flipV="1">
-            <a:off x="4139227" y="1679306"/>
-            <a:ext cx="200835" cy="149365"/>
+            <a:off x="3136402" y="1931625"/>
+            <a:ext cx="822528" cy="688362"/>
           </a:xfrm>
           <a:prstGeom prst="straightConnector1">
             <a:avLst/>
@@ -29651,13 +30610,16 @@
               </a:ext>
             </a:extLst>
           </p:cNvPr>
-          <p:cNvCxnSpPr/>
+          <p:cNvCxnSpPr>
+            <a:cxnSpLocks/>
+            <a:endCxn id="51" idx="0"/>
+          </p:cNvCxnSpPr>
           <p:nvPr/>
         </p:nvCxnSpPr>
         <p:spPr>
           <a:xfrm>
-            <a:off x="5911213" y="1879589"/>
-            <a:ext cx="533007" cy="270539"/>
+            <a:off x="6760590" y="1746349"/>
+            <a:ext cx="1051981" cy="884110"/>
           </a:xfrm>
           <a:prstGeom prst="straightConnector1">
             <a:avLst/>
@@ -29690,13 +30652,15 @@
               </a:ext>
             </a:extLst>
           </p:cNvPr>
-          <p:cNvCxnSpPr/>
+          <p:cNvCxnSpPr>
+            <a:cxnSpLocks/>
+          </p:cNvCxnSpPr>
           <p:nvPr/>
         </p:nvCxnSpPr>
         <p:spPr>
           <a:xfrm flipH="1">
-            <a:off x="5506922" y="3333298"/>
-            <a:ext cx="1041005" cy="759423"/>
+            <a:off x="5541250" y="3454452"/>
+            <a:ext cx="1165539" cy="686932"/>
           </a:xfrm>
           <a:prstGeom prst="straightConnector1">
             <a:avLst/>
@@ -29720,31 +30684,156 @@
           </a:fontRef>
         </p:style>
       </p:cxnSp>
-      <p:sp>
-        <p:nvSpPr>
-          <p:cNvPr id="3" name="Subtitle 2">
+      <p:pic>
+        <p:nvPicPr>
+          <p:cNvPr id="5" name="Picture 4">
             <a:extLst>
               <a:ext uri="{FF2B5EF4-FFF2-40B4-BE49-F238E27FC236}">
-                <a16:creationId xmlns:a16="http://schemas.microsoft.com/office/drawing/2014/main" id="{4E3D75DE-0EF5-B71A-652F-D35BFC5174BF}"/>
+                <a16:creationId xmlns:a16="http://schemas.microsoft.com/office/drawing/2014/main" id="{846B3973-1723-BA8D-C1ED-3D14A4A3A201}"/>
               </a:ext>
             </a:extLst>
           </p:cNvPr>
-          <p:cNvSpPr>
-            <a:spLocks noGrp="1"/>
-          </p:cNvSpPr>
-          <p:nvPr>
-            <p:ph type="subTitle" idx="4"/>
-          </p:nvPr>
-        </p:nvSpPr>
-        <p:spPr/>
-        <p:txBody>
-          <a:bodyPr/>
-          <a:lstStyle/>
-          <a:p>
-            <a:endParaRPr lang="en-US"/>
-          </a:p>
-        </p:txBody>
-      </p:sp>
+          <p:cNvPicPr>
+            <a:picLocks noChangeAspect="1"/>
+          </p:cNvPicPr>
+          <p:nvPr/>
+        </p:nvPicPr>
+        <p:blipFill>
+          <a:blip r:embed="rId4"/>
+          <a:stretch>
+            <a:fillRect/>
+          </a:stretch>
+        </p:blipFill>
+        <p:spPr>
+          <a:xfrm>
+            <a:off x="1629651" y="2626026"/>
+            <a:ext cx="2201477" cy="1664177"/>
+          </a:xfrm>
+          <a:prstGeom prst="rect">
+            <a:avLst/>
+          </a:prstGeom>
+        </p:spPr>
+      </p:pic>
+      <p:pic>
+        <p:nvPicPr>
+          <p:cNvPr id="7" name="Picture 6">
+            <a:extLst>
+              <a:ext uri="{FF2B5EF4-FFF2-40B4-BE49-F238E27FC236}">
+                <a16:creationId xmlns:a16="http://schemas.microsoft.com/office/drawing/2014/main" id="{F4F78B3F-EE7A-C958-7CCF-014AE79E4CBC}"/>
+              </a:ext>
+            </a:extLst>
+          </p:cNvPr>
+          <p:cNvPicPr>
+            <a:picLocks noChangeAspect="1"/>
+          </p:cNvPicPr>
+          <p:nvPr/>
+        </p:nvPicPr>
+        <p:blipFill>
+          <a:blip r:embed="rId5"/>
+          <a:stretch>
+            <a:fillRect/>
+          </a:stretch>
+        </p:blipFill>
+        <p:spPr>
+          <a:xfrm>
+            <a:off x="3958930" y="1171800"/>
+            <a:ext cx="2588325" cy="1519650"/>
+          </a:xfrm>
+          <a:prstGeom prst="rect">
+            <a:avLst/>
+          </a:prstGeom>
+        </p:spPr>
+      </p:pic>
+      <p:pic>
+        <p:nvPicPr>
+          <p:cNvPr id="67" name="Picture 66">
+            <a:extLst>
+              <a:ext uri="{FF2B5EF4-FFF2-40B4-BE49-F238E27FC236}">
+                <a16:creationId xmlns:a16="http://schemas.microsoft.com/office/drawing/2014/main" id="{DE9BF406-CB25-E2DE-ACF6-077436509347}"/>
+              </a:ext>
+            </a:extLst>
+          </p:cNvPr>
+          <p:cNvPicPr>
+            <a:picLocks noChangeAspect="1"/>
+          </p:cNvPicPr>
+          <p:nvPr/>
+        </p:nvPicPr>
+        <p:blipFill>
+          <a:blip r:embed="rId4"/>
+          <a:stretch>
+            <a:fillRect/>
+          </a:stretch>
+        </p:blipFill>
+        <p:spPr>
+          <a:xfrm>
+            <a:off x="3081785" y="1163573"/>
+            <a:ext cx="4186854" cy="3164996"/>
+          </a:xfrm>
+          <a:prstGeom prst="rect">
+            <a:avLst/>
+          </a:prstGeom>
+        </p:spPr>
+      </p:pic>
+      <p:pic>
+        <p:nvPicPr>
+          <p:cNvPr id="68" name="Picture 67">
+            <a:extLst>
+              <a:ext uri="{FF2B5EF4-FFF2-40B4-BE49-F238E27FC236}">
+                <a16:creationId xmlns:a16="http://schemas.microsoft.com/office/drawing/2014/main" id="{B72F044B-7F0D-3C5F-480A-3A9B8ABBC562}"/>
+              </a:ext>
+            </a:extLst>
+          </p:cNvPr>
+          <p:cNvPicPr>
+            <a:picLocks noChangeAspect="1"/>
+          </p:cNvPicPr>
+          <p:nvPr/>
+        </p:nvPicPr>
+        <p:blipFill>
+          <a:blip r:embed="rId5"/>
+          <a:stretch>
+            <a:fillRect/>
+          </a:stretch>
+        </p:blipFill>
+        <p:spPr>
+          <a:xfrm>
+            <a:off x="2919266" y="1454331"/>
+            <a:ext cx="4367314" cy="2564125"/>
+          </a:xfrm>
+          <a:prstGeom prst="rect">
+            <a:avLst/>
+          </a:prstGeom>
+        </p:spPr>
+      </p:pic>
+      <p:pic>
+        <p:nvPicPr>
+          <p:cNvPr id="69" name="Picture 68">
+            <a:extLst>
+              <a:ext uri="{FF2B5EF4-FFF2-40B4-BE49-F238E27FC236}">
+                <a16:creationId xmlns:a16="http://schemas.microsoft.com/office/drawing/2014/main" id="{98D48B0E-FD3B-A24A-3C3D-684A2E88F3DE}"/>
+              </a:ext>
+            </a:extLst>
+          </p:cNvPr>
+          <p:cNvPicPr>
+            <a:picLocks noChangeAspect="1"/>
+          </p:cNvPicPr>
+          <p:nvPr/>
+        </p:nvPicPr>
+        <p:blipFill>
+          <a:blip r:embed="rId3"/>
+          <a:stretch>
+            <a:fillRect/>
+          </a:stretch>
+        </p:blipFill>
+        <p:spPr>
+          <a:xfrm>
+            <a:off x="3133481" y="1435082"/>
+            <a:ext cx="4146814" cy="2751361"/>
+          </a:xfrm>
+          <a:prstGeom prst="rect">
+            <a:avLst/>
+          </a:prstGeom>
+        </p:spPr>
+      </p:pic>
     </p:spTree>
     <p:extLst>
       <p:ext uri="{BB962C8B-B14F-4D97-AF65-F5344CB8AC3E}">
@@ -30195,26 +31284,35 @@
                                   </p:childTnLst>
                                 </p:cTn>
                               </p:par>
-                            </p:childTnLst>
-                          </p:cTn>
-                        </p:par>
-                      </p:childTnLst>
-                    </p:cTn>
-                  </p:par>
-                  <p:par>
-                    <p:cTn id="41" fill="hold">
-                      <p:stCondLst>
-                        <p:cond delay="indefinite"/>
-                      </p:stCondLst>
-                      <p:childTnLst>
-                        <p:par>
-                          <p:cTn id="42" fill="hold">
-                            <p:stCondLst>
-                              <p:cond delay="0"/>
-                            </p:stCondLst>
-                            <p:childTnLst>
                               <p:par>
-                                <p:cTn id="43" presetID="10" presetClass="entr" presetSubtype="0" fill="hold" nodeType="clickEffect">
+                                <p:cTn id="41" presetID="1" presetClass="entr" presetSubtype="0" fill="hold" nodeType="withEffect">
+                                  <p:stCondLst>
+                                    <p:cond delay="0"/>
+                                  </p:stCondLst>
+                                  <p:childTnLst>
+                                    <p:set>
+                                      <p:cBhvr>
+                                        <p:cTn id="42" dur="1" fill="hold">
+                                          <p:stCondLst>
+                                            <p:cond delay="0"/>
+                                          </p:stCondLst>
+                                        </p:cTn>
+                                        <p:tgtEl>
+                                          <p:spTgt spid="5"/>
+                                        </p:tgtEl>
+                                        <p:attrNameLst>
+                                          <p:attrName>style.visibility</p:attrName>
+                                        </p:attrNameLst>
+                                      </p:cBhvr>
+                                      <p:to>
+                                        <p:strVal val="visible"/>
+                                      </p:to>
+                                    </p:set>
+                                  </p:childTnLst>
+                                </p:cTn>
+                              </p:par>
+                              <p:par>
+                                <p:cTn id="43" presetID="10" presetClass="entr" presetSubtype="0" fill="hold" nodeType="withEffect">
                                   <p:stCondLst>
                                     <p:cond delay="0"/>
                                   </p:stCondLst>
@@ -30227,7 +31325,7 @@
                                           </p:stCondLst>
                                         </p:cTn>
                                         <p:tgtEl>
-                                          <p:spTgt spid="47"/>
+                                          <p:spTgt spid="55"/>
                                         </p:tgtEl>
                                         <p:attrNameLst>
                                           <p:attrName>style.visibility</p:attrName>
@@ -30241,7 +31339,7 @@
                                       <p:cBhvr>
                                         <p:cTn id="45" dur="500"/>
                                         <p:tgtEl>
-                                          <p:spTgt spid="47"/>
+                                          <p:spTgt spid="55"/>
                                         </p:tgtEl>
                                       </p:cBhvr>
                                     </p:animEffect>
@@ -30262,7 +31360,7 @@
                                           </p:stCondLst>
                                         </p:cTn>
                                         <p:tgtEl>
-                                          <p:spTgt spid="55"/>
+                                          <p:spTgt spid="57"/>
                                         </p:tgtEl>
                                         <p:attrNameLst>
                                           <p:attrName>style.visibility</p:attrName>
@@ -30276,7 +31374,7 @@
                                       <p:cBhvr>
                                         <p:cTn id="48" dur="500"/>
                                         <p:tgtEl>
-                                          <p:spTgt spid="55"/>
+                                          <p:spTgt spid="57"/>
                                         </p:tgtEl>
                                       </p:cBhvr>
                                     </p:animEffect>
@@ -30297,7 +31395,7 @@
                                           </p:stCondLst>
                                         </p:cTn>
                                         <p:tgtEl>
-                                          <p:spTgt spid="49"/>
+                                          <p:spTgt spid="51"/>
                                         </p:tgtEl>
                                         <p:attrNameLst>
                                           <p:attrName>style.visibility</p:attrName>
@@ -30311,7 +31409,7 @@
                                       <p:cBhvr>
                                         <p:cTn id="51" dur="500"/>
                                         <p:tgtEl>
-                                          <p:spTgt spid="49"/>
+                                          <p:spTgt spid="51"/>
                                         </p:tgtEl>
                                       </p:cBhvr>
                                     </p:animEffect>
@@ -30332,7 +31430,7 @@
                                           </p:stCondLst>
                                         </p:cTn>
                                         <p:tgtEl>
-                                          <p:spTgt spid="57"/>
+                                          <p:spTgt spid="64"/>
                                         </p:tgtEl>
                                         <p:attrNameLst>
                                           <p:attrName>style.visibility</p:attrName>
@@ -30346,7 +31444,7 @@
                                       <p:cBhvr>
                                         <p:cTn id="54" dur="500"/>
                                         <p:tgtEl>
-                                          <p:spTgt spid="57"/>
+                                          <p:spTgt spid="64"/>
                                         </p:tgtEl>
                                       </p:cBhvr>
                                     </p:animEffect>
@@ -30367,7 +31465,7 @@
                                           </p:stCondLst>
                                         </p:cTn>
                                         <p:tgtEl>
-                                          <p:spTgt spid="51"/>
+                                          <p:spTgt spid="72"/>
                                         </p:tgtEl>
                                         <p:attrNameLst>
                                           <p:attrName>style.visibility</p:attrName>
@@ -30381,7 +31479,7 @@
                                       <p:cBhvr>
                                         <p:cTn id="57" dur="500"/>
                                         <p:tgtEl>
-                                          <p:spTgt spid="51"/>
+                                          <p:spTgt spid="72"/>
                                         </p:tgtEl>
                                       </p:cBhvr>
                                     </p:animEffect>
@@ -30402,7 +31500,7 @@
                                           </p:stCondLst>
                                         </p:cTn>
                                         <p:tgtEl>
-                                          <p:spTgt spid="64"/>
+                                          <p:spTgt spid="53"/>
                                         </p:tgtEl>
                                         <p:attrNameLst>
                                           <p:attrName>style.visibility</p:attrName>
@@ -30416,7 +31514,7 @@
                                       <p:cBhvr>
                                         <p:cTn id="60" dur="500"/>
                                         <p:tgtEl>
-                                          <p:spTgt spid="64"/>
+                                          <p:spTgt spid="53"/>
                                         </p:tgtEl>
                                       </p:cBhvr>
                                     </p:animEffect>
@@ -30424,7 +31522,7 @@
                                 </p:cTn>
                               </p:par>
                               <p:par>
-                                <p:cTn id="61" presetID="10" presetClass="entr" presetSubtype="0" fill="hold" nodeType="withEffect">
+                                <p:cTn id="61" presetID="1" presetClass="entr" presetSubtype="0" fill="hold" nodeType="withEffect">
                                   <p:stCondLst>
                                     <p:cond delay="0"/>
                                   </p:stCondLst>
@@ -30437,7 +31535,232 @@
                                           </p:stCondLst>
                                         </p:cTn>
                                         <p:tgtEl>
-                                          <p:spTgt spid="72"/>
+                                          <p:spTgt spid="7"/>
+                                        </p:tgtEl>
+                                        <p:attrNameLst>
+                                          <p:attrName>style.visibility</p:attrName>
+                                        </p:attrNameLst>
+                                      </p:cBhvr>
+                                      <p:to>
+                                        <p:strVal val="visible"/>
+                                      </p:to>
+                                    </p:set>
+                                  </p:childTnLst>
+                                </p:cTn>
+                              </p:par>
+                            </p:childTnLst>
+                          </p:cTn>
+                        </p:par>
+                      </p:childTnLst>
+                    </p:cTn>
+                  </p:par>
+                  <p:par>
+                    <p:cTn id="63" fill="hold">
+                      <p:stCondLst>
+                        <p:cond delay="indefinite"/>
+                      </p:stCondLst>
+                      <p:childTnLst>
+                        <p:par>
+                          <p:cTn id="64" fill="hold">
+                            <p:stCondLst>
+                              <p:cond delay="0"/>
+                            </p:stCondLst>
+                            <p:childTnLst>
+                              <p:par>
+                                <p:cTn id="65" presetID="1" presetClass="entr" presetSubtype="0" fill="hold" nodeType="clickEffect">
+                                  <p:stCondLst>
+                                    <p:cond delay="0"/>
+                                  </p:stCondLst>
+                                  <p:childTnLst>
+                                    <p:set>
+                                      <p:cBhvr>
+                                        <p:cTn id="66" dur="1" fill="hold">
+                                          <p:stCondLst>
+                                            <p:cond delay="0"/>
+                                          </p:stCondLst>
+                                        </p:cTn>
+                                        <p:tgtEl>
+                                          <p:spTgt spid="67"/>
+                                        </p:tgtEl>
+                                        <p:attrNameLst>
+                                          <p:attrName>style.visibility</p:attrName>
+                                        </p:attrNameLst>
+                                      </p:cBhvr>
+                                      <p:to>
+                                        <p:strVal val="visible"/>
+                                      </p:to>
+                                    </p:set>
+                                  </p:childTnLst>
+                                </p:cTn>
+                              </p:par>
+                            </p:childTnLst>
+                          </p:cTn>
+                        </p:par>
+                      </p:childTnLst>
+                    </p:cTn>
+                  </p:par>
+                  <p:par>
+                    <p:cTn id="67" fill="hold">
+                      <p:stCondLst>
+                        <p:cond delay="indefinite"/>
+                      </p:stCondLst>
+                      <p:childTnLst>
+                        <p:par>
+                          <p:cTn id="68" fill="hold">
+                            <p:stCondLst>
+                              <p:cond delay="0"/>
+                            </p:stCondLst>
+                            <p:childTnLst>
+                              <p:par>
+                                <p:cTn id="69" presetID="1" presetClass="exit" presetSubtype="0" fill="hold" nodeType="clickEffect">
+                                  <p:stCondLst>
+                                    <p:cond delay="0"/>
+                                  </p:stCondLst>
+                                  <p:childTnLst>
+                                    <p:set>
+                                      <p:cBhvr>
+                                        <p:cTn id="70" dur="1" fill="hold">
+                                          <p:stCondLst>
+                                            <p:cond delay="0"/>
+                                          </p:stCondLst>
+                                        </p:cTn>
+                                        <p:tgtEl>
+                                          <p:spTgt spid="67"/>
+                                        </p:tgtEl>
+                                        <p:attrNameLst>
+                                          <p:attrName>style.visibility</p:attrName>
+                                        </p:attrNameLst>
+                                      </p:cBhvr>
+                                      <p:to>
+                                        <p:strVal val="hidden"/>
+                                      </p:to>
+                                    </p:set>
+                                  </p:childTnLst>
+                                </p:cTn>
+                              </p:par>
+                            </p:childTnLst>
+                          </p:cTn>
+                        </p:par>
+                      </p:childTnLst>
+                    </p:cTn>
+                  </p:par>
+                  <p:par>
+                    <p:cTn id="71" fill="hold">
+                      <p:stCondLst>
+                        <p:cond delay="indefinite"/>
+                      </p:stCondLst>
+                      <p:childTnLst>
+                        <p:par>
+                          <p:cTn id="72" fill="hold">
+                            <p:stCondLst>
+                              <p:cond delay="0"/>
+                            </p:stCondLst>
+                            <p:childTnLst>
+                              <p:par>
+                                <p:cTn id="73" presetID="1" presetClass="entr" presetSubtype="0" fill="hold" nodeType="clickEffect">
+                                  <p:stCondLst>
+                                    <p:cond delay="0"/>
+                                  </p:stCondLst>
+                                  <p:childTnLst>
+                                    <p:set>
+                                      <p:cBhvr>
+                                        <p:cTn id="74" dur="1" fill="hold">
+                                          <p:stCondLst>
+                                            <p:cond delay="0"/>
+                                          </p:stCondLst>
+                                        </p:cTn>
+                                        <p:tgtEl>
+                                          <p:spTgt spid="68"/>
+                                        </p:tgtEl>
+                                        <p:attrNameLst>
+                                          <p:attrName>style.visibility</p:attrName>
+                                        </p:attrNameLst>
+                                      </p:cBhvr>
+                                      <p:to>
+                                        <p:strVal val="visible"/>
+                                      </p:to>
+                                    </p:set>
+                                  </p:childTnLst>
+                                </p:cTn>
+                              </p:par>
+                            </p:childTnLst>
+                          </p:cTn>
+                        </p:par>
+                      </p:childTnLst>
+                    </p:cTn>
+                  </p:par>
+                  <p:par>
+                    <p:cTn id="75" fill="hold">
+                      <p:stCondLst>
+                        <p:cond delay="indefinite"/>
+                      </p:stCondLst>
+                      <p:childTnLst>
+                        <p:par>
+                          <p:cTn id="76" fill="hold">
+                            <p:stCondLst>
+                              <p:cond delay="0"/>
+                            </p:stCondLst>
+                            <p:childTnLst>
+                              <p:par>
+                                <p:cTn id="77" presetID="1" presetClass="exit" presetSubtype="0" fill="hold" nodeType="clickEffect">
+                                  <p:stCondLst>
+                                    <p:cond delay="0"/>
+                                  </p:stCondLst>
+                                  <p:childTnLst>
+                                    <p:set>
+                                      <p:cBhvr>
+                                        <p:cTn id="78" dur="1" fill="hold">
+                                          <p:stCondLst>
+                                            <p:cond delay="0"/>
+                                          </p:stCondLst>
+                                        </p:cTn>
+                                        <p:tgtEl>
+                                          <p:spTgt spid="68"/>
+                                        </p:tgtEl>
+                                        <p:attrNameLst>
+                                          <p:attrName>style.visibility</p:attrName>
+                                        </p:attrNameLst>
+                                      </p:cBhvr>
+                                      <p:to>
+                                        <p:strVal val="hidden"/>
+                                      </p:to>
+                                    </p:set>
+                                  </p:childTnLst>
+                                </p:cTn>
+                              </p:par>
+                            </p:childTnLst>
+                          </p:cTn>
+                        </p:par>
+                      </p:childTnLst>
+                    </p:cTn>
+                  </p:par>
+                  <p:par>
+                    <p:cTn id="79" fill="hold">
+                      <p:stCondLst>
+                        <p:cond delay="indefinite"/>
+                      </p:stCondLst>
+                      <p:childTnLst>
+                        <p:par>
+                          <p:cTn id="80" fill="hold">
+                            <p:stCondLst>
+                              <p:cond delay="0"/>
+                            </p:stCondLst>
+                            <p:childTnLst>
+                              <p:par>
+                                <p:cTn id="81" presetID="10" presetClass="entr" presetSubtype="0" fill="hold" nodeType="clickEffect">
+                                  <p:stCondLst>
+                                    <p:cond delay="0"/>
+                                  </p:stCondLst>
+                                  <p:childTnLst>
+                                    <p:set>
+                                      <p:cBhvr>
+                                        <p:cTn id="82" dur="1" fill="hold">
+                                          <p:stCondLst>
+                                            <p:cond delay="0"/>
+                                          </p:stCondLst>
+                                        </p:cTn>
+                                        <p:tgtEl>
+                                          <p:spTgt spid="69"/>
                                         </p:tgtEl>
                                         <p:attrNameLst>
                                           <p:attrName>style.visibility</p:attrName>
@@ -30449,44 +31772,9 @@
                                     </p:set>
                                     <p:animEffect transition="in" filter="fade">
                                       <p:cBhvr>
-                                        <p:cTn id="63" dur="500"/>
+                                        <p:cTn id="83" dur="500"/>
                                         <p:tgtEl>
-                                          <p:spTgt spid="72"/>
-                                        </p:tgtEl>
-                                      </p:cBhvr>
-                                    </p:animEffect>
-                                  </p:childTnLst>
-                                </p:cTn>
-                              </p:par>
-                              <p:par>
-                                <p:cTn id="64" presetID="10" presetClass="entr" presetSubtype="0" fill="hold" nodeType="withEffect">
-                                  <p:stCondLst>
-                                    <p:cond delay="0"/>
-                                  </p:stCondLst>
-                                  <p:childTnLst>
-                                    <p:set>
-                                      <p:cBhvr>
-                                        <p:cTn id="65" dur="1" fill="hold">
-                                          <p:stCondLst>
-                                            <p:cond delay="0"/>
-                                          </p:stCondLst>
-                                        </p:cTn>
-                                        <p:tgtEl>
-                                          <p:spTgt spid="53"/>
-                                        </p:tgtEl>
-                                        <p:attrNameLst>
-                                          <p:attrName>style.visibility</p:attrName>
-                                        </p:attrNameLst>
-                                      </p:cBhvr>
-                                      <p:to>
-                                        <p:strVal val="visible"/>
-                                      </p:to>
-                                    </p:set>
-                                    <p:animEffect transition="in" filter="fade">
-                                      <p:cBhvr>
-                                        <p:cTn id="66" dur="500"/>
-                                        <p:tgtEl>
-                                          <p:spTgt spid="53"/>
+                                          <p:spTgt spid="69"/>
                                         </p:tgtEl>
                                       </p:cBhvr>
                                     </p:animEffect>
@@ -34787,31 +36075,6 @@
           </a:p>
         </p:txBody>
       </p:sp>
-      <p:sp>
-        <p:nvSpPr>
-          <p:cNvPr id="3" name="Subtitle 2">
-            <a:extLst>
-              <a:ext uri="{FF2B5EF4-FFF2-40B4-BE49-F238E27FC236}">
-                <a16:creationId xmlns:a16="http://schemas.microsoft.com/office/drawing/2014/main" id="{6AAD4534-FC11-4B5B-15A0-DE33C58CAF01}"/>
-              </a:ext>
-            </a:extLst>
-          </p:cNvPr>
-          <p:cNvSpPr>
-            <a:spLocks noGrp="1"/>
-          </p:cNvSpPr>
-          <p:nvPr>
-            <p:ph type="subTitle" idx="1"/>
-          </p:nvPr>
-        </p:nvSpPr>
-        <p:spPr/>
-        <p:txBody>
-          <a:bodyPr/>
-          <a:lstStyle/>
-          <a:p>
-            <a:endParaRPr lang="en-US"/>
-          </a:p>
-        </p:txBody>
-      </p:sp>
     </p:spTree>
     <p:extLst>
       <p:ext uri="{BB962C8B-B14F-4D97-AF65-F5344CB8AC3E}">

--- a/Licenta/Licenta_Slides.pptx
+++ b/Licenta/Licenta_Slides.pptx
@@ -18625,72 +18625,53 @@
           <a:lstStyle/>
           <a:p>
             <a:r>
-              <a:rPr lang="en-US" dirty="0"/>
-              <a:t>- </a:t>
-            </a:r>
-            <a:r>
-              <a:rPr lang="en-US" dirty="0" err="1"/>
-              <a:t>Folosire</a:t>
-            </a:r>
-            <a:r>
-              <a:rPr lang="en-US" dirty="0"/>
-              <a:t> </a:t>
-            </a:r>
-            <a:r>
-              <a:rPr lang="en-US" dirty="0" err="1"/>
+              <a:rPr lang="ro-RO" dirty="0"/>
+              <a:t>- Folosire </a:t>
+            </a:r>
+            <a:r>
+              <a:rPr lang="ro-RO" dirty="0" err="1"/>
               <a:t>gps</a:t>
             </a:r>
             <a:r>
-              <a:rPr lang="en-US" dirty="0"/>
-              <a:t> </a:t>
-            </a:r>
-            <a:r>
-              <a:rPr lang="en-US" dirty="0" err="1"/>
-              <a:t>pentru</a:t>
-            </a:r>
-            <a:r>
-              <a:rPr lang="en-US" dirty="0"/>
-              <a:t> </a:t>
-            </a:r>
-            <a:r>
-              <a:rPr lang="en-US" dirty="0" err="1"/>
-              <a:t>sofer</a:t>
-            </a:r>
-            <a:endParaRPr lang="en-US" dirty="0"/>
+              <a:rPr lang="ro-RO" dirty="0"/>
+              <a:t> pentru șofer</a:t>
+            </a:r>
           </a:p>
           <a:p>
             <a:pPr marL="139700" indent="0"/>
             <a:r>
-              <a:rPr lang="en-US" dirty="0"/>
-              <a:t>- </a:t>
-            </a:r>
-            <a:r>
-              <a:rPr lang="en-US" dirty="0" err="1"/>
-              <a:t>Integrarea</a:t>
-            </a:r>
-            <a:r>
-              <a:rPr lang="en-US" dirty="0"/>
-              <a:t> cu Waze</a:t>
-            </a:r>
+              <a:rPr lang="ro-RO" dirty="0"/>
+              <a:t>- Integrarea cu </a:t>
+            </a:r>
+            <a:r>
+              <a:rPr lang="ro-RO" dirty="0" err="1"/>
+              <a:t>Waze</a:t>
+            </a:r>
+            <a:endParaRPr lang="ro-RO" dirty="0"/>
           </a:p>
           <a:p>
             <a:pPr marL="139700" indent="0"/>
             <a:r>
-              <a:rPr lang="en-US" dirty="0"/>
-              <a:t>- CI/CD </a:t>
-            </a:r>
-            <a:r>
-              <a:rPr lang="en-US" dirty="0" err="1"/>
-              <a:t>folosind</a:t>
-            </a:r>
-            <a:r>
-              <a:rPr lang="en-US" dirty="0"/>
-              <a:t> Azure Pipelines</a:t>
-            </a:r>
+              <a:rPr lang="ro-RO" dirty="0"/>
+              <a:t>- CI/CD folosind </a:t>
+            </a:r>
+            <a:r>
+              <a:rPr lang="ro-RO" dirty="0" err="1"/>
+              <a:t>Azure</a:t>
+            </a:r>
+            <a:r>
+              <a:rPr lang="ro-RO" dirty="0"/>
+              <a:t> </a:t>
+            </a:r>
+            <a:r>
+              <a:rPr lang="ro-RO" dirty="0" err="1"/>
+              <a:t>Pipelines</a:t>
+            </a:r>
+            <a:endParaRPr lang="ro-RO" dirty="0"/>
           </a:p>
           <a:p>
             <a:pPr marL="139700" indent="0"/>
-            <a:endParaRPr lang="en-US" dirty="0"/>
+            <a:endParaRPr lang="ro-RO" dirty="0"/>
           </a:p>
           <a:p>
             <a:endParaRPr lang="ro-RO" dirty="0"/>
@@ -18796,46 +18777,33 @@
           <a:lstStyle/>
           <a:p>
             <a:r>
-              <a:rPr lang="en-US" dirty="0" err="1">
+              <a:rPr lang="ro-RO" dirty="0">
                 <a:solidFill>
                   <a:schemeClr val="bg1"/>
                 </a:solidFill>
               </a:rPr>
-              <a:t>Multumesc</a:t>
-            </a:r>
-            <a:r>
-              <a:rPr lang="en-US" dirty="0"/>
-              <a:t> </a:t>
-            </a:r>
-            <a:r>
-              <a:rPr lang="en-US" dirty="0" err="1"/>
-              <a:t>pentru</a:t>
-            </a:r>
-            <a:r>
-              <a:rPr lang="en-US" dirty="0"/>
-              <a:t> </a:t>
-            </a:r>
-            <a:r>
-              <a:rPr lang="en-US" dirty="0" err="1">
+              <a:t>Mulțumesc</a:t>
+            </a:r>
+            <a:r>
+              <a:rPr lang="ro-RO" dirty="0"/>
+              <a:t> pentru </a:t>
+            </a:r>
+            <a:r>
+              <a:rPr lang="ro-RO" dirty="0">
                 <a:solidFill>
                   <a:schemeClr val="accent1"/>
                 </a:solidFill>
               </a:rPr>
-              <a:t>atentie</a:t>
-            </a:r>
-            <a:r>
-              <a:rPr lang="en-US" dirty="0">
+              <a:t>atenție</a:t>
+            </a:r>
+            <a:r>
+              <a:rPr lang="ro-RO" dirty="0">
                 <a:solidFill>
                   <a:schemeClr val="accent2"/>
                 </a:solidFill>
               </a:rPr>
               <a:t>!</a:t>
             </a:r>
-            <a:endParaRPr lang="ro-RO" dirty="0">
-              <a:solidFill>
-                <a:schemeClr val="accent2"/>
-              </a:solidFill>
-            </a:endParaRPr>
           </a:p>
         </p:txBody>
       </p:sp>

--- a/Licenta/Licenta_Slides.pptx
+++ b/Licenta/Licenta_Slides.pptx
@@ -811,6 +811,207 @@
         </p:txBody>
       </p:sp>
     </p:spTree>
+  </p:cSld>
+  <p:clrMapOvr>
+    <a:masterClrMapping/>
+  </p:clrMapOvr>
+</p:notes>
+</file>
+
+<file path=ppt/notesSlides/notesSlide10.xml><?xml version="1.0" encoding="utf-8"?>
+<p:notes xmlns:a="http://schemas.openxmlformats.org/drawingml/2006/main" xmlns:r="http://schemas.openxmlformats.org/officeDocument/2006/relationships" xmlns:p="http://schemas.openxmlformats.org/presentationml/2006/main">
+  <p:cSld>
+    <p:spTree>
+      <p:nvGrpSpPr>
+        <p:cNvPr id="1" name=""/>
+        <p:cNvGrpSpPr/>
+        <p:nvPr/>
+      </p:nvGrpSpPr>
+      <p:grpSpPr>
+        <a:xfrm>
+          <a:off x="0" y="0"/>
+          <a:ext cx="0" cy="0"/>
+          <a:chOff x="0" y="0"/>
+          <a:chExt cx="0" cy="0"/>
+        </a:xfrm>
+      </p:grpSpPr>
+      <p:sp>
+        <p:nvSpPr>
+          <p:cNvPr id="2" name="Slide Image Placeholder 1"/>
+          <p:cNvSpPr>
+            <a:spLocks noGrp="1" noRot="1" noChangeAspect="1"/>
+          </p:cNvSpPr>
+          <p:nvPr>
+            <p:ph type="sldImg"/>
+          </p:nvPr>
+        </p:nvSpPr>
+        <p:spPr>
+          <a:xfrm>
+            <a:off x="381000" y="685800"/>
+            <a:ext cx="6096000" cy="3429000"/>
+          </a:xfrm>
+        </p:spPr>
+      </p:sp>
+      <p:sp>
+        <p:nvSpPr>
+          <p:cNvPr id="3" name="Notes Placeholder 2"/>
+          <p:cNvSpPr>
+            <a:spLocks noGrp="1"/>
+          </p:cNvSpPr>
+          <p:nvPr>
+            <p:ph type="body" idx="1"/>
+          </p:nvPr>
+        </p:nvSpPr>
+        <p:spPr/>
+        <p:txBody>
+          <a:bodyPr/>
+          <a:lstStyle/>
+          <a:p>
+            <a:r>
+              <a:rPr lang="en-US" dirty="0"/>
+              <a:t>Docker </a:t>
+            </a:r>
+            <a:r>
+              <a:rPr lang="en-US" dirty="0" err="1"/>
+              <a:t>foloseste</a:t>
+            </a:r>
+            <a:r>
+              <a:rPr lang="en-US" dirty="0"/>
+              <a:t> </a:t>
+            </a:r>
+            <a:r>
+              <a:rPr lang="en-US" dirty="0" err="1"/>
+              <a:t>imagini</a:t>
+            </a:r>
+            <a:r>
+              <a:rPr lang="en-US" dirty="0"/>
+              <a:t> care sunt ca </a:t>
+            </a:r>
+            <a:r>
+              <a:rPr lang="en-US" dirty="0" err="1"/>
+              <a:t>niste</a:t>
+            </a:r>
+            <a:r>
+              <a:rPr lang="en-US" dirty="0"/>
+              <a:t> </a:t>
+            </a:r>
+            <a:r>
+              <a:rPr lang="en-US" dirty="0" err="1"/>
+              <a:t>layerele</a:t>
+            </a:r>
+            <a:r>
+              <a:rPr lang="en-US" dirty="0"/>
+              <a:t> in </a:t>
+            </a:r>
+            <a:r>
+              <a:rPr lang="en-US" dirty="0" err="1"/>
+              <a:t>memoria</a:t>
+            </a:r>
+            <a:r>
+              <a:rPr lang="en-US" dirty="0"/>
+              <a:t> </a:t>
+            </a:r>
+            <a:r>
+              <a:rPr lang="en-US" dirty="0" err="1"/>
+              <a:t>sistemului</a:t>
+            </a:r>
+            <a:r>
+              <a:rPr lang="en-US" dirty="0"/>
+              <a:t> </a:t>
+            </a:r>
+            <a:r>
+              <a:rPr lang="en-US" dirty="0" err="1"/>
+              <a:t>pentru</a:t>
+            </a:r>
+            <a:r>
+              <a:rPr lang="en-US" dirty="0"/>
+              <a:t> </a:t>
+            </a:r>
+            <a:r>
+              <a:rPr lang="en-US" dirty="0" err="1"/>
+              <a:t>rularea</a:t>
+            </a:r>
+            <a:r>
+              <a:rPr lang="en-US" dirty="0"/>
+              <a:t> </a:t>
+            </a:r>
+            <a:r>
+              <a:rPr lang="en-US" dirty="0" err="1"/>
+              <a:t>aplicatiei</a:t>
+            </a:r>
+            <a:endParaRPr lang="en-US" dirty="0"/>
+          </a:p>
+          <a:p>
+            <a:r>
+              <a:rPr lang="en-US" dirty="0"/>
+              <a:t>Docker </a:t>
+            </a:r>
+            <a:r>
+              <a:rPr lang="en-US" dirty="0" err="1"/>
+              <a:t>elimina</a:t>
+            </a:r>
+            <a:r>
+              <a:rPr lang="en-US" dirty="0"/>
+              <a:t> </a:t>
+            </a:r>
+            <a:r>
+              <a:rPr lang="en-US" dirty="0" err="1"/>
+              <a:t>zicala</a:t>
+            </a:r>
+            <a:r>
+              <a:rPr lang="en-US" dirty="0"/>
+              <a:t> “it works on my machine” </a:t>
+            </a:r>
+            <a:r>
+              <a:rPr lang="en-US" dirty="0" err="1"/>
+              <a:t>pentru</a:t>
+            </a:r>
+            <a:r>
+              <a:rPr lang="en-US" dirty="0"/>
+              <a:t> ca </a:t>
+            </a:r>
+            <a:r>
+              <a:rPr lang="en-US" dirty="0" err="1"/>
+              <a:t>imaginea</a:t>
+            </a:r>
+            <a:r>
+              <a:rPr lang="en-US" dirty="0"/>
+              <a:t> de docker </a:t>
+            </a:r>
+            <a:r>
+              <a:rPr lang="en-US" dirty="0" err="1"/>
+              <a:t>este</a:t>
+            </a:r>
+            <a:r>
+              <a:rPr lang="en-US" dirty="0"/>
+              <a:t> la </a:t>
+            </a:r>
+            <a:r>
+              <a:rPr lang="en-US" dirty="0" err="1"/>
+              <a:t>fel</a:t>
+            </a:r>
+            <a:r>
+              <a:rPr lang="en-US" dirty="0"/>
+              <a:t> </a:t>
+            </a:r>
+            <a:r>
+              <a:rPr lang="en-US" dirty="0" err="1"/>
+              <a:t>peste</a:t>
+            </a:r>
+            <a:r>
+              <a:rPr lang="en-US"/>
+              <a:t> tot</a:t>
+            </a:r>
+            <a:endParaRPr lang="ro-RO"/>
+          </a:p>
+        </p:txBody>
+      </p:sp>
+    </p:spTree>
+    <p:extLst>
+      <p:ext uri="{BB962C8B-B14F-4D97-AF65-F5344CB8AC3E}">
+        <p14:creationId xmlns:p14="http://schemas.microsoft.com/office/powerpoint/2010/main" val="1407048008"/>
+      </p:ext>
+    </p:extLst>
   </p:cSld>
   <p:clrMapOvr>
     <a:masterClrMapping/>
@@ -18652,8 +18853,12 @@
           <a:p>
             <a:pPr marL="139700" indent="0"/>
             <a:r>
+              <a:rPr lang="en-US" dirty="0"/>
+              <a:t>- </a:t>
+            </a:r>
+            <a:r>
               <a:rPr lang="ro-RO" dirty="0"/>
-              <a:t>- CI/CD folosind </a:t>
+              <a:t>CI/CD folosind </a:t>
             </a:r>
             <a:r>
               <a:rPr lang="ro-RO" dirty="0" err="1"/>
@@ -18666,6 +18871,14 @@
             <a:r>
               <a:rPr lang="ro-RO" dirty="0" err="1"/>
               <a:t>Pipelines</a:t>
+            </a:r>
+            <a:endParaRPr lang="en-US" dirty="0"/>
+          </a:p>
+          <a:p>
+            <a:pPr marL="139700" indent="0"/>
+            <a:r>
+              <a:rPr lang="en-US" dirty="0"/>
+              <a:t>- Docker</a:t>
             </a:r>
             <a:endParaRPr lang="ro-RO" dirty="0"/>
           </a:p>

--- a/Licenta/Licenta_Slides.pptx
+++ b/Licenta/Licenta_Slides.pptx
@@ -5,35 +5,36 @@
     <p:sldMasterId id="2147483672" r:id="rId1"/>
   </p:sldMasterIdLst>
   <p:notesMasterIdLst>
-    <p:notesMasterId r:id="rId13"/>
+    <p:notesMasterId r:id="rId14"/>
   </p:notesMasterIdLst>
   <p:sldIdLst>
     <p:sldId id="256" r:id="rId2"/>
-    <p:sldId id="257" r:id="rId3"/>
-    <p:sldId id="262" r:id="rId4"/>
-    <p:sldId id="264" r:id="rId5"/>
-    <p:sldId id="301" r:id="rId6"/>
-    <p:sldId id="271" r:id="rId7"/>
-    <p:sldId id="302" r:id="rId8"/>
-    <p:sldId id="300" r:id="rId9"/>
-    <p:sldId id="277" r:id="rId10"/>
+    <p:sldId id="305" r:id="rId3"/>
+    <p:sldId id="257" r:id="rId4"/>
+    <p:sldId id="262" r:id="rId5"/>
+    <p:sldId id="264" r:id="rId6"/>
+    <p:sldId id="301" r:id="rId7"/>
+    <p:sldId id="271" r:id="rId8"/>
+    <p:sldId id="302" r:id="rId9"/>
+    <p:sldId id="300" r:id="rId10"/>
     <p:sldId id="303" r:id="rId11"/>
-    <p:sldId id="304" r:id="rId12"/>
+    <p:sldId id="277" r:id="rId12"/>
+    <p:sldId id="304" r:id="rId13"/>
   </p:sldIdLst>
   <p:sldSz cx="9144000" cy="5143500" type="screen16x9"/>
   <p:notesSz cx="6858000" cy="9144000"/>
   <p:embeddedFontLst>
     <p:embeddedFont>
       <p:font typeface="Fira Code" panose="020B0809050000020004" pitchFamily="49" charset="0"/>
-      <p:regular r:id="rId14"/>
-      <p:bold r:id="rId15"/>
+      <p:regular r:id="rId15"/>
+      <p:bold r:id="rId16"/>
     </p:embeddedFont>
     <p:embeddedFont>
       <p:font typeface="Nunito" pitchFamily="2" charset="0"/>
-      <p:regular r:id="rId16"/>
-      <p:bold r:id="rId17"/>
-      <p:italic r:id="rId18"/>
-      <p:boldItalic r:id="rId19"/>
+      <p:regular r:id="rId17"/>
+      <p:bold r:id="rId18"/>
+      <p:italic r:id="rId19"/>
+      <p:boldItalic r:id="rId20"/>
     </p:embeddedFont>
   </p:embeddedFontLst>
   <p:defaultTextStyle>
@@ -819,11 +820,11 @@
 </file>
 
 <file path=ppt/notesSlides/notesSlide10.xml><?xml version="1.0" encoding="utf-8"?>
-<p:notes xmlns:a="http://schemas.openxmlformats.org/drawingml/2006/main" xmlns:r="http://schemas.openxmlformats.org/officeDocument/2006/relationships" xmlns:p="http://schemas.openxmlformats.org/presentationml/2006/main">
+<p:notes xmlns:a="http://schemas.openxmlformats.org/drawingml/2006/main" xmlns:r="http://schemas.openxmlformats.org/officeDocument/2006/relationships" xmlns:p="http://schemas.openxmlformats.org/presentationml/2006/main" showMasterSp="0" showMasterPhAnim="0">
   <p:cSld>
     <p:spTree>
       <p:nvGrpSpPr>
-        <p:cNvPr id="1" name=""/>
+        <p:cNvPr id="1" name="Shape 2518"/>
         <p:cNvGrpSpPr/>
         <p:nvPr/>
       </p:nvGrpSpPr>
@@ -837,12 +838,12 @@
       </p:grpSpPr>
       <p:sp>
         <p:nvSpPr>
-          <p:cNvPr id="2" name="Slide Image Placeholder 1"/>
+          <p:cNvPr id="2519" name="Google Shape;2519;ge7f9c668d6_0_1052:notes"/>
           <p:cNvSpPr>
             <a:spLocks noGrp="1" noRot="1" noChangeAspect="1"/>
           </p:cNvSpPr>
           <p:nvPr>
-            <p:ph type="sldImg"/>
+            <p:ph type="sldImg" idx="2"/>
           </p:nvPr>
         </p:nvSpPr>
         <p:spPr>
@@ -850,168 +851,71 @@
             <a:off x="381000" y="685800"/>
             <a:ext cx="6096000" cy="3429000"/>
           </a:xfrm>
+          <a:custGeom>
+            <a:avLst/>
+            <a:gdLst/>
+            <a:ahLst/>
+            <a:cxnLst/>
+            <a:rect l="l" t="t" r="r" b="b"/>
+            <a:pathLst>
+              <a:path w="120000" h="120000" extrusionOk="0">
+                <a:moveTo>
+                  <a:pt x="0" y="0"/>
+                </a:moveTo>
+                <a:lnTo>
+                  <a:pt x="120000" y="0"/>
+                </a:lnTo>
+                <a:lnTo>
+                  <a:pt x="120000" y="120000"/>
+                </a:lnTo>
+                <a:lnTo>
+                  <a:pt x="0" y="120000"/>
+                </a:lnTo>
+                <a:close/>
+              </a:path>
+            </a:pathLst>
+          </a:custGeom>
         </p:spPr>
       </p:sp>
       <p:sp>
         <p:nvSpPr>
-          <p:cNvPr id="3" name="Notes Placeholder 2"/>
-          <p:cNvSpPr>
+          <p:cNvPr id="2520" name="Google Shape;2520;ge7f9c668d6_0_1052:notes"/>
+          <p:cNvSpPr txBox="1">
             <a:spLocks noGrp="1"/>
           </p:cNvSpPr>
           <p:nvPr>
             <p:ph type="body" idx="1"/>
           </p:nvPr>
         </p:nvSpPr>
-        <p:spPr/>
+        <p:spPr>
+          <a:xfrm>
+            <a:off x="685800" y="4343400"/>
+            <a:ext cx="5486400" cy="4114800"/>
+          </a:xfrm>
+          <a:prstGeom prst="rect">
+            <a:avLst/>
+          </a:prstGeom>
+        </p:spPr>
         <p:txBody>
-          <a:bodyPr/>
+          <a:bodyPr spcFirstLastPara="1" wrap="square" lIns="91425" tIns="91425" rIns="91425" bIns="91425" anchor="t" anchorCtr="0">
+            <a:noAutofit/>
+          </a:bodyPr>
           <a:lstStyle/>
           <a:p>
-            <a:r>
-              <a:rPr lang="en-US" dirty="0"/>
-              <a:t>Docker </a:t>
-            </a:r>
-            <a:r>
-              <a:rPr lang="en-US" dirty="0" err="1"/>
-              <a:t>foloseste</a:t>
-            </a:r>
-            <a:r>
-              <a:rPr lang="en-US" dirty="0"/>
-              <a:t> </a:t>
-            </a:r>
-            <a:r>
-              <a:rPr lang="en-US" dirty="0" err="1"/>
-              <a:t>imagini</a:t>
-            </a:r>
-            <a:r>
-              <a:rPr lang="en-US" dirty="0"/>
-              <a:t> care sunt ca </a:t>
-            </a:r>
-            <a:r>
-              <a:rPr lang="en-US" dirty="0" err="1"/>
-              <a:t>niste</a:t>
-            </a:r>
-            <a:r>
-              <a:rPr lang="en-US" dirty="0"/>
-              <a:t> </a:t>
-            </a:r>
-            <a:r>
-              <a:rPr lang="en-US" dirty="0" err="1"/>
-              <a:t>layerele</a:t>
-            </a:r>
-            <a:r>
-              <a:rPr lang="en-US" dirty="0"/>
-              <a:t> in </a:t>
-            </a:r>
-            <a:r>
-              <a:rPr lang="en-US" dirty="0" err="1"/>
-              <a:t>memoria</a:t>
-            </a:r>
-            <a:r>
-              <a:rPr lang="en-US" dirty="0"/>
-              <a:t> </a:t>
-            </a:r>
-            <a:r>
-              <a:rPr lang="en-US" dirty="0" err="1"/>
-              <a:t>sistemului</a:t>
-            </a:r>
-            <a:r>
-              <a:rPr lang="en-US" dirty="0"/>
-              <a:t> </a:t>
-            </a:r>
-            <a:r>
-              <a:rPr lang="en-US" dirty="0" err="1"/>
-              <a:t>pentru</a:t>
-            </a:r>
-            <a:r>
-              <a:rPr lang="en-US" dirty="0"/>
-              <a:t> </a:t>
-            </a:r>
-            <a:r>
-              <a:rPr lang="en-US" dirty="0" err="1"/>
-              <a:t>rularea</a:t>
-            </a:r>
-            <a:r>
-              <a:rPr lang="en-US" dirty="0"/>
-              <a:t> </a:t>
-            </a:r>
-            <a:r>
-              <a:rPr lang="en-US" dirty="0" err="1"/>
-              <a:t>aplicatiei</a:t>
-            </a:r>
-            <a:endParaRPr lang="en-US" dirty="0"/>
-          </a:p>
-          <a:p>
-            <a:r>
-              <a:rPr lang="en-US" dirty="0"/>
-              <a:t>Docker </a:t>
-            </a:r>
-            <a:r>
-              <a:rPr lang="en-US" dirty="0" err="1"/>
-              <a:t>elimina</a:t>
-            </a:r>
-            <a:r>
-              <a:rPr lang="en-US" dirty="0"/>
-              <a:t> </a:t>
-            </a:r>
-            <a:r>
-              <a:rPr lang="en-US" dirty="0" err="1"/>
-              <a:t>zicala</a:t>
-            </a:r>
-            <a:r>
-              <a:rPr lang="en-US" dirty="0"/>
-              <a:t> “it works on my machine” </a:t>
-            </a:r>
-            <a:r>
-              <a:rPr lang="en-US" dirty="0" err="1"/>
-              <a:t>pentru</a:t>
-            </a:r>
-            <a:r>
-              <a:rPr lang="en-US" dirty="0"/>
-              <a:t> ca </a:t>
-            </a:r>
-            <a:r>
-              <a:rPr lang="en-US" dirty="0" err="1"/>
-              <a:t>imaginea</a:t>
-            </a:r>
-            <a:r>
-              <a:rPr lang="en-US" dirty="0"/>
-              <a:t> de docker </a:t>
-            </a:r>
-            <a:r>
-              <a:rPr lang="en-US" dirty="0" err="1"/>
-              <a:t>este</a:t>
-            </a:r>
-            <a:r>
-              <a:rPr lang="en-US" dirty="0"/>
-              <a:t> la </a:t>
-            </a:r>
-            <a:r>
-              <a:rPr lang="en-US" dirty="0" err="1"/>
-              <a:t>fel</a:t>
-            </a:r>
-            <a:r>
-              <a:rPr lang="en-US" dirty="0"/>
-              <a:t> </a:t>
-            </a:r>
-            <a:r>
-              <a:rPr lang="en-US" dirty="0" err="1"/>
-              <a:t>peste</a:t>
-            </a:r>
-            <a:r>
-              <a:rPr lang="en-US"/>
-              <a:t> tot</a:t>
-            </a:r>
-            <a:endParaRPr lang="ro-RO"/>
+            <a:pPr marL="0" lvl="0" indent="0" algn="l" rtl="0">
+              <a:spcBef>
+                <a:spcPts val="0"/>
+              </a:spcBef>
+              <a:spcAft>
+                <a:spcPts val="0"/>
+              </a:spcAft>
+              <a:buNone/>
+            </a:pPr>
+            <a:endParaRPr/>
           </a:p>
         </p:txBody>
       </p:sp>
     </p:spTree>
-    <p:extLst>
-      <p:ext uri="{BB962C8B-B14F-4D97-AF65-F5344CB8AC3E}">
-        <p14:creationId xmlns:p14="http://schemas.microsoft.com/office/powerpoint/2010/main" val="1407048008"/>
-      </p:ext>
-    </p:extLst>
   </p:cSld>
   <p:clrMapOvr>
     <a:masterClrMapping/>
@@ -3781,11 +3685,11 @@
 </file>
 
 <file path=ppt/notesSlides/notesSlide9.xml><?xml version="1.0" encoding="utf-8"?>
-<p:notes xmlns:a="http://schemas.openxmlformats.org/drawingml/2006/main" xmlns:r="http://schemas.openxmlformats.org/officeDocument/2006/relationships" xmlns:p="http://schemas.openxmlformats.org/presentationml/2006/main" showMasterSp="0" showMasterPhAnim="0">
+<p:notes xmlns:a="http://schemas.openxmlformats.org/drawingml/2006/main" xmlns:r="http://schemas.openxmlformats.org/officeDocument/2006/relationships" xmlns:p="http://schemas.openxmlformats.org/presentationml/2006/main">
   <p:cSld>
     <p:spTree>
       <p:nvGrpSpPr>
-        <p:cNvPr id="1" name="Shape 2518"/>
+        <p:cNvPr id="1" name=""/>
         <p:cNvGrpSpPr/>
         <p:nvPr/>
       </p:nvGrpSpPr>
@@ -3799,12 +3703,12 @@
       </p:grpSpPr>
       <p:sp>
         <p:nvSpPr>
-          <p:cNvPr id="2519" name="Google Shape;2519;ge7f9c668d6_0_1052:notes"/>
+          <p:cNvPr id="2" name="Slide Image Placeholder 1"/>
           <p:cNvSpPr>
             <a:spLocks noGrp="1" noRot="1" noChangeAspect="1"/>
           </p:cNvSpPr>
           <p:nvPr>
-            <p:ph type="sldImg" idx="2"/>
+            <p:ph type="sldImg"/>
           </p:nvPr>
         </p:nvSpPr>
         <p:spPr>
@@ -3812,71 +3716,168 @@
             <a:off x="381000" y="685800"/>
             <a:ext cx="6096000" cy="3429000"/>
           </a:xfrm>
-          <a:custGeom>
-            <a:avLst/>
-            <a:gdLst/>
-            <a:ahLst/>
-            <a:cxnLst/>
-            <a:rect l="l" t="t" r="r" b="b"/>
-            <a:pathLst>
-              <a:path w="120000" h="120000" extrusionOk="0">
-                <a:moveTo>
-                  <a:pt x="0" y="0"/>
-                </a:moveTo>
-                <a:lnTo>
-                  <a:pt x="120000" y="0"/>
-                </a:lnTo>
-                <a:lnTo>
-                  <a:pt x="120000" y="120000"/>
-                </a:lnTo>
-                <a:lnTo>
-                  <a:pt x="0" y="120000"/>
-                </a:lnTo>
-                <a:close/>
-              </a:path>
-            </a:pathLst>
-          </a:custGeom>
         </p:spPr>
       </p:sp>
       <p:sp>
         <p:nvSpPr>
-          <p:cNvPr id="2520" name="Google Shape;2520;ge7f9c668d6_0_1052:notes"/>
-          <p:cNvSpPr txBox="1">
+          <p:cNvPr id="3" name="Notes Placeholder 2"/>
+          <p:cNvSpPr>
             <a:spLocks noGrp="1"/>
           </p:cNvSpPr>
           <p:nvPr>
             <p:ph type="body" idx="1"/>
           </p:nvPr>
         </p:nvSpPr>
-        <p:spPr>
-          <a:xfrm>
-            <a:off x="685800" y="4343400"/>
-            <a:ext cx="5486400" cy="4114800"/>
-          </a:xfrm>
-          <a:prstGeom prst="rect">
-            <a:avLst/>
-          </a:prstGeom>
-        </p:spPr>
+        <p:spPr/>
         <p:txBody>
-          <a:bodyPr spcFirstLastPara="1" wrap="square" lIns="91425" tIns="91425" rIns="91425" bIns="91425" anchor="t" anchorCtr="0">
-            <a:noAutofit/>
-          </a:bodyPr>
+          <a:bodyPr/>
           <a:lstStyle/>
           <a:p>
-            <a:pPr marL="0" lvl="0" indent="0" algn="l" rtl="0">
-              <a:spcBef>
-                <a:spcPts val="0"/>
-              </a:spcBef>
-              <a:spcAft>
-                <a:spcPts val="0"/>
-              </a:spcAft>
-              <a:buNone/>
-            </a:pPr>
-            <a:endParaRPr/>
+            <a:r>
+              <a:rPr lang="en-US" dirty="0"/>
+              <a:t>Docker </a:t>
+            </a:r>
+            <a:r>
+              <a:rPr lang="en-US" dirty="0" err="1"/>
+              <a:t>foloseste</a:t>
+            </a:r>
+            <a:r>
+              <a:rPr lang="en-US" dirty="0"/>
+              <a:t> </a:t>
+            </a:r>
+            <a:r>
+              <a:rPr lang="en-US" dirty="0" err="1"/>
+              <a:t>imagini</a:t>
+            </a:r>
+            <a:r>
+              <a:rPr lang="en-US" dirty="0"/>
+              <a:t> care sunt ca </a:t>
+            </a:r>
+            <a:r>
+              <a:rPr lang="en-US" dirty="0" err="1"/>
+              <a:t>niste</a:t>
+            </a:r>
+            <a:r>
+              <a:rPr lang="en-US" dirty="0"/>
+              <a:t> </a:t>
+            </a:r>
+            <a:r>
+              <a:rPr lang="en-US" dirty="0" err="1"/>
+              <a:t>layerele</a:t>
+            </a:r>
+            <a:r>
+              <a:rPr lang="en-US" dirty="0"/>
+              <a:t> in </a:t>
+            </a:r>
+            <a:r>
+              <a:rPr lang="en-US" dirty="0" err="1"/>
+              <a:t>memoria</a:t>
+            </a:r>
+            <a:r>
+              <a:rPr lang="en-US" dirty="0"/>
+              <a:t> </a:t>
+            </a:r>
+            <a:r>
+              <a:rPr lang="en-US" dirty="0" err="1"/>
+              <a:t>sistemului</a:t>
+            </a:r>
+            <a:r>
+              <a:rPr lang="en-US" dirty="0"/>
+              <a:t> </a:t>
+            </a:r>
+            <a:r>
+              <a:rPr lang="en-US" dirty="0" err="1"/>
+              <a:t>pentru</a:t>
+            </a:r>
+            <a:r>
+              <a:rPr lang="en-US" dirty="0"/>
+              <a:t> </a:t>
+            </a:r>
+            <a:r>
+              <a:rPr lang="en-US" dirty="0" err="1"/>
+              <a:t>rularea</a:t>
+            </a:r>
+            <a:r>
+              <a:rPr lang="en-US" dirty="0"/>
+              <a:t> </a:t>
+            </a:r>
+            <a:r>
+              <a:rPr lang="en-US" dirty="0" err="1"/>
+              <a:t>aplicatiei</a:t>
+            </a:r>
+            <a:endParaRPr lang="en-US" dirty="0"/>
+          </a:p>
+          <a:p>
+            <a:r>
+              <a:rPr lang="en-US" dirty="0"/>
+              <a:t>Docker </a:t>
+            </a:r>
+            <a:r>
+              <a:rPr lang="en-US" dirty="0" err="1"/>
+              <a:t>elimina</a:t>
+            </a:r>
+            <a:r>
+              <a:rPr lang="en-US" dirty="0"/>
+              <a:t> </a:t>
+            </a:r>
+            <a:r>
+              <a:rPr lang="en-US" dirty="0" err="1"/>
+              <a:t>zicala</a:t>
+            </a:r>
+            <a:r>
+              <a:rPr lang="en-US" dirty="0"/>
+              <a:t> “it works on my machine” </a:t>
+            </a:r>
+            <a:r>
+              <a:rPr lang="en-US" dirty="0" err="1"/>
+              <a:t>pentru</a:t>
+            </a:r>
+            <a:r>
+              <a:rPr lang="en-US" dirty="0"/>
+              <a:t> ca </a:t>
+            </a:r>
+            <a:r>
+              <a:rPr lang="en-US" dirty="0" err="1"/>
+              <a:t>imaginea</a:t>
+            </a:r>
+            <a:r>
+              <a:rPr lang="en-US" dirty="0"/>
+              <a:t> de docker </a:t>
+            </a:r>
+            <a:r>
+              <a:rPr lang="en-US" dirty="0" err="1"/>
+              <a:t>este</a:t>
+            </a:r>
+            <a:r>
+              <a:rPr lang="en-US" dirty="0"/>
+              <a:t> la </a:t>
+            </a:r>
+            <a:r>
+              <a:rPr lang="en-US" dirty="0" err="1"/>
+              <a:t>fel</a:t>
+            </a:r>
+            <a:r>
+              <a:rPr lang="en-US" dirty="0"/>
+              <a:t> </a:t>
+            </a:r>
+            <a:r>
+              <a:rPr lang="en-US" dirty="0" err="1"/>
+              <a:t>peste</a:t>
+            </a:r>
+            <a:r>
+              <a:rPr lang="en-US"/>
+              <a:t> tot</a:t>
+            </a:r>
+            <a:endParaRPr lang="ro-RO"/>
           </a:p>
         </p:txBody>
       </p:sp>
     </p:spTree>
+    <p:extLst>
+      <p:ext uri="{BB962C8B-B14F-4D97-AF65-F5344CB8AC3E}">
+        <p14:creationId xmlns:p14="http://schemas.microsoft.com/office/powerpoint/2010/main" val="1407048008"/>
+      </p:ext>
+    </p:extLst>
   </p:cSld>
   <p:clrMapOvr>
     <a:masterClrMapping/>
@@ -18951,6 +18952,869 @@
   <p:cSld>
     <p:spTree>
       <p:nvGrpSpPr>
+        <p:cNvPr id="1" name="Shape 2521"/>
+        <p:cNvGrpSpPr/>
+        <p:nvPr/>
+      </p:nvGrpSpPr>
+      <p:grpSpPr>
+        <a:xfrm>
+          <a:off x="0" y="0"/>
+          <a:ext cx="0" cy="0"/>
+          <a:chOff x="0" y="0"/>
+          <a:chExt cx="0" cy="0"/>
+        </a:xfrm>
+      </p:grpSpPr>
+      <p:sp>
+        <p:nvSpPr>
+          <p:cNvPr id="2522" name="Google Shape;2522;p48"/>
+          <p:cNvSpPr txBox="1">
+            <a:spLocks noGrp="1"/>
+          </p:cNvSpPr>
+          <p:nvPr>
+            <p:ph type="title"/>
+          </p:nvPr>
+        </p:nvSpPr>
+        <p:spPr>
+          <a:xfrm>
+            <a:off x="1121875" y="1183920"/>
+            <a:ext cx="2891100" cy="1122300"/>
+          </a:xfrm>
+          <a:prstGeom prst="rect">
+            <a:avLst/>
+          </a:prstGeom>
+        </p:spPr>
+        <p:txBody>
+          <a:bodyPr spcFirstLastPara="1" wrap="square" lIns="91425" tIns="91425" rIns="91425" bIns="91425" anchor="ctr" anchorCtr="0">
+            <a:noAutofit/>
+          </a:bodyPr>
+          <a:lstStyle/>
+          <a:p>
+            <a:pPr marL="0" lvl="0" indent="0" algn="l" rtl="0">
+              <a:spcBef>
+                <a:spcPts val="0"/>
+              </a:spcBef>
+              <a:spcAft>
+                <a:spcPts val="0"/>
+              </a:spcAft>
+              <a:buNone/>
+            </a:pPr>
+            <a:r>
+              <a:rPr lang="en" dirty="0">
+                <a:solidFill>
+                  <a:schemeClr val="lt1"/>
+                </a:solidFill>
+              </a:rPr>
+              <a:t>Desktop </a:t>
+            </a:r>
+            <a:r>
+              <a:rPr lang="en" dirty="0">
+                <a:solidFill>
+                  <a:schemeClr val="accent2"/>
+                </a:solidFill>
+              </a:rPr>
+              <a:t>Software</a:t>
+            </a:r>
+            <a:r>
+              <a:rPr lang="en" dirty="0">
+                <a:solidFill>
+                  <a:schemeClr val="lt1"/>
+                </a:solidFill>
+              </a:rPr>
+              <a:t> </a:t>
+            </a:r>
+            <a:r>
+              <a:rPr lang="en" dirty="0">
+                <a:solidFill>
+                  <a:schemeClr val="accent3"/>
+                </a:solidFill>
+              </a:rPr>
+              <a:t>{</a:t>
+            </a:r>
+            <a:endParaRPr dirty="0">
+              <a:solidFill>
+                <a:schemeClr val="lt1"/>
+              </a:solidFill>
+            </a:endParaRPr>
+          </a:p>
+        </p:txBody>
+      </p:sp>
+      <p:sp>
+        <p:nvSpPr>
+          <p:cNvPr id="2523" name="Google Shape;2523;p48"/>
+          <p:cNvSpPr txBox="1">
+            <a:spLocks noGrp="1"/>
+          </p:cNvSpPr>
+          <p:nvPr>
+            <p:ph type="subTitle" idx="1"/>
+          </p:nvPr>
+        </p:nvSpPr>
+        <p:spPr>
+          <a:xfrm>
+            <a:off x="1667256" y="2355825"/>
+            <a:ext cx="2891100" cy="1566300"/>
+          </a:xfrm>
+          <a:prstGeom prst="rect">
+            <a:avLst/>
+          </a:prstGeom>
+        </p:spPr>
+        <p:txBody>
+          <a:bodyPr spcFirstLastPara="1" wrap="square" lIns="91425" tIns="91425" rIns="91425" bIns="91425" anchor="ctr" anchorCtr="0">
+            <a:noAutofit/>
+          </a:bodyPr>
+          <a:lstStyle/>
+          <a:p>
+            <a:pPr marL="0" lvl="0" indent="0" algn="l" rtl="0">
+              <a:spcBef>
+                <a:spcPts val="0"/>
+              </a:spcBef>
+              <a:spcAft>
+                <a:spcPts val="0"/>
+              </a:spcAft>
+              <a:buNone/>
+            </a:pPr>
+            <a:r>
+              <a:rPr lang="en" dirty="0"/>
+              <a:t>Dashboard client:</a:t>
+            </a:r>
+          </a:p>
+          <a:p>
+            <a:pPr marL="285750" lvl="0" indent="-285750" algn="l" rtl="0">
+              <a:spcBef>
+                <a:spcPts val="0"/>
+              </a:spcBef>
+              <a:spcAft>
+                <a:spcPts val="0"/>
+              </a:spcAft>
+              <a:buFontTx/>
+              <a:buChar char="-"/>
+            </a:pPr>
+            <a:r>
+              <a:rPr lang="en" dirty="0"/>
+              <a:t>- AWB Tracking</a:t>
+            </a:r>
+          </a:p>
+          <a:p>
+            <a:pPr marL="285750" lvl="0" indent="-285750" algn="l" rtl="0">
+              <a:spcBef>
+                <a:spcPts val="0"/>
+              </a:spcBef>
+              <a:spcAft>
+                <a:spcPts val="0"/>
+              </a:spcAft>
+              <a:buFontTx/>
+              <a:buChar char="-"/>
+            </a:pPr>
+            <a:r>
+              <a:rPr lang="en" dirty="0"/>
+              <a:t>- Orders</a:t>
+            </a:r>
+          </a:p>
+          <a:p>
+            <a:pPr marL="285750" lvl="0" indent="-285750" algn="l" rtl="0">
+              <a:spcBef>
+                <a:spcPts val="0"/>
+              </a:spcBef>
+              <a:spcAft>
+                <a:spcPts val="0"/>
+              </a:spcAft>
+              <a:buFontTx/>
+              <a:buChar char="-"/>
+            </a:pPr>
+            <a:r>
+              <a:rPr lang="en" dirty="0"/>
+              <a:t>- Profile</a:t>
+            </a:r>
+          </a:p>
+          <a:p>
+            <a:pPr marL="285750" lvl="0" indent="-285750" algn="l" rtl="0">
+              <a:spcBef>
+                <a:spcPts val="0"/>
+              </a:spcBef>
+              <a:spcAft>
+                <a:spcPts val="0"/>
+              </a:spcAft>
+              <a:buFontTx/>
+              <a:buChar char="-"/>
+            </a:pPr>
+            <a:r>
+              <a:rPr lang="en" dirty="0"/>
+              <a:t>- Cost Estimate</a:t>
+            </a:r>
+            <a:endParaRPr dirty="0"/>
+          </a:p>
+        </p:txBody>
+      </p:sp>
+      <p:sp>
+        <p:nvSpPr>
+          <p:cNvPr id="2525" name="Google Shape;2525;p48"/>
+          <p:cNvSpPr txBox="1">
+            <a:spLocks noGrp="1"/>
+          </p:cNvSpPr>
+          <p:nvPr>
+            <p:ph type="subTitle" idx="4294967295"/>
+          </p:nvPr>
+        </p:nvSpPr>
+        <p:spPr>
+          <a:xfrm>
+            <a:off x="-5975" y="91525"/>
+            <a:ext cx="4572000" cy="357300"/>
+          </a:xfrm>
+          <a:prstGeom prst="rect">
+            <a:avLst/>
+          </a:prstGeom>
+        </p:spPr>
+        <p:txBody>
+          <a:bodyPr spcFirstLastPara="1" wrap="square" lIns="91425" tIns="91425" rIns="91425" bIns="91425" anchor="ctr" anchorCtr="0">
+            <a:noAutofit/>
+          </a:bodyPr>
+          <a:lstStyle/>
+          <a:p>
+            <a:pPr marL="0" lvl="0" indent="0" algn="ctr" rtl="0">
+              <a:spcBef>
+                <a:spcPts val="0"/>
+              </a:spcBef>
+              <a:spcAft>
+                <a:spcPts val="0"/>
+              </a:spcAft>
+              <a:buNone/>
+            </a:pPr>
+            <a:r>
+              <a:rPr lang="en" sz="1400" dirty="0">
+                <a:solidFill>
+                  <a:schemeClr val="accent3"/>
+                </a:solidFill>
+              </a:rPr>
+              <a:t>Licenta.html</a:t>
+            </a:r>
+            <a:endParaRPr sz="1400" dirty="0">
+              <a:solidFill>
+                <a:schemeClr val="accent3"/>
+              </a:solidFill>
+            </a:endParaRPr>
+          </a:p>
+        </p:txBody>
+      </p:sp>
+      <p:grpSp>
+        <p:nvGrpSpPr>
+          <p:cNvPr id="2527" name="Google Shape;2527;p48"/>
+          <p:cNvGrpSpPr/>
+          <p:nvPr/>
+        </p:nvGrpSpPr>
+        <p:grpSpPr>
+          <a:xfrm>
+            <a:off x="1084825" y="2246100"/>
+            <a:ext cx="506100" cy="2323925"/>
+            <a:chOff x="1084825" y="2246100"/>
+            <a:chExt cx="506100" cy="2323925"/>
+          </a:xfrm>
+        </p:grpSpPr>
+        <p:sp>
+          <p:nvSpPr>
+            <p:cNvPr id="2528" name="Google Shape;2528;p48"/>
+            <p:cNvSpPr txBox="1"/>
+            <p:nvPr/>
+          </p:nvSpPr>
+          <p:spPr>
+            <a:xfrm>
+              <a:off x="1084825" y="3954425"/>
+              <a:ext cx="506100" cy="615600"/>
+            </a:xfrm>
+            <a:prstGeom prst="rect">
+              <a:avLst/>
+            </a:prstGeom>
+            <a:noFill/>
+            <a:ln>
+              <a:noFill/>
+            </a:ln>
+          </p:spPr>
+          <p:txBody>
+            <a:bodyPr spcFirstLastPara="1" wrap="square" lIns="91425" tIns="91425" rIns="91425" bIns="91425" anchor="t" anchorCtr="0">
+              <a:spAutoFit/>
+            </a:bodyPr>
+            <a:lstStyle/>
+            <a:p>
+              <a:pPr marL="0" lvl="0" indent="0" algn="ctr" rtl="0">
+                <a:spcBef>
+                  <a:spcPts val="0"/>
+                </a:spcBef>
+                <a:spcAft>
+                  <a:spcPts val="0"/>
+                </a:spcAft>
+                <a:buNone/>
+              </a:pPr>
+              <a:r>
+                <a:rPr lang="en" sz="2800">
+                  <a:solidFill>
+                    <a:schemeClr val="accent6"/>
+                  </a:solidFill>
+                  <a:latin typeface="Fira Code"/>
+                  <a:ea typeface="Fira Code"/>
+                  <a:cs typeface="Fira Code"/>
+                  <a:sym typeface="Fira Code"/>
+                </a:rPr>
+                <a:t>}</a:t>
+              </a:r>
+              <a:endParaRPr sz="2800">
+                <a:solidFill>
+                  <a:schemeClr val="accent6"/>
+                </a:solidFill>
+                <a:latin typeface="Fira Code"/>
+                <a:ea typeface="Fira Code"/>
+                <a:cs typeface="Fira Code"/>
+                <a:sym typeface="Fira Code"/>
+              </a:endParaRPr>
+            </a:p>
+          </p:txBody>
+        </p:sp>
+        <p:cxnSp>
+          <p:nvCxnSpPr>
+            <p:cNvPr id="2529" name="Google Shape;2529;p48"/>
+            <p:cNvCxnSpPr/>
+            <p:nvPr/>
+          </p:nvCxnSpPr>
+          <p:spPr>
+            <a:xfrm>
+              <a:off x="1337875" y="2246100"/>
+              <a:ext cx="0" cy="1687500"/>
+            </a:xfrm>
+            <a:prstGeom prst="straightConnector1">
+              <a:avLst/>
+            </a:prstGeom>
+            <a:noFill/>
+            <a:ln w="9525" cap="flat" cmpd="sng">
+              <a:solidFill>
+                <a:schemeClr val="accent4"/>
+              </a:solidFill>
+              <a:prstDash val="solid"/>
+              <a:round/>
+              <a:headEnd type="none" w="med" len="med"/>
+              <a:tailEnd type="none" w="med" len="med"/>
+            </a:ln>
+          </p:spPr>
+        </p:cxnSp>
+      </p:grpSp>
+      <p:sp>
+        <p:nvSpPr>
+          <p:cNvPr id="2530" name="Google Shape;2530;p48"/>
+          <p:cNvSpPr txBox="1">
+            <a:spLocks noGrp="1"/>
+          </p:cNvSpPr>
+          <p:nvPr>
+            <p:ph type="subTitle" idx="4294967295"/>
+          </p:nvPr>
+        </p:nvSpPr>
+        <p:spPr>
+          <a:xfrm>
+            <a:off x="4572000" y="91525"/>
+            <a:ext cx="4572000" cy="357300"/>
+          </a:xfrm>
+          <a:prstGeom prst="rect">
+            <a:avLst/>
+          </a:prstGeom>
+        </p:spPr>
+        <p:txBody>
+          <a:bodyPr spcFirstLastPara="1" wrap="square" lIns="91425" tIns="91425" rIns="91425" bIns="91425" anchor="ctr" anchorCtr="0">
+            <a:noAutofit/>
+          </a:bodyPr>
+          <a:lstStyle/>
+          <a:p>
+            <a:pPr marL="0" lvl="0" indent="0" algn="ctr" rtl="0">
+              <a:spcBef>
+                <a:spcPts val="0"/>
+              </a:spcBef>
+              <a:spcAft>
+                <a:spcPts val="1200"/>
+              </a:spcAft>
+              <a:buNone/>
+            </a:pPr>
+            <a:r>
+              <a:rPr lang="en" sz="1400" dirty="0">
+                <a:solidFill>
+                  <a:schemeClr val="accent3"/>
+                </a:solidFill>
+              </a:rPr>
+              <a:t>Licenta.css</a:t>
+            </a:r>
+            <a:endParaRPr sz="1400" dirty="0">
+              <a:solidFill>
+                <a:schemeClr val="accent3"/>
+              </a:solidFill>
+            </a:endParaRPr>
+          </a:p>
+        </p:txBody>
+      </p:sp>
+      <p:grpSp>
+        <p:nvGrpSpPr>
+          <p:cNvPr id="2531" name="Google Shape;2531;p48"/>
+          <p:cNvGrpSpPr/>
+          <p:nvPr/>
+        </p:nvGrpSpPr>
+        <p:grpSpPr>
+          <a:xfrm>
+            <a:off x="4414106" y="938589"/>
+            <a:ext cx="4662157" cy="3631435"/>
+            <a:chOff x="4994678" y="1173377"/>
+            <a:chExt cx="3439196" cy="2775803"/>
+          </a:xfrm>
+        </p:grpSpPr>
+        <p:grpSp>
+          <p:nvGrpSpPr>
+            <p:cNvPr id="2532" name="Google Shape;2532;p48"/>
+            <p:cNvGrpSpPr/>
+            <p:nvPr/>
+          </p:nvGrpSpPr>
+          <p:grpSpPr>
+            <a:xfrm>
+              <a:off x="4994678" y="1173377"/>
+              <a:ext cx="3439196" cy="2775803"/>
+              <a:chOff x="4572031" y="1415284"/>
+              <a:chExt cx="2875341" cy="2319354"/>
+            </a:xfrm>
+          </p:grpSpPr>
+          <p:grpSp>
+            <p:nvGrpSpPr>
+              <p:cNvPr id="2533" name="Google Shape;2533;p48"/>
+              <p:cNvGrpSpPr/>
+              <p:nvPr/>
+            </p:nvGrpSpPr>
+            <p:grpSpPr>
+              <a:xfrm>
+                <a:off x="4572031" y="1415284"/>
+                <a:ext cx="2875341" cy="1993075"/>
+                <a:chOff x="3665860" y="822037"/>
+                <a:chExt cx="4758136" cy="3243937"/>
+              </a:xfrm>
+            </p:grpSpPr>
+            <p:grpSp>
+              <p:nvGrpSpPr>
+                <p:cNvPr id="2534" name="Google Shape;2534;p48"/>
+                <p:cNvGrpSpPr/>
+                <p:nvPr/>
+              </p:nvGrpSpPr>
+              <p:grpSpPr>
+                <a:xfrm>
+                  <a:off x="3665860" y="822037"/>
+                  <a:ext cx="4758136" cy="3243937"/>
+                  <a:chOff x="518725" y="252435"/>
+                  <a:chExt cx="6524250" cy="4448015"/>
+                </a:xfrm>
+              </p:grpSpPr>
+              <p:sp>
+                <p:nvSpPr>
+                  <p:cNvPr id="2535" name="Google Shape;2535;p48"/>
+                  <p:cNvSpPr/>
+                  <p:nvPr/>
+                </p:nvSpPr>
+                <p:spPr>
+                  <a:xfrm>
+                    <a:off x="518725" y="4131625"/>
+                    <a:ext cx="6524250" cy="568825"/>
+                  </a:xfrm>
+                  <a:custGeom>
+                    <a:avLst/>
+                    <a:gdLst/>
+                    <a:ahLst/>
+                    <a:cxnLst/>
+                    <a:rect l="l" t="t" r="r" b="b"/>
+                    <a:pathLst>
+                      <a:path w="260970" h="22753" extrusionOk="0">
+                        <a:moveTo>
+                          <a:pt x="0" y="14846"/>
+                        </a:moveTo>
+                        <a:cubicBezTo>
+                          <a:pt x="0" y="19169"/>
+                          <a:pt x="4039" y="22753"/>
+                          <a:pt x="8305" y="22753"/>
+                        </a:cubicBezTo>
+                        <a:lnTo>
+                          <a:pt x="253120" y="22753"/>
+                        </a:lnTo>
+                        <a:cubicBezTo>
+                          <a:pt x="257443" y="22696"/>
+                          <a:pt x="260913" y="19169"/>
+                          <a:pt x="260970" y="14846"/>
+                        </a:cubicBezTo>
+                        <a:lnTo>
+                          <a:pt x="260970" y="0"/>
+                        </a:lnTo>
+                        <a:lnTo>
+                          <a:pt x="0" y="0"/>
+                        </a:lnTo>
+                        <a:close/>
+                      </a:path>
+                    </a:pathLst>
+                  </a:custGeom>
+                  <a:solidFill>
+                    <a:schemeClr val="dk1"/>
+                  </a:solidFill>
+                  <a:ln w="9525" cap="flat" cmpd="sng">
+                    <a:solidFill>
+                      <a:schemeClr val="accent3"/>
+                    </a:solidFill>
+                    <a:prstDash val="solid"/>
+                    <a:round/>
+                    <a:headEnd type="none" w="sm" len="sm"/>
+                    <a:tailEnd type="none" w="sm" len="sm"/>
+                  </a:ln>
+                </p:spPr>
+                <p:txBody>
+                  <a:bodyPr spcFirstLastPara="1" wrap="square" lIns="91425" tIns="91425" rIns="91425" bIns="91425" anchor="ctr" anchorCtr="0">
+                    <a:noAutofit/>
+                  </a:bodyPr>
+                  <a:lstStyle/>
+                  <a:p>
+                    <a:pPr marL="0" lvl="0" indent="0" algn="l" rtl="0">
+                      <a:spcBef>
+                        <a:spcPts val="0"/>
+                      </a:spcBef>
+                      <a:spcAft>
+                        <a:spcPts val="0"/>
+                      </a:spcAft>
+                      <a:buNone/>
+                    </a:pPr>
+                    <a:endParaRPr>
+                      <a:solidFill>
+                        <a:schemeClr val="accent3"/>
+                      </a:solidFill>
+                    </a:endParaRPr>
+                  </a:p>
+                </p:txBody>
+              </p:sp>
+              <p:sp>
+                <p:nvSpPr>
+                  <p:cNvPr id="2536" name="Google Shape;2536;p48"/>
+                  <p:cNvSpPr/>
+                  <p:nvPr/>
+                </p:nvSpPr>
+                <p:spPr>
+                  <a:xfrm>
+                    <a:off x="518725" y="252435"/>
+                    <a:ext cx="6524250" cy="3893525"/>
+                  </a:xfrm>
+                  <a:custGeom>
+                    <a:avLst/>
+                    <a:gdLst/>
+                    <a:ahLst/>
+                    <a:cxnLst/>
+                    <a:rect l="l" t="t" r="r" b="b"/>
+                    <a:pathLst>
+                      <a:path w="260970" h="155741" extrusionOk="0">
+                        <a:moveTo>
+                          <a:pt x="249594" y="9954"/>
+                        </a:moveTo>
+                        <a:lnTo>
+                          <a:pt x="249594" y="144364"/>
+                        </a:lnTo>
+                        <a:lnTo>
+                          <a:pt x="11376" y="144364"/>
+                        </a:lnTo>
+                        <a:lnTo>
+                          <a:pt x="11376" y="9954"/>
+                        </a:lnTo>
+                        <a:close/>
+                        <a:moveTo>
+                          <a:pt x="8305" y="0"/>
+                        </a:moveTo>
+                        <a:cubicBezTo>
+                          <a:pt x="4039" y="0"/>
+                          <a:pt x="0" y="2844"/>
+                          <a:pt x="0" y="7110"/>
+                        </a:cubicBezTo>
+                        <a:lnTo>
+                          <a:pt x="0" y="155740"/>
+                        </a:lnTo>
+                        <a:lnTo>
+                          <a:pt x="260970" y="155740"/>
+                        </a:lnTo>
+                        <a:lnTo>
+                          <a:pt x="260970" y="7110"/>
+                        </a:lnTo>
+                        <a:cubicBezTo>
+                          <a:pt x="260970" y="2844"/>
+                          <a:pt x="257386" y="0"/>
+                          <a:pt x="253120" y="0"/>
+                        </a:cubicBezTo>
+                        <a:close/>
+                      </a:path>
+                    </a:pathLst>
+                  </a:custGeom>
+                  <a:solidFill>
+                    <a:schemeClr val="dk1"/>
+                  </a:solidFill>
+                  <a:ln w="9525" cap="flat" cmpd="sng">
+                    <a:solidFill>
+                      <a:schemeClr val="accent3"/>
+                    </a:solidFill>
+                    <a:prstDash val="solid"/>
+                    <a:round/>
+                    <a:headEnd type="none" w="sm" len="sm"/>
+                    <a:tailEnd type="none" w="sm" len="sm"/>
+                  </a:ln>
+                </p:spPr>
+                <p:txBody>
+                  <a:bodyPr spcFirstLastPara="1" wrap="square" lIns="91425" tIns="91425" rIns="91425" bIns="91425" anchor="ctr" anchorCtr="0">
+                    <a:noAutofit/>
+                  </a:bodyPr>
+                  <a:lstStyle/>
+                  <a:p>
+                    <a:pPr marL="0" lvl="0" indent="0" algn="l" rtl="0">
+                      <a:spcBef>
+                        <a:spcPts val="0"/>
+                      </a:spcBef>
+                      <a:spcAft>
+                        <a:spcPts val="0"/>
+                      </a:spcAft>
+                      <a:buNone/>
+                    </a:pPr>
+                    <a:endParaRPr>
+                      <a:solidFill>
+                        <a:schemeClr val="accent3"/>
+                      </a:solidFill>
+                    </a:endParaRPr>
+                  </a:p>
+                </p:txBody>
+              </p:sp>
+            </p:grpSp>
+            <p:sp>
+              <p:nvSpPr>
+                <p:cNvPr id="2537" name="Google Shape;2537;p48"/>
+                <p:cNvSpPr/>
+                <p:nvPr/>
+              </p:nvSpPr>
+              <p:spPr>
+                <a:xfrm>
+                  <a:off x="5947879" y="3778845"/>
+                  <a:ext cx="194076" cy="166189"/>
+                </a:xfrm>
+                <a:custGeom>
+                  <a:avLst/>
+                  <a:gdLst/>
+                  <a:ahLst/>
+                  <a:cxnLst/>
+                  <a:rect l="l" t="t" r="r" b="b"/>
+                  <a:pathLst>
+                    <a:path w="10627" h="9100" extrusionOk="0">
+                      <a:moveTo>
+                        <a:pt x="6092" y="0"/>
+                      </a:moveTo>
+                      <a:cubicBezTo>
+                        <a:pt x="2020" y="0"/>
+                        <a:pt x="0" y="4900"/>
+                        <a:pt x="2881" y="7747"/>
+                      </a:cubicBezTo>
+                      <a:cubicBezTo>
+                        <a:pt x="3804" y="8681"/>
+                        <a:pt x="4944" y="9100"/>
+                        <a:pt x="6063" y="9100"/>
+                      </a:cubicBezTo>
+                      <a:cubicBezTo>
+                        <a:pt x="8391" y="9100"/>
+                        <a:pt x="10627" y="7286"/>
+                        <a:pt x="10627" y="4536"/>
+                      </a:cubicBezTo>
+                      <a:cubicBezTo>
+                        <a:pt x="10627" y="2020"/>
+                        <a:pt x="8608" y="0"/>
+                        <a:pt x="6092" y="0"/>
+                      </a:cubicBezTo>
+                      <a:close/>
+                    </a:path>
+                  </a:pathLst>
+                </a:custGeom>
+                <a:noFill/>
+                <a:ln w="9525" cap="flat" cmpd="sng">
+                  <a:solidFill>
+                    <a:schemeClr val="accent3"/>
+                  </a:solidFill>
+                  <a:prstDash val="solid"/>
+                  <a:round/>
+                  <a:headEnd type="none" w="sm" len="sm"/>
+                  <a:tailEnd type="none" w="sm" len="sm"/>
+                </a:ln>
+              </p:spPr>
+              <p:txBody>
+                <a:bodyPr spcFirstLastPara="1" wrap="square" lIns="91425" tIns="91425" rIns="91425" bIns="91425" anchor="ctr" anchorCtr="0">
+                  <a:noAutofit/>
+                </a:bodyPr>
+                <a:lstStyle/>
+                <a:p>
+                  <a:pPr marL="0" lvl="0" indent="0" algn="l" rtl="0">
+                    <a:spcBef>
+                      <a:spcPts val="0"/>
+                    </a:spcBef>
+                    <a:spcAft>
+                      <a:spcPts val="0"/>
+                    </a:spcAft>
+                    <a:buNone/>
+                  </a:pPr>
+                  <a:endParaRPr>
+                    <a:solidFill>
+                      <a:schemeClr val="accent3"/>
+                    </a:solidFill>
+                  </a:endParaRPr>
+                </a:p>
+              </p:txBody>
+            </p:sp>
+          </p:grpSp>
+          <p:sp>
+            <p:nvSpPr>
+              <p:cNvPr id="2538" name="Google Shape;2538;p48"/>
+              <p:cNvSpPr/>
+              <p:nvPr/>
+            </p:nvSpPr>
+            <p:spPr>
+              <a:xfrm>
+                <a:off x="5498909" y="3408365"/>
+                <a:ext cx="1040944" cy="326273"/>
+              </a:xfrm>
+              <a:custGeom>
+                <a:avLst/>
+                <a:gdLst/>
+                <a:ahLst/>
+                <a:cxnLst/>
+                <a:rect l="l" t="t" r="r" b="b"/>
+                <a:pathLst>
+                  <a:path w="94481" h="29125" extrusionOk="0">
+                    <a:moveTo>
+                      <a:pt x="79805" y="18317"/>
+                    </a:moveTo>
+                    <a:cubicBezTo>
+                      <a:pt x="74117" y="12515"/>
+                      <a:pt x="73889" y="1"/>
+                      <a:pt x="73889" y="1"/>
+                    </a:cubicBezTo>
+                    <a:lnTo>
+                      <a:pt x="20592" y="1"/>
+                    </a:lnTo>
+                    <a:cubicBezTo>
+                      <a:pt x="20592" y="1"/>
+                      <a:pt x="20364" y="12515"/>
+                      <a:pt x="14676" y="18317"/>
+                    </a:cubicBezTo>
+                    <a:cubicBezTo>
+                      <a:pt x="8931" y="24175"/>
+                      <a:pt x="1" y="29124"/>
+                      <a:pt x="15529" y="29124"/>
+                    </a:cubicBezTo>
+                    <a:lnTo>
+                      <a:pt x="78952" y="29124"/>
+                    </a:lnTo>
+                    <a:cubicBezTo>
+                      <a:pt x="94480" y="29124"/>
+                      <a:pt x="85493" y="24175"/>
+                      <a:pt x="79805" y="18317"/>
+                    </a:cubicBezTo>
+                    <a:close/>
+                  </a:path>
+                </a:pathLst>
+              </a:custGeom>
+              <a:solidFill>
+                <a:schemeClr val="dk1"/>
+              </a:solidFill>
+              <a:ln w="9525" cap="flat" cmpd="sng">
+                <a:solidFill>
+                  <a:schemeClr val="accent3"/>
+                </a:solidFill>
+                <a:prstDash val="solid"/>
+                <a:round/>
+                <a:headEnd type="none" w="sm" len="sm"/>
+                <a:tailEnd type="none" w="sm" len="sm"/>
+              </a:ln>
+            </p:spPr>
+            <p:txBody>
+              <a:bodyPr spcFirstLastPara="1" wrap="square" lIns="91425" tIns="91425" rIns="91425" bIns="91425" anchor="ctr" anchorCtr="0">
+                <a:noAutofit/>
+              </a:bodyPr>
+              <a:lstStyle/>
+              <a:p>
+                <a:pPr marL="0" lvl="0" indent="0" algn="l" rtl="0">
+                  <a:spcBef>
+                    <a:spcPts val="0"/>
+                  </a:spcBef>
+                  <a:spcAft>
+                    <a:spcPts val="0"/>
+                  </a:spcAft>
+                  <a:buNone/>
+                </a:pPr>
+                <a:endParaRPr>
+                  <a:solidFill>
+                    <a:schemeClr val="accent3"/>
+                  </a:solidFill>
+                </a:endParaRPr>
+              </a:p>
+            </p:txBody>
+          </p:sp>
+        </p:grpSp>
+        <p:cxnSp>
+          <p:nvCxnSpPr>
+            <p:cNvPr id="2539" name="Google Shape;2539;p48"/>
+            <p:cNvCxnSpPr/>
+            <p:nvPr/>
+          </p:nvCxnSpPr>
+          <p:spPr>
+            <a:xfrm rot="10800000">
+              <a:off x="5370275" y="3949180"/>
+              <a:ext cx="2688000" cy="0"/>
+            </a:xfrm>
+            <a:prstGeom prst="straightConnector1">
+              <a:avLst/>
+            </a:prstGeom>
+            <a:noFill/>
+            <a:ln w="9525" cap="flat" cmpd="sng">
+              <a:solidFill>
+                <a:schemeClr val="accent3"/>
+              </a:solidFill>
+              <a:prstDash val="solid"/>
+              <a:round/>
+              <a:headEnd type="none" w="med" len="med"/>
+              <a:tailEnd type="none" w="med" len="med"/>
+            </a:ln>
+          </p:spPr>
+        </p:cxnSp>
+      </p:grpSp>
+      <p:pic>
+        <p:nvPicPr>
+          <p:cNvPr id="5" name="Picture 4">
+            <a:extLst>
+              <a:ext uri="{FF2B5EF4-FFF2-40B4-BE49-F238E27FC236}">
+                <a16:creationId xmlns:a16="http://schemas.microsoft.com/office/drawing/2014/main" id="{31378475-CA6C-8753-87FE-AD78B1029BBE}"/>
+              </a:ext>
+            </a:extLst>
+          </p:cNvPr>
+          <p:cNvPicPr>
+            <a:picLocks noChangeAspect="1"/>
+          </p:cNvPicPr>
+          <p:nvPr/>
+        </p:nvPicPr>
+        <p:blipFill>
+          <a:blip r:embed="rId3"/>
+          <a:stretch>
+            <a:fillRect/>
+          </a:stretch>
+        </p:blipFill>
+        <p:spPr>
+          <a:xfrm>
+            <a:off x="4634894" y="1121370"/>
+            <a:ext cx="4233333" cy="2316758"/>
+          </a:xfrm>
+          <a:prstGeom prst="rect">
+            <a:avLst/>
+          </a:prstGeom>
+        </p:spPr>
+      </p:pic>
+    </p:spTree>
+  </p:cSld>
+  <p:clrMapOvr>
+    <a:masterClrMapping/>
+  </p:clrMapOvr>
+</p:sld>
+</file>
+
+<file path=ppt/slides/slide12.xml><?xml version="1.0" encoding="utf-8"?>
+<p:sld xmlns:a="http://schemas.openxmlformats.org/drawingml/2006/main" xmlns:r="http://schemas.openxmlformats.org/officeDocument/2006/relationships" xmlns:p="http://schemas.openxmlformats.org/presentationml/2006/main">
+  <p:cSld>
+    <p:spTree>
+      <p:nvGrpSpPr>
         <p:cNvPr id="1" name=""/>
         <p:cNvGrpSpPr/>
         <p:nvPr/>
@@ -19034,6 +19898,253 @@
 </file>
 
 <file path=ppt/slides/slide2.xml><?xml version="1.0" encoding="utf-8"?>
+<p:sld xmlns:a="http://schemas.openxmlformats.org/drawingml/2006/main" xmlns:r="http://schemas.openxmlformats.org/officeDocument/2006/relationships" xmlns:p="http://schemas.openxmlformats.org/presentationml/2006/main">
+  <p:cSld>
+    <p:spTree>
+      <p:nvGrpSpPr>
+        <p:cNvPr id="1" name=""/>
+        <p:cNvGrpSpPr/>
+        <p:nvPr/>
+      </p:nvGrpSpPr>
+      <p:grpSpPr>
+        <a:xfrm>
+          <a:off x="0" y="0"/>
+          <a:ext cx="0" cy="0"/>
+          <a:chOff x="0" y="0"/>
+          <a:chExt cx="0" cy="0"/>
+        </a:xfrm>
+      </p:grpSpPr>
+      <p:sp>
+        <p:nvSpPr>
+          <p:cNvPr id="2" name="Title 1">
+            <a:extLst>
+              <a:ext uri="{FF2B5EF4-FFF2-40B4-BE49-F238E27FC236}">
+                <a16:creationId xmlns:a16="http://schemas.microsoft.com/office/drawing/2014/main" id="{DEAB64B4-A04A-EAC7-6B25-BCA6F8022404}"/>
+              </a:ext>
+            </a:extLst>
+          </p:cNvPr>
+          <p:cNvSpPr>
+            <a:spLocks noGrp="1"/>
+          </p:cNvSpPr>
+          <p:nvPr>
+            <p:ph type="title"/>
+          </p:nvPr>
+        </p:nvSpPr>
+        <p:spPr/>
+        <p:txBody>
+          <a:bodyPr/>
+          <a:lstStyle/>
+          <a:p>
+            <a:r>
+              <a:rPr lang="en-US" dirty="0" err="1"/>
+              <a:t>Cuprins</a:t>
+            </a:r>
+            <a:endParaRPr lang="ro-RO" dirty="0"/>
+          </a:p>
+        </p:txBody>
+      </p:sp>
+      <p:sp>
+        <p:nvSpPr>
+          <p:cNvPr id="3" name="Text Placeholder 2">
+            <a:extLst>
+              <a:ext uri="{FF2B5EF4-FFF2-40B4-BE49-F238E27FC236}">
+                <a16:creationId xmlns:a16="http://schemas.microsoft.com/office/drawing/2014/main" id="{8B48BDC2-8518-C9AF-1500-4C4A60F45E2E}"/>
+              </a:ext>
+            </a:extLst>
+          </p:cNvPr>
+          <p:cNvSpPr>
+            <a:spLocks noGrp="1"/>
+          </p:cNvSpPr>
+          <p:nvPr>
+            <p:ph type="body" idx="1"/>
+          </p:nvPr>
+        </p:nvSpPr>
+        <p:spPr>
+          <a:xfrm>
+            <a:off x="1303750" y="1000939"/>
+            <a:ext cx="6969600" cy="3416400"/>
+          </a:xfrm>
+        </p:spPr>
+        <p:txBody>
+          <a:bodyPr/>
+          <a:lstStyle/>
+          <a:p>
+            <a:pPr>
+              <a:buFont typeface="+mj-lt"/>
+              <a:buAutoNum type="arabicPeriod"/>
+            </a:pPr>
+            <a:r>
+              <a:rPr lang="en-US" sz="1800" dirty="0" err="1"/>
+              <a:t>Descrierea</a:t>
+            </a:r>
+            <a:r>
+              <a:rPr lang="en-US" sz="1800" dirty="0"/>
+              <a:t> </a:t>
+            </a:r>
+            <a:r>
+              <a:rPr lang="en-US" sz="1800" dirty="0" err="1"/>
+              <a:t>aplicatiei</a:t>
+            </a:r>
+            <a:endParaRPr lang="en-US" sz="1800" dirty="0"/>
+          </a:p>
+          <a:p>
+            <a:pPr>
+              <a:buFont typeface="+mj-lt"/>
+              <a:buAutoNum type="arabicPeriod"/>
+            </a:pPr>
+            <a:r>
+              <a:rPr lang="en-US" sz="1800" dirty="0" err="1"/>
+              <a:t>Statistica</a:t>
+            </a:r>
+            <a:r>
+              <a:rPr lang="en-US" sz="1800" dirty="0"/>
+              <a:t> </a:t>
+            </a:r>
+            <a:r>
+              <a:rPr lang="en-US" sz="1800" dirty="0" err="1"/>
+              <a:t>limbaje</a:t>
+            </a:r>
+            <a:r>
+              <a:rPr lang="en-US" sz="1800" dirty="0"/>
+              <a:t> </a:t>
+            </a:r>
+            <a:r>
+              <a:rPr lang="en-US" sz="1800" dirty="0" err="1"/>
+              <a:t>programare</a:t>
+            </a:r>
+            <a:endParaRPr lang="en-US" sz="1800" dirty="0"/>
+          </a:p>
+          <a:p>
+            <a:pPr>
+              <a:buFont typeface="+mj-lt"/>
+              <a:buAutoNum type="arabicPeriod"/>
+            </a:pPr>
+            <a:r>
+              <a:rPr lang="en-US" sz="1800" dirty="0" err="1"/>
+              <a:t>Tehnologii</a:t>
+            </a:r>
+            <a:r>
+              <a:rPr lang="en-US" sz="1800" dirty="0"/>
+              <a:t> </a:t>
+            </a:r>
+            <a:r>
+              <a:rPr lang="en-US" sz="1800" dirty="0" err="1"/>
+              <a:t>folosite</a:t>
+            </a:r>
+            <a:endParaRPr lang="en-US" sz="1800" dirty="0"/>
+          </a:p>
+          <a:p>
+            <a:pPr>
+              <a:buFont typeface="+mj-lt"/>
+              <a:buAutoNum type="arabicPeriod"/>
+            </a:pPr>
+            <a:r>
+              <a:rPr lang="en-US" sz="1800" dirty="0"/>
+              <a:t>MVC</a:t>
+            </a:r>
+          </a:p>
+          <a:p>
+            <a:pPr>
+              <a:buFont typeface="+mj-lt"/>
+              <a:buAutoNum type="arabicPeriod"/>
+            </a:pPr>
+            <a:r>
+              <a:rPr lang="en-US" sz="1800" dirty="0" err="1"/>
+              <a:t>Arhitectura</a:t>
+            </a:r>
+            <a:r>
+              <a:rPr lang="en-US" sz="1800" dirty="0"/>
+              <a:t> </a:t>
+            </a:r>
+            <a:r>
+              <a:rPr lang="en-US" sz="1800" dirty="0" err="1"/>
+              <a:t>sistemului</a:t>
+            </a:r>
+            <a:endParaRPr lang="en-US" sz="1800" dirty="0"/>
+          </a:p>
+          <a:p>
+            <a:pPr>
+              <a:buFont typeface="+mj-lt"/>
+              <a:buAutoNum type="arabicPeriod"/>
+            </a:pPr>
+            <a:r>
+              <a:rPr lang="en-US" sz="1800" dirty="0"/>
+              <a:t>Azure</a:t>
+            </a:r>
+          </a:p>
+          <a:p>
+            <a:pPr>
+              <a:buFont typeface="+mj-lt"/>
+              <a:buAutoNum type="arabicPeriod"/>
+            </a:pPr>
+            <a:r>
+              <a:rPr lang="en-US" sz="1800" dirty="0" err="1"/>
+              <a:t>Specificatii</a:t>
+            </a:r>
+            <a:r>
+              <a:rPr lang="en-US" sz="1800" dirty="0"/>
+              <a:t> </a:t>
+            </a:r>
+            <a:r>
+              <a:rPr lang="en-US" sz="1800" dirty="0" err="1"/>
+              <a:t>utilizatori</a:t>
+            </a:r>
+            <a:endParaRPr lang="en-US" sz="1800" dirty="0"/>
+          </a:p>
+          <a:p>
+            <a:pPr>
+              <a:buFont typeface="+mj-lt"/>
+              <a:buAutoNum type="arabicPeriod"/>
+            </a:pPr>
+            <a:r>
+              <a:rPr lang="en-US" sz="1800" dirty="0" err="1"/>
+              <a:t>Posibilitati</a:t>
+            </a:r>
+            <a:r>
+              <a:rPr lang="en-US" sz="1800" dirty="0"/>
+              <a:t> de </a:t>
+            </a:r>
+            <a:r>
+              <a:rPr lang="en-US" sz="1800" dirty="0" err="1"/>
+              <a:t>imbunatatire</a:t>
+            </a:r>
+            <a:endParaRPr lang="en-US" sz="1800" dirty="0"/>
+          </a:p>
+          <a:p>
+            <a:pPr>
+              <a:buFont typeface="+mj-lt"/>
+              <a:buAutoNum type="arabicPeriod"/>
+            </a:pPr>
+            <a:r>
+              <a:rPr lang="en-US" sz="1800" dirty="0" err="1"/>
+              <a:t>Prezentarea</a:t>
+            </a:r>
+            <a:r>
+              <a:rPr lang="en-US" sz="1800" dirty="0"/>
+              <a:t> </a:t>
+            </a:r>
+            <a:r>
+              <a:rPr lang="en-US" sz="1800" dirty="0" err="1"/>
+              <a:t>aplicatiei</a:t>
+            </a:r>
+            <a:endParaRPr lang="ro-RO" sz="1800" dirty="0"/>
+          </a:p>
+        </p:txBody>
+      </p:sp>
+    </p:spTree>
+    <p:extLst>
+      <p:ext uri="{BB962C8B-B14F-4D97-AF65-F5344CB8AC3E}">
+        <p14:creationId xmlns:p14="http://schemas.microsoft.com/office/powerpoint/2010/main" val="1156921098"/>
+      </p:ext>
+    </p:extLst>
+  </p:cSld>
+  <p:clrMapOvr>
+    <a:masterClrMapping/>
+  </p:clrMapOvr>
+</p:sld>
+</file>
+
+<file path=ppt/slides/slide3.xml><?xml version="1.0" encoding="utf-8"?>
 <p:sld xmlns:a="http://schemas.openxmlformats.org/drawingml/2006/main" xmlns:r="http://schemas.openxmlformats.org/officeDocument/2006/relationships" xmlns:p="http://schemas.openxmlformats.org/presentationml/2006/main">
   <p:cSld>
     <p:spTree>
@@ -19697,7 +20808,7 @@
 </p:sld>
 </file>
 
-<file path=ppt/slides/slide3.xml><?xml version="1.0" encoding="utf-8"?>
+<file path=ppt/slides/slide4.xml><?xml version="1.0" encoding="utf-8"?>
 <p:sld xmlns:a="http://schemas.openxmlformats.org/drawingml/2006/main" xmlns:r="http://schemas.openxmlformats.org/officeDocument/2006/relationships" xmlns:p="http://schemas.openxmlformats.org/presentationml/2006/main">
   <p:cSld>
     <p:spTree>
@@ -21561,7 +22672,7 @@
 </p:sld>
 </file>
 
-<file path=ppt/slides/slide4.xml><?xml version="1.0" encoding="utf-8"?>
+<file path=ppt/slides/slide5.xml><?xml version="1.0" encoding="utf-8"?>
 <p:sld xmlns:a="http://schemas.openxmlformats.org/drawingml/2006/main" xmlns:r="http://schemas.openxmlformats.org/officeDocument/2006/relationships" xmlns:p="http://schemas.openxmlformats.org/presentationml/2006/main">
   <p:cSld>
     <p:spTree>
@@ -22824,7 +23935,7 @@
 </p:sld>
 </file>
 
-<file path=ppt/slides/slide5.xml><?xml version="1.0" encoding="utf-8"?>
+<file path=ppt/slides/slide6.xml><?xml version="1.0" encoding="utf-8"?>
 <p:sld xmlns:a="http://schemas.openxmlformats.org/drawingml/2006/main" xmlns:r="http://schemas.openxmlformats.org/officeDocument/2006/relationships" xmlns:p="http://schemas.openxmlformats.org/presentationml/2006/main">
   <p:cSld>
     <p:spTree>
@@ -32002,7 +33113,7 @@
 </p:sld>
 </file>
 
-<file path=ppt/slides/slide6.xml><?xml version="1.0" encoding="utf-8"?>
+<file path=ppt/slides/slide7.xml><?xml version="1.0" encoding="utf-8"?>
 <p:sld xmlns:a="http://schemas.openxmlformats.org/drawingml/2006/main" xmlns:r="http://schemas.openxmlformats.org/officeDocument/2006/relationships" xmlns:p="http://schemas.openxmlformats.org/presentationml/2006/main">
   <p:cSld>
     <p:spTree>
@@ -34551,7 +35662,7 @@
 </p:sld>
 </file>
 
-<file path=ppt/slides/slide7.xml><?xml version="1.0" encoding="utf-8"?>
+<file path=ppt/slides/slide8.xml><?xml version="1.0" encoding="utf-8"?>
 <p:sld xmlns:a="http://schemas.openxmlformats.org/drawingml/2006/main" xmlns:r="http://schemas.openxmlformats.org/officeDocument/2006/relationships" xmlns:p="http://schemas.openxmlformats.org/presentationml/2006/main">
   <p:cSld>
     <p:spTree>
@@ -34656,7 +35767,7 @@
 </p:sld>
 </file>
 
-<file path=ppt/slides/slide8.xml><?xml version="1.0" encoding="utf-8"?>
+<file path=ppt/slides/slide9.xml><?xml version="1.0" encoding="utf-8"?>
 <p:sld xmlns:a="http://schemas.openxmlformats.org/drawingml/2006/main" xmlns:r="http://schemas.openxmlformats.org/officeDocument/2006/relationships" xmlns:p="http://schemas.openxmlformats.org/presentationml/2006/main">
   <p:cSld>
     <p:spTree>
@@ -36262,869 +37373,6 @@
         <p14:creationId xmlns:p14="http://schemas.microsoft.com/office/powerpoint/2010/main" val="67897805"/>
       </p:ext>
     </p:extLst>
-  </p:cSld>
-  <p:clrMapOvr>
-    <a:masterClrMapping/>
-  </p:clrMapOvr>
-</p:sld>
-</file>
-
-<file path=ppt/slides/slide9.xml><?xml version="1.0" encoding="utf-8"?>
-<p:sld xmlns:a="http://schemas.openxmlformats.org/drawingml/2006/main" xmlns:r="http://schemas.openxmlformats.org/officeDocument/2006/relationships" xmlns:p="http://schemas.openxmlformats.org/presentationml/2006/main">
-  <p:cSld>
-    <p:spTree>
-      <p:nvGrpSpPr>
-        <p:cNvPr id="1" name="Shape 2521"/>
-        <p:cNvGrpSpPr/>
-        <p:nvPr/>
-      </p:nvGrpSpPr>
-      <p:grpSpPr>
-        <a:xfrm>
-          <a:off x="0" y="0"/>
-          <a:ext cx="0" cy="0"/>
-          <a:chOff x="0" y="0"/>
-          <a:chExt cx="0" cy="0"/>
-        </a:xfrm>
-      </p:grpSpPr>
-      <p:sp>
-        <p:nvSpPr>
-          <p:cNvPr id="2522" name="Google Shape;2522;p48"/>
-          <p:cNvSpPr txBox="1">
-            <a:spLocks noGrp="1"/>
-          </p:cNvSpPr>
-          <p:nvPr>
-            <p:ph type="title"/>
-          </p:nvPr>
-        </p:nvSpPr>
-        <p:spPr>
-          <a:xfrm>
-            <a:off x="1121875" y="1183920"/>
-            <a:ext cx="2891100" cy="1122300"/>
-          </a:xfrm>
-          <a:prstGeom prst="rect">
-            <a:avLst/>
-          </a:prstGeom>
-        </p:spPr>
-        <p:txBody>
-          <a:bodyPr spcFirstLastPara="1" wrap="square" lIns="91425" tIns="91425" rIns="91425" bIns="91425" anchor="ctr" anchorCtr="0">
-            <a:noAutofit/>
-          </a:bodyPr>
-          <a:lstStyle/>
-          <a:p>
-            <a:pPr marL="0" lvl="0" indent="0" algn="l" rtl="0">
-              <a:spcBef>
-                <a:spcPts val="0"/>
-              </a:spcBef>
-              <a:spcAft>
-                <a:spcPts val="0"/>
-              </a:spcAft>
-              <a:buNone/>
-            </a:pPr>
-            <a:r>
-              <a:rPr lang="en" dirty="0">
-                <a:solidFill>
-                  <a:schemeClr val="lt1"/>
-                </a:solidFill>
-              </a:rPr>
-              <a:t>Desktop </a:t>
-            </a:r>
-            <a:r>
-              <a:rPr lang="en" dirty="0">
-                <a:solidFill>
-                  <a:schemeClr val="accent2"/>
-                </a:solidFill>
-              </a:rPr>
-              <a:t>Software</a:t>
-            </a:r>
-            <a:r>
-              <a:rPr lang="en" dirty="0">
-                <a:solidFill>
-                  <a:schemeClr val="lt1"/>
-                </a:solidFill>
-              </a:rPr>
-              <a:t> </a:t>
-            </a:r>
-            <a:r>
-              <a:rPr lang="en" dirty="0">
-                <a:solidFill>
-                  <a:schemeClr val="accent3"/>
-                </a:solidFill>
-              </a:rPr>
-              <a:t>{</a:t>
-            </a:r>
-            <a:endParaRPr dirty="0">
-              <a:solidFill>
-                <a:schemeClr val="lt1"/>
-              </a:solidFill>
-            </a:endParaRPr>
-          </a:p>
-        </p:txBody>
-      </p:sp>
-      <p:sp>
-        <p:nvSpPr>
-          <p:cNvPr id="2523" name="Google Shape;2523;p48"/>
-          <p:cNvSpPr txBox="1">
-            <a:spLocks noGrp="1"/>
-          </p:cNvSpPr>
-          <p:nvPr>
-            <p:ph type="subTitle" idx="1"/>
-          </p:nvPr>
-        </p:nvSpPr>
-        <p:spPr>
-          <a:xfrm>
-            <a:off x="1667256" y="2355825"/>
-            <a:ext cx="2891100" cy="1566300"/>
-          </a:xfrm>
-          <a:prstGeom prst="rect">
-            <a:avLst/>
-          </a:prstGeom>
-        </p:spPr>
-        <p:txBody>
-          <a:bodyPr spcFirstLastPara="1" wrap="square" lIns="91425" tIns="91425" rIns="91425" bIns="91425" anchor="ctr" anchorCtr="0">
-            <a:noAutofit/>
-          </a:bodyPr>
-          <a:lstStyle/>
-          <a:p>
-            <a:pPr marL="0" lvl="0" indent="0" algn="l" rtl="0">
-              <a:spcBef>
-                <a:spcPts val="0"/>
-              </a:spcBef>
-              <a:spcAft>
-                <a:spcPts val="0"/>
-              </a:spcAft>
-              <a:buNone/>
-            </a:pPr>
-            <a:r>
-              <a:rPr lang="en" dirty="0"/>
-              <a:t>Dashboard client:</a:t>
-            </a:r>
-          </a:p>
-          <a:p>
-            <a:pPr marL="285750" lvl="0" indent="-285750" algn="l" rtl="0">
-              <a:spcBef>
-                <a:spcPts val="0"/>
-              </a:spcBef>
-              <a:spcAft>
-                <a:spcPts val="0"/>
-              </a:spcAft>
-              <a:buFontTx/>
-              <a:buChar char="-"/>
-            </a:pPr>
-            <a:r>
-              <a:rPr lang="en" dirty="0"/>
-              <a:t>- AWB Tracking</a:t>
-            </a:r>
-          </a:p>
-          <a:p>
-            <a:pPr marL="285750" lvl="0" indent="-285750" algn="l" rtl="0">
-              <a:spcBef>
-                <a:spcPts val="0"/>
-              </a:spcBef>
-              <a:spcAft>
-                <a:spcPts val="0"/>
-              </a:spcAft>
-              <a:buFontTx/>
-              <a:buChar char="-"/>
-            </a:pPr>
-            <a:r>
-              <a:rPr lang="en" dirty="0"/>
-              <a:t>- Orders</a:t>
-            </a:r>
-          </a:p>
-          <a:p>
-            <a:pPr marL="285750" lvl="0" indent="-285750" algn="l" rtl="0">
-              <a:spcBef>
-                <a:spcPts val="0"/>
-              </a:spcBef>
-              <a:spcAft>
-                <a:spcPts val="0"/>
-              </a:spcAft>
-              <a:buFontTx/>
-              <a:buChar char="-"/>
-            </a:pPr>
-            <a:r>
-              <a:rPr lang="en" dirty="0"/>
-              <a:t>- Profile</a:t>
-            </a:r>
-          </a:p>
-          <a:p>
-            <a:pPr marL="285750" lvl="0" indent="-285750" algn="l" rtl="0">
-              <a:spcBef>
-                <a:spcPts val="0"/>
-              </a:spcBef>
-              <a:spcAft>
-                <a:spcPts val="0"/>
-              </a:spcAft>
-              <a:buFontTx/>
-              <a:buChar char="-"/>
-            </a:pPr>
-            <a:r>
-              <a:rPr lang="en" dirty="0"/>
-              <a:t>- Cost Estimate</a:t>
-            </a:r>
-            <a:endParaRPr dirty="0"/>
-          </a:p>
-        </p:txBody>
-      </p:sp>
-      <p:sp>
-        <p:nvSpPr>
-          <p:cNvPr id="2525" name="Google Shape;2525;p48"/>
-          <p:cNvSpPr txBox="1">
-            <a:spLocks noGrp="1"/>
-          </p:cNvSpPr>
-          <p:nvPr>
-            <p:ph type="subTitle" idx="4294967295"/>
-          </p:nvPr>
-        </p:nvSpPr>
-        <p:spPr>
-          <a:xfrm>
-            <a:off x="-5975" y="91525"/>
-            <a:ext cx="4572000" cy="357300"/>
-          </a:xfrm>
-          <a:prstGeom prst="rect">
-            <a:avLst/>
-          </a:prstGeom>
-        </p:spPr>
-        <p:txBody>
-          <a:bodyPr spcFirstLastPara="1" wrap="square" lIns="91425" tIns="91425" rIns="91425" bIns="91425" anchor="ctr" anchorCtr="0">
-            <a:noAutofit/>
-          </a:bodyPr>
-          <a:lstStyle/>
-          <a:p>
-            <a:pPr marL="0" lvl="0" indent="0" algn="ctr" rtl="0">
-              <a:spcBef>
-                <a:spcPts val="0"/>
-              </a:spcBef>
-              <a:spcAft>
-                <a:spcPts val="0"/>
-              </a:spcAft>
-              <a:buNone/>
-            </a:pPr>
-            <a:r>
-              <a:rPr lang="en" sz="1400" dirty="0">
-                <a:solidFill>
-                  <a:schemeClr val="accent3"/>
-                </a:solidFill>
-              </a:rPr>
-              <a:t>Licenta.html</a:t>
-            </a:r>
-            <a:endParaRPr sz="1400" dirty="0">
-              <a:solidFill>
-                <a:schemeClr val="accent3"/>
-              </a:solidFill>
-            </a:endParaRPr>
-          </a:p>
-        </p:txBody>
-      </p:sp>
-      <p:grpSp>
-        <p:nvGrpSpPr>
-          <p:cNvPr id="2527" name="Google Shape;2527;p48"/>
-          <p:cNvGrpSpPr/>
-          <p:nvPr/>
-        </p:nvGrpSpPr>
-        <p:grpSpPr>
-          <a:xfrm>
-            <a:off x="1084825" y="2246100"/>
-            <a:ext cx="506100" cy="2323925"/>
-            <a:chOff x="1084825" y="2246100"/>
-            <a:chExt cx="506100" cy="2323925"/>
-          </a:xfrm>
-        </p:grpSpPr>
-        <p:sp>
-          <p:nvSpPr>
-            <p:cNvPr id="2528" name="Google Shape;2528;p48"/>
-            <p:cNvSpPr txBox="1"/>
-            <p:nvPr/>
-          </p:nvSpPr>
-          <p:spPr>
-            <a:xfrm>
-              <a:off x="1084825" y="3954425"/>
-              <a:ext cx="506100" cy="615600"/>
-            </a:xfrm>
-            <a:prstGeom prst="rect">
-              <a:avLst/>
-            </a:prstGeom>
-            <a:noFill/>
-            <a:ln>
-              <a:noFill/>
-            </a:ln>
-          </p:spPr>
-          <p:txBody>
-            <a:bodyPr spcFirstLastPara="1" wrap="square" lIns="91425" tIns="91425" rIns="91425" bIns="91425" anchor="t" anchorCtr="0">
-              <a:spAutoFit/>
-            </a:bodyPr>
-            <a:lstStyle/>
-            <a:p>
-              <a:pPr marL="0" lvl="0" indent="0" algn="ctr" rtl="0">
-                <a:spcBef>
-                  <a:spcPts val="0"/>
-                </a:spcBef>
-                <a:spcAft>
-                  <a:spcPts val="0"/>
-                </a:spcAft>
-                <a:buNone/>
-              </a:pPr>
-              <a:r>
-                <a:rPr lang="en" sz="2800">
-                  <a:solidFill>
-                    <a:schemeClr val="accent6"/>
-                  </a:solidFill>
-                  <a:latin typeface="Fira Code"/>
-                  <a:ea typeface="Fira Code"/>
-                  <a:cs typeface="Fira Code"/>
-                  <a:sym typeface="Fira Code"/>
-                </a:rPr>
-                <a:t>}</a:t>
-              </a:r>
-              <a:endParaRPr sz="2800">
-                <a:solidFill>
-                  <a:schemeClr val="accent6"/>
-                </a:solidFill>
-                <a:latin typeface="Fira Code"/>
-                <a:ea typeface="Fira Code"/>
-                <a:cs typeface="Fira Code"/>
-                <a:sym typeface="Fira Code"/>
-              </a:endParaRPr>
-            </a:p>
-          </p:txBody>
-        </p:sp>
-        <p:cxnSp>
-          <p:nvCxnSpPr>
-            <p:cNvPr id="2529" name="Google Shape;2529;p48"/>
-            <p:cNvCxnSpPr/>
-            <p:nvPr/>
-          </p:nvCxnSpPr>
-          <p:spPr>
-            <a:xfrm>
-              <a:off x="1337875" y="2246100"/>
-              <a:ext cx="0" cy="1687500"/>
-            </a:xfrm>
-            <a:prstGeom prst="straightConnector1">
-              <a:avLst/>
-            </a:prstGeom>
-            <a:noFill/>
-            <a:ln w="9525" cap="flat" cmpd="sng">
-              <a:solidFill>
-                <a:schemeClr val="accent4"/>
-              </a:solidFill>
-              <a:prstDash val="solid"/>
-              <a:round/>
-              <a:headEnd type="none" w="med" len="med"/>
-              <a:tailEnd type="none" w="med" len="med"/>
-            </a:ln>
-          </p:spPr>
-        </p:cxnSp>
-      </p:grpSp>
-      <p:sp>
-        <p:nvSpPr>
-          <p:cNvPr id="2530" name="Google Shape;2530;p48"/>
-          <p:cNvSpPr txBox="1">
-            <a:spLocks noGrp="1"/>
-          </p:cNvSpPr>
-          <p:nvPr>
-            <p:ph type="subTitle" idx="4294967295"/>
-          </p:nvPr>
-        </p:nvSpPr>
-        <p:spPr>
-          <a:xfrm>
-            <a:off x="4572000" y="91525"/>
-            <a:ext cx="4572000" cy="357300"/>
-          </a:xfrm>
-          <a:prstGeom prst="rect">
-            <a:avLst/>
-          </a:prstGeom>
-        </p:spPr>
-        <p:txBody>
-          <a:bodyPr spcFirstLastPara="1" wrap="square" lIns="91425" tIns="91425" rIns="91425" bIns="91425" anchor="ctr" anchorCtr="0">
-            <a:noAutofit/>
-          </a:bodyPr>
-          <a:lstStyle/>
-          <a:p>
-            <a:pPr marL="0" lvl="0" indent="0" algn="ctr" rtl="0">
-              <a:spcBef>
-                <a:spcPts val="0"/>
-              </a:spcBef>
-              <a:spcAft>
-                <a:spcPts val="1200"/>
-              </a:spcAft>
-              <a:buNone/>
-            </a:pPr>
-            <a:r>
-              <a:rPr lang="en" sz="1400" dirty="0">
-                <a:solidFill>
-                  <a:schemeClr val="accent3"/>
-                </a:solidFill>
-              </a:rPr>
-              <a:t>Licenta.css</a:t>
-            </a:r>
-            <a:endParaRPr sz="1400" dirty="0">
-              <a:solidFill>
-                <a:schemeClr val="accent3"/>
-              </a:solidFill>
-            </a:endParaRPr>
-          </a:p>
-        </p:txBody>
-      </p:sp>
-      <p:grpSp>
-        <p:nvGrpSpPr>
-          <p:cNvPr id="2531" name="Google Shape;2531;p48"/>
-          <p:cNvGrpSpPr/>
-          <p:nvPr/>
-        </p:nvGrpSpPr>
-        <p:grpSpPr>
-          <a:xfrm>
-            <a:off x="4414106" y="938589"/>
-            <a:ext cx="4662157" cy="3631435"/>
-            <a:chOff x="4994678" y="1173377"/>
-            <a:chExt cx="3439196" cy="2775803"/>
-          </a:xfrm>
-        </p:grpSpPr>
-        <p:grpSp>
-          <p:nvGrpSpPr>
-            <p:cNvPr id="2532" name="Google Shape;2532;p48"/>
-            <p:cNvGrpSpPr/>
-            <p:nvPr/>
-          </p:nvGrpSpPr>
-          <p:grpSpPr>
-            <a:xfrm>
-              <a:off x="4994678" y="1173377"/>
-              <a:ext cx="3439196" cy="2775803"/>
-              <a:chOff x="4572031" y="1415284"/>
-              <a:chExt cx="2875341" cy="2319354"/>
-            </a:xfrm>
-          </p:grpSpPr>
-          <p:grpSp>
-            <p:nvGrpSpPr>
-              <p:cNvPr id="2533" name="Google Shape;2533;p48"/>
-              <p:cNvGrpSpPr/>
-              <p:nvPr/>
-            </p:nvGrpSpPr>
-            <p:grpSpPr>
-              <a:xfrm>
-                <a:off x="4572031" y="1415284"/>
-                <a:ext cx="2875341" cy="1993075"/>
-                <a:chOff x="3665860" y="822037"/>
-                <a:chExt cx="4758136" cy="3243937"/>
-              </a:xfrm>
-            </p:grpSpPr>
-            <p:grpSp>
-              <p:nvGrpSpPr>
-                <p:cNvPr id="2534" name="Google Shape;2534;p48"/>
-                <p:cNvGrpSpPr/>
-                <p:nvPr/>
-              </p:nvGrpSpPr>
-              <p:grpSpPr>
-                <a:xfrm>
-                  <a:off x="3665860" y="822037"/>
-                  <a:ext cx="4758136" cy="3243937"/>
-                  <a:chOff x="518725" y="252435"/>
-                  <a:chExt cx="6524250" cy="4448015"/>
-                </a:xfrm>
-              </p:grpSpPr>
-              <p:sp>
-                <p:nvSpPr>
-                  <p:cNvPr id="2535" name="Google Shape;2535;p48"/>
-                  <p:cNvSpPr/>
-                  <p:nvPr/>
-                </p:nvSpPr>
-                <p:spPr>
-                  <a:xfrm>
-                    <a:off x="518725" y="4131625"/>
-                    <a:ext cx="6524250" cy="568825"/>
-                  </a:xfrm>
-                  <a:custGeom>
-                    <a:avLst/>
-                    <a:gdLst/>
-                    <a:ahLst/>
-                    <a:cxnLst/>
-                    <a:rect l="l" t="t" r="r" b="b"/>
-                    <a:pathLst>
-                      <a:path w="260970" h="22753" extrusionOk="0">
-                        <a:moveTo>
-                          <a:pt x="0" y="14846"/>
-                        </a:moveTo>
-                        <a:cubicBezTo>
-                          <a:pt x="0" y="19169"/>
-                          <a:pt x="4039" y="22753"/>
-                          <a:pt x="8305" y="22753"/>
-                        </a:cubicBezTo>
-                        <a:lnTo>
-                          <a:pt x="253120" y="22753"/>
-                        </a:lnTo>
-                        <a:cubicBezTo>
-                          <a:pt x="257443" y="22696"/>
-                          <a:pt x="260913" y="19169"/>
-                          <a:pt x="260970" y="14846"/>
-                        </a:cubicBezTo>
-                        <a:lnTo>
-                          <a:pt x="260970" y="0"/>
-                        </a:lnTo>
-                        <a:lnTo>
-                          <a:pt x="0" y="0"/>
-                        </a:lnTo>
-                        <a:close/>
-                      </a:path>
-                    </a:pathLst>
-                  </a:custGeom>
-                  <a:solidFill>
-                    <a:schemeClr val="dk1"/>
-                  </a:solidFill>
-                  <a:ln w="9525" cap="flat" cmpd="sng">
-                    <a:solidFill>
-                      <a:schemeClr val="accent3"/>
-                    </a:solidFill>
-                    <a:prstDash val="solid"/>
-                    <a:round/>
-                    <a:headEnd type="none" w="sm" len="sm"/>
-                    <a:tailEnd type="none" w="sm" len="sm"/>
-                  </a:ln>
-                </p:spPr>
-                <p:txBody>
-                  <a:bodyPr spcFirstLastPara="1" wrap="square" lIns="91425" tIns="91425" rIns="91425" bIns="91425" anchor="ctr" anchorCtr="0">
-                    <a:noAutofit/>
-                  </a:bodyPr>
-                  <a:lstStyle/>
-                  <a:p>
-                    <a:pPr marL="0" lvl="0" indent="0" algn="l" rtl="0">
-                      <a:spcBef>
-                        <a:spcPts val="0"/>
-                      </a:spcBef>
-                      <a:spcAft>
-                        <a:spcPts val="0"/>
-                      </a:spcAft>
-                      <a:buNone/>
-                    </a:pPr>
-                    <a:endParaRPr>
-                      <a:solidFill>
-                        <a:schemeClr val="accent3"/>
-                      </a:solidFill>
-                    </a:endParaRPr>
-                  </a:p>
-                </p:txBody>
-              </p:sp>
-              <p:sp>
-                <p:nvSpPr>
-                  <p:cNvPr id="2536" name="Google Shape;2536;p48"/>
-                  <p:cNvSpPr/>
-                  <p:nvPr/>
-                </p:nvSpPr>
-                <p:spPr>
-                  <a:xfrm>
-                    <a:off x="518725" y="252435"/>
-                    <a:ext cx="6524250" cy="3893525"/>
-                  </a:xfrm>
-                  <a:custGeom>
-                    <a:avLst/>
-                    <a:gdLst/>
-                    <a:ahLst/>
-                    <a:cxnLst/>
-                    <a:rect l="l" t="t" r="r" b="b"/>
-                    <a:pathLst>
-                      <a:path w="260970" h="155741" extrusionOk="0">
-                        <a:moveTo>
-                          <a:pt x="249594" y="9954"/>
-                        </a:moveTo>
-                        <a:lnTo>
-                          <a:pt x="249594" y="144364"/>
-                        </a:lnTo>
-                        <a:lnTo>
-                          <a:pt x="11376" y="144364"/>
-                        </a:lnTo>
-                        <a:lnTo>
-                          <a:pt x="11376" y="9954"/>
-                        </a:lnTo>
-                        <a:close/>
-                        <a:moveTo>
-                          <a:pt x="8305" y="0"/>
-                        </a:moveTo>
-                        <a:cubicBezTo>
-                          <a:pt x="4039" y="0"/>
-                          <a:pt x="0" y="2844"/>
-                          <a:pt x="0" y="7110"/>
-                        </a:cubicBezTo>
-                        <a:lnTo>
-                          <a:pt x="0" y="155740"/>
-                        </a:lnTo>
-                        <a:lnTo>
-                          <a:pt x="260970" y="155740"/>
-                        </a:lnTo>
-                        <a:lnTo>
-                          <a:pt x="260970" y="7110"/>
-                        </a:lnTo>
-                        <a:cubicBezTo>
-                          <a:pt x="260970" y="2844"/>
-                          <a:pt x="257386" y="0"/>
-                          <a:pt x="253120" y="0"/>
-                        </a:cubicBezTo>
-                        <a:close/>
-                      </a:path>
-                    </a:pathLst>
-                  </a:custGeom>
-                  <a:solidFill>
-                    <a:schemeClr val="dk1"/>
-                  </a:solidFill>
-                  <a:ln w="9525" cap="flat" cmpd="sng">
-                    <a:solidFill>
-                      <a:schemeClr val="accent3"/>
-                    </a:solidFill>
-                    <a:prstDash val="solid"/>
-                    <a:round/>
-                    <a:headEnd type="none" w="sm" len="sm"/>
-                    <a:tailEnd type="none" w="sm" len="sm"/>
-                  </a:ln>
-                </p:spPr>
-                <p:txBody>
-                  <a:bodyPr spcFirstLastPara="1" wrap="square" lIns="91425" tIns="91425" rIns="91425" bIns="91425" anchor="ctr" anchorCtr="0">
-                    <a:noAutofit/>
-                  </a:bodyPr>
-                  <a:lstStyle/>
-                  <a:p>
-                    <a:pPr marL="0" lvl="0" indent="0" algn="l" rtl="0">
-                      <a:spcBef>
-                        <a:spcPts val="0"/>
-                      </a:spcBef>
-                      <a:spcAft>
-                        <a:spcPts val="0"/>
-                      </a:spcAft>
-                      <a:buNone/>
-                    </a:pPr>
-                    <a:endParaRPr>
-                      <a:solidFill>
-                        <a:schemeClr val="accent3"/>
-                      </a:solidFill>
-                    </a:endParaRPr>
-                  </a:p>
-                </p:txBody>
-              </p:sp>
-            </p:grpSp>
-            <p:sp>
-              <p:nvSpPr>
-                <p:cNvPr id="2537" name="Google Shape;2537;p48"/>
-                <p:cNvSpPr/>
-                <p:nvPr/>
-              </p:nvSpPr>
-              <p:spPr>
-                <a:xfrm>
-                  <a:off x="5947879" y="3778845"/>
-                  <a:ext cx="194076" cy="166189"/>
-                </a:xfrm>
-                <a:custGeom>
-                  <a:avLst/>
-                  <a:gdLst/>
-                  <a:ahLst/>
-                  <a:cxnLst/>
-                  <a:rect l="l" t="t" r="r" b="b"/>
-                  <a:pathLst>
-                    <a:path w="10627" h="9100" extrusionOk="0">
-                      <a:moveTo>
-                        <a:pt x="6092" y="0"/>
-                      </a:moveTo>
-                      <a:cubicBezTo>
-                        <a:pt x="2020" y="0"/>
-                        <a:pt x="0" y="4900"/>
-                        <a:pt x="2881" y="7747"/>
-                      </a:cubicBezTo>
-                      <a:cubicBezTo>
-                        <a:pt x="3804" y="8681"/>
-                        <a:pt x="4944" y="9100"/>
-                        <a:pt x="6063" y="9100"/>
-                      </a:cubicBezTo>
-                      <a:cubicBezTo>
-                        <a:pt x="8391" y="9100"/>
-                        <a:pt x="10627" y="7286"/>
-                        <a:pt x="10627" y="4536"/>
-                      </a:cubicBezTo>
-                      <a:cubicBezTo>
-                        <a:pt x="10627" y="2020"/>
-                        <a:pt x="8608" y="0"/>
-                        <a:pt x="6092" y="0"/>
-                      </a:cubicBezTo>
-                      <a:close/>
-                    </a:path>
-                  </a:pathLst>
-                </a:custGeom>
-                <a:noFill/>
-                <a:ln w="9525" cap="flat" cmpd="sng">
-                  <a:solidFill>
-                    <a:schemeClr val="accent3"/>
-                  </a:solidFill>
-                  <a:prstDash val="solid"/>
-                  <a:round/>
-                  <a:headEnd type="none" w="sm" len="sm"/>
-                  <a:tailEnd type="none" w="sm" len="sm"/>
-                </a:ln>
-              </p:spPr>
-              <p:txBody>
-                <a:bodyPr spcFirstLastPara="1" wrap="square" lIns="91425" tIns="91425" rIns="91425" bIns="91425" anchor="ctr" anchorCtr="0">
-                  <a:noAutofit/>
-                </a:bodyPr>
-                <a:lstStyle/>
-                <a:p>
-                  <a:pPr marL="0" lvl="0" indent="0" algn="l" rtl="0">
-                    <a:spcBef>
-                      <a:spcPts val="0"/>
-                    </a:spcBef>
-                    <a:spcAft>
-                      <a:spcPts val="0"/>
-                    </a:spcAft>
-                    <a:buNone/>
-                  </a:pPr>
-                  <a:endParaRPr>
-                    <a:solidFill>
-                      <a:schemeClr val="accent3"/>
-                    </a:solidFill>
-                  </a:endParaRPr>
-                </a:p>
-              </p:txBody>
-            </p:sp>
-          </p:grpSp>
-          <p:sp>
-            <p:nvSpPr>
-              <p:cNvPr id="2538" name="Google Shape;2538;p48"/>
-              <p:cNvSpPr/>
-              <p:nvPr/>
-            </p:nvSpPr>
-            <p:spPr>
-              <a:xfrm>
-                <a:off x="5498909" y="3408365"/>
-                <a:ext cx="1040944" cy="326273"/>
-              </a:xfrm>
-              <a:custGeom>
-                <a:avLst/>
-                <a:gdLst/>
-                <a:ahLst/>
-                <a:cxnLst/>
-                <a:rect l="l" t="t" r="r" b="b"/>
-                <a:pathLst>
-                  <a:path w="94481" h="29125" extrusionOk="0">
-                    <a:moveTo>
-                      <a:pt x="79805" y="18317"/>
-                    </a:moveTo>
-                    <a:cubicBezTo>
-                      <a:pt x="74117" y="12515"/>
-                      <a:pt x="73889" y="1"/>
-                      <a:pt x="73889" y="1"/>
-                    </a:cubicBezTo>
-                    <a:lnTo>
-                      <a:pt x="20592" y="1"/>
-                    </a:lnTo>
-                    <a:cubicBezTo>
-                      <a:pt x="20592" y="1"/>
-                      <a:pt x="20364" y="12515"/>
-                      <a:pt x="14676" y="18317"/>
-                    </a:cubicBezTo>
-                    <a:cubicBezTo>
-                      <a:pt x="8931" y="24175"/>
-                      <a:pt x="1" y="29124"/>
-                      <a:pt x="15529" y="29124"/>
-                    </a:cubicBezTo>
-                    <a:lnTo>
-                      <a:pt x="78952" y="29124"/>
-                    </a:lnTo>
-                    <a:cubicBezTo>
-                      <a:pt x="94480" y="29124"/>
-                      <a:pt x="85493" y="24175"/>
-                      <a:pt x="79805" y="18317"/>
-                    </a:cubicBezTo>
-                    <a:close/>
-                  </a:path>
-                </a:pathLst>
-              </a:custGeom>
-              <a:solidFill>
-                <a:schemeClr val="dk1"/>
-              </a:solidFill>
-              <a:ln w="9525" cap="flat" cmpd="sng">
-                <a:solidFill>
-                  <a:schemeClr val="accent3"/>
-                </a:solidFill>
-                <a:prstDash val="solid"/>
-                <a:round/>
-                <a:headEnd type="none" w="sm" len="sm"/>
-                <a:tailEnd type="none" w="sm" len="sm"/>
-              </a:ln>
-            </p:spPr>
-            <p:txBody>
-              <a:bodyPr spcFirstLastPara="1" wrap="square" lIns="91425" tIns="91425" rIns="91425" bIns="91425" anchor="ctr" anchorCtr="0">
-                <a:noAutofit/>
-              </a:bodyPr>
-              <a:lstStyle/>
-              <a:p>
-                <a:pPr marL="0" lvl="0" indent="0" algn="l" rtl="0">
-                  <a:spcBef>
-                    <a:spcPts val="0"/>
-                  </a:spcBef>
-                  <a:spcAft>
-                    <a:spcPts val="0"/>
-                  </a:spcAft>
-                  <a:buNone/>
-                </a:pPr>
-                <a:endParaRPr>
-                  <a:solidFill>
-                    <a:schemeClr val="accent3"/>
-                  </a:solidFill>
-                </a:endParaRPr>
-              </a:p>
-            </p:txBody>
-          </p:sp>
-        </p:grpSp>
-        <p:cxnSp>
-          <p:nvCxnSpPr>
-            <p:cNvPr id="2539" name="Google Shape;2539;p48"/>
-            <p:cNvCxnSpPr/>
-            <p:nvPr/>
-          </p:nvCxnSpPr>
-          <p:spPr>
-            <a:xfrm rot="10800000">
-              <a:off x="5370275" y="3949180"/>
-              <a:ext cx="2688000" cy="0"/>
-            </a:xfrm>
-            <a:prstGeom prst="straightConnector1">
-              <a:avLst/>
-            </a:prstGeom>
-            <a:noFill/>
-            <a:ln w="9525" cap="flat" cmpd="sng">
-              <a:solidFill>
-                <a:schemeClr val="accent3"/>
-              </a:solidFill>
-              <a:prstDash val="solid"/>
-              <a:round/>
-              <a:headEnd type="none" w="med" len="med"/>
-              <a:tailEnd type="none" w="med" len="med"/>
-            </a:ln>
-          </p:spPr>
-        </p:cxnSp>
-      </p:grpSp>
-      <p:pic>
-        <p:nvPicPr>
-          <p:cNvPr id="5" name="Picture 4">
-            <a:extLst>
-              <a:ext uri="{FF2B5EF4-FFF2-40B4-BE49-F238E27FC236}">
-                <a16:creationId xmlns:a16="http://schemas.microsoft.com/office/drawing/2014/main" id="{31378475-CA6C-8753-87FE-AD78B1029BBE}"/>
-              </a:ext>
-            </a:extLst>
-          </p:cNvPr>
-          <p:cNvPicPr>
-            <a:picLocks noChangeAspect="1"/>
-          </p:cNvPicPr>
-          <p:nvPr/>
-        </p:nvPicPr>
-        <p:blipFill>
-          <a:blip r:embed="rId3"/>
-          <a:stretch>
-            <a:fillRect/>
-          </a:stretch>
-        </p:blipFill>
-        <p:spPr>
-          <a:xfrm>
-            <a:off x="4634894" y="1121370"/>
-            <a:ext cx="4233333" cy="2316758"/>
-          </a:xfrm>
-          <a:prstGeom prst="rect">
-            <a:avLst/>
-          </a:prstGeom>
-        </p:spPr>
-      </p:pic>
-    </p:spTree>
   </p:cSld>
   <p:clrMapOvr>
     <a:masterClrMapping/>

--- a/Licenta/Licenta_Slides.pptx
+++ b/Licenta/Licenta_Slides.pptx
@@ -19881,6 +19881,86 @@
               </a:rPr>
               <a:t>!</a:t>
             </a:r>
+          </a:p>
+        </p:txBody>
+      </p:sp>
+      <p:sp>
+        <p:nvSpPr>
+          <p:cNvPr id="4" name="TextBox 3">
+            <a:extLst>
+              <a:ext uri="{FF2B5EF4-FFF2-40B4-BE49-F238E27FC236}">
+                <a16:creationId xmlns:a16="http://schemas.microsoft.com/office/drawing/2014/main" id="{4A89C121-3800-32C4-797A-133FE9D27C38}"/>
+              </a:ext>
+            </a:extLst>
+          </p:cNvPr>
+          <p:cNvSpPr txBox="1"/>
+          <p:nvPr/>
+        </p:nvSpPr>
+        <p:spPr>
+          <a:xfrm>
+            <a:off x="4818553" y="3992020"/>
+            <a:ext cx="4572000" cy="523220"/>
+          </a:xfrm>
+          <a:prstGeom prst="rect">
+            <a:avLst/>
+          </a:prstGeom>
+          <a:noFill/>
+        </p:spPr>
+        <p:txBody>
+          <a:bodyPr wrap="square">
+            <a:spAutoFit/>
+          </a:bodyPr>
+          <a:lstStyle/>
+          <a:p>
+            <a:pPr marL="0" indent="0" algn="l">
+              <a:buClr>
+                <a:schemeClr val="accent1"/>
+              </a:buClr>
+              <a:buSzPts val="1100"/>
+              <a:buFont typeface="Arial"/>
+              <a:buNone/>
+            </a:pPr>
+            <a:r>
+              <a:rPr lang="ro-RO" dirty="0">
+                <a:solidFill>
+                  <a:schemeClr val="accent6"/>
+                </a:solidFill>
+                <a:latin typeface="Fira Code" panose="020B0809050000020004" pitchFamily="49" charset="0"/>
+                <a:ea typeface="Fira Code" panose="020B0809050000020004" pitchFamily="49" charset="0"/>
+                <a:cs typeface="Fira Code" panose="020B0809050000020004" pitchFamily="49" charset="0"/>
+              </a:rPr>
+              <a:t>CREDITS: Șablonul acestei prezentări a fost creat de </a:t>
+            </a:r>
+            <a:r>
+              <a:rPr lang="ro-RO" dirty="0" err="1">
+                <a:solidFill>
+                  <a:schemeClr val="accent6"/>
+                </a:solidFill>
+                <a:latin typeface="Fira Code" panose="020B0809050000020004" pitchFamily="49" charset="0"/>
+                <a:ea typeface="Fira Code" panose="020B0809050000020004" pitchFamily="49" charset="0"/>
+                <a:cs typeface="Fira Code" panose="020B0809050000020004" pitchFamily="49" charset="0"/>
+              </a:rPr>
+              <a:t>Slidesgo</a:t>
+            </a:r>
+            <a:r>
+              <a:rPr lang="ro-RO" dirty="0">
+                <a:solidFill>
+                  <a:schemeClr val="accent6"/>
+                </a:solidFill>
+                <a:latin typeface="Fira Code" panose="020B0809050000020004" pitchFamily="49" charset="0"/>
+                <a:ea typeface="Fira Code" panose="020B0809050000020004" pitchFamily="49" charset="0"/>
+                <a:cs typeface="Fira Code" panose="020B0809050000020004" pitchFamily="49" charset="0"/>
+              </a:rPr>
+              <a:t>.</a:t>
+            </a:r>
+            <a:endParaRPr lang="it-IT" dirty="0">
+              <a:solidFill>
+                <a:schemeClr val="accent6"/>
+              </a:solidFill>
+              <a:latin typeface="Fira Code" panose="020B0809050000020004" pitchFamily="49" charset="0"/>
+              <a:ea typeface="Fira Code" panose="020B0809050000020004" pitchFamily="49" charset="0"/>
+              <a:cs typeface="Fira Code" panose="020B0809050000020004" pitchFamily="49" charset="0"/>
+            </a:endParaRPr>
           </a:p>
         </p:txBody>
       </p:sp>
